--- a/fuentes/contenidos/grado09/guion03/MapaConceptual_MA_09_03_COPowerPoint/MapaConceptual.pptx
+++ b/fuentes/contenidos/grado09/guion03/MapaConceptual_MA_09_03_COPowerPoint/MapaConceptual.pptx
@@ -450,7 +450,7 @@
           <a:p>
             <a:fld id="{5001C876-01F7-4317-94B9-1AE222133113}" type="datetimeFigureOut">
               <a:rPr lang="es-ES" smtClean="0"/>
-              <a:t>28/08/2015</a:t>
+              <a:t>29/08/2015</a:t>
             </a:fld>
             <a:endParaRPr lang="es-ES"/>
           </a:p>
@@ -1137,10 +1137,6 @@
               </a:rPr>
               <a:t>Los números imaginarios</a:t>
             </a:r>
-            <a:endParaRPr lang="es-ES" sz="1200" b="1" dirty="0">
-              <a:latin typeface="Arial" panose="020B0604020202020204" pitchFamily="34" charset="0"/>
-              <a:cs typeface="Arial" panose="020B0604020202020204" pitchFamily="34" charset="0"/>
-            </a:endParaRPr>
           </a:p>
         </p:txBody>
       </p:sp>
@@ -1242,7 +1238,7 @@
           </a:xfrm>
           <a:prstGeom prst="bentConnector3">
             <a:avLst>
-              <a:gd name="adj1" fmla="val -1499"/>
+              <a:gd name="adj1" fmla="val 58515"/>
             </a:avLst>
           </a:prstGeom>
           <a:ln w="12700">
@@ -1376,7 +1372,7 @@
           </a:xfrm>
           <a:prstGeom prst="bentConnector3">
             <a:avLst>
-              <a:gd name="adj1" fmla="val 107433"/>
+              <a:gd name="adj1" fmla="val 55743"/>
             </a:avLst>
           </a:prstGeom>
           <a:ln w="12700">
@@ -1408,7 +1404,7 @@
         </p:nvSpPr>
         <p:spPr>
           <a:xfrm>
-            <a:off x="688477" y="3843747"/>
+            <a:off x="639709" y="3843747"/>
             <a:ext cx="1117174" cy="215444"/>
           </a:xfrm>
           <a:prstGeom prst="rect">
@@ -1440,17 +1436,20 @@
       <p:cxnSp>
         <p:nvCxnSpPr>
           <p:cNvPr id="68" name="Conector angular 67"/>
-          <p:cNvCxnSpPr/>
+          <p:cNvCxnSpPr>
+            <a:stCxn id="67" idx="0"/>
+            <a:endCxn id="44" idx="2"/>
+          </p:cNvCxnSpPr>
           <p:nvPr/>
         </p:nvCxnSpPr>
         <p:spPr>
-          <a:xfrm rot="16200000" flipV="1">
-            <a:off x="1075657" y="3691608"/>
-            <a:ext cx="224418" cy="66944"/>
+          <a:xfrm rot="5400000" flipH="1" flipV="1">
+            <a:off x="1086222" y="3729287"/>
+            <a:ext cx="226534" cy="2387"/>
           </a:xfrm>
           <a:prstGeom prst="bentConnector3">
             <a:avLst>
-              <a:gd name="adj1" fmla="val 104327"/>
+              <a:gd name="adj1" fmla="val 50000"/>
             </a:avLst>
           </a:prstGeom>
           <a:ln w="12700">
@@ -1548,8 +1547,8 @@
           </a:p>
         </p:txBody>
       </p:sp>
-      <mc:AlternateContent xmlns:mc="http://schemas.openxmlformats.org/markup-compatibility/2006">
-        <mc:Choice xmlns:a14="http://schemas.microsoft.com/office/drawing/2010/main" Requires="a14">
+      <mc:AlternateContent xmlns:mc="http://schemas.openxmlformats.org/markup-compatibility/2006" xmlns:a14="http://schemas.microsoft.com/office/drawing/2010/main">
+        <mc:Choice Requires="a14">
           <p:sp>
             <p:nvSpPr>
               <p:cNvPr id="73" name="Rectángulo 72" descr="Nodo de cuarto nivel&#10;" title="Nodo04"/>
@@ -1691,18 +1690,11 @@
                   </a:rPr>
                   <a:t>-1</a:t>
                 </a:r>
-                <a:endParaRPr lang="es-ES" sz="900" dirty="0">
-                  <a:solidFill>
-                    <a:schemeClr val="tx1"/>
-                  </a:solidFill>
-                  <a:latin typeface="Arial" panose="020B0604020202020204" pitchFamily="34" charset="0"/>
-                  <a:cs typeface="Arial" panose="020B0604020202020204" pitchFamily="34" charset="0"/>
-                </a:endParaRPr>
               </a:p>
             </p:txBody>
           </p:sp>
         </mc:Choice>
-        <mc:Fallback>
+        <mc:Fallback xmlns="">
           <p:sp>
             <p:nvSpPr>
               <p:cNvPr id="73" name="Rectángulo 72" descr="Nodo de cuarto nivel&#10;" title="Nodo04"/>
@@ -1798,7 +1790,7 @@
           </a:xfrm>
           <a:prstGeom prst="bentConnector3">
             <a:avLst>
-              <a:gd name="adj1" fmla="val -2261"/>
+              <a:gd name="adj1" fmla="val 50000"/>
             </a:avLst>
           </a:prstGeom>
           <a:ln w="12700">
@@ -1897,17 +1889,20 @@
       <p:cxnSp>
         <p:nvCxnSpPr>
           <p:cNvPr id="248" name="Conector angular 247"/>
-          <p:cNvCxnSpPr/>
+          <p:cNvCxnSpPr>
+            <a:stCxn id="211" idx="0"/>
+            <a:endCxn id="129" idx="2"/>
+          </p:cNvCxnSpPr>
           <p:nvPr/>
         </p:nvCxnSpPr>
         <p:spPr>
           <a:xfrm rot="5400000" flipH="1" flipV="1">
-            <a:off x="1107714" y="5955758"/>
-            <a:ext cx="312698" cy="12700"/>
+            <a:off x="1080707" y="5954958"/>
+            <a:ext cx="323239" cy="43473"/>
           </a:xfrm>
           <a:prstGeom prst="bentConnector3">
             <a:avLst>
-              <a:gd name="adj1" fmla="val -6598"/>
+              <a:gd name="adj1" fmla="val 50000"/>
             </a:avLst>
           </a:prstGeom>
           <a:ln w="12700">
@@ -2513,7 +2508,7 @@
           </a:xfrm>
           <a:prstGeom prst="bentConnector3">
             <a:avLst>
-              <a:gd name="adj1" fmla="val 50000"/>
+              <a:gd name="adj1" fmla="val -150964"/>
             </a:avLst>
           </a:prstGeom>
           <a:ln w="12700">
@@ -2963,13 +2958,14 @@
           <p:cNvPr id="289" name="Conector angular 288"/>
           <p:cNvCxnSpPr>
             <a:stCxn id="284" idx="2"/>
+            <a:endCxn id="287" idx="0"/>
           </p:cNvCxnSpPr>
           <p:nvPr/>
         </p:nvCxnSpPr>
         <p:spPr>
-          <a:xfrm rot="5400000">
-            <a:off x="3614747" y="3443495"/>
-            <a:ext cx="244822" cy="1405"/>
+          <a:xfrm rot="16200000" flipH="1">
+            <a:off x="3635260" y="3424386"/>
+            <a:ext cx="281469" cy="76268"/>
           </a:xfrm>
           <a:prstGeom prst="bentConnector3">
             <a:avLst>
@@ -3002,17 +2998,18 @@
           <p:cNvPr id="290" name="Conector angular 289"/>
           <p:cNvCxnSpPr>
             <a:stCxn id="287" idx="2"/>
+            <a:endCxn id="285" idx="0"/>
           </p:cNvCxnSpPr>
           <p:nvPr/>
         </p:nvCxnSpPr>
         <p:spPr>
           <a:xfrm rot="5400000">
-            <a:off x="3687316" y="3935991"/>
-            <a:ext cx="244104" cy="9521"/>
+            <a:off x="3692595" y="3917918"/>
+            <a:ext cx="220752" cy="22314"/>
           </a:xfrm>
           <a:prstGeom prst="bentConnector3">
             <a:avLst>
-              <a:gd name="adj1" fmla="val 89244"/>
+              <a:gd name="adj1" fmla="val 50000"/>
             </a:avLst>
           </a:prstGeom>
           <a:ln w="12700">
@@ -3083,7 +3080,7 @@
         </p:nvSpPr>
         <p:spPr>
           <a:xfrm>
-            <a:off x="7445779" y="972456"/>
+            <a:off x="7492954" y="947159"/>
             <a:ext cx="1124746" cy="439782"/>
           </a:xfrm>
           <a:prstGeom prst="rect">
@@ -3223,9 +3220,9 @@
           <p:nvPr/>
         </p:nvCxnSpPr>
         <p:spPr>
-          <a:xfrm rot="16200000" flipH="1">
-            <a:off x="7966536" y="1453854"/>
-            <a:ext cx="85581" cy="2348"/>
+          <a:xfrm rot="5400000">
+            <a:off x="7977475" y="1419967"/>
+            <a:ext cx="110878" cy="44827"/>
           </a:xfrm>
           <a:prstGeom prst="bentConnector3">
             <a:avLst>
@@ -3358,13 +3355,6 @@
               </a:rPr>
               <a:t>división</a:t>
             </a:r>
-            <a:endParaRPr lang="es-ES" sz="1050" dirty="0" smtClean="0">
-              <a:solidFill>
-                <a:schemeClr val="bg1"/>
-              </a:solidFill>
-              <a:latin typeface="Arial" panose="020B0604020202020204" pitchFamily="34" charset="0"/>
-              <a:cs typeface="Arial" panose="020B0604020202020204" pitchFamily="34" charset="0"/>
-            </a:endParaRPr>
           </a:p>
         </p:txBody>
       </p:sp>
@@ -3384,7 +3374,7 @@
           </a:xfrm>
           <a:prstGeom prst="bentConnector3">
             <a:avLst>
-              <a:gd name="adj1" fmla="val 104973"/>
+              <a:gd name="adj1" fmla="val 50000"/>
             </a:avLst>
           </a:prstGeom>
           <a:ln w="12700">
@@ -3607,12 +3597,12 @@
         </p:nvCxnSpPr>
         <p:spPr>
           <a:xfrm rot="16200000" flipH="1">
-            <a:off x="7622180" y="3446578"/>
-            <a:ext cx="717084" cy="27161"/>
+            <a:off x="7655495" y="3413263"/>
+            <a:ext cx="717084" cy="93791"/>
           </a:xfrm>
           <a:prstGeom prst="bentConnector3">
             <a:avLst>
-              <a:gd name="adj1" fmla="val 97364"/>
+              <a:gd name="adj1" fmla="val 50000"/>
             </a:avLst>
           </a:prstGeom>
           <a:ln w="12700">
@@ -3644,7 +3634,7 @@
         </p:nvSpPr>
         <p:spPr>
           <a:xfrm>
-            <a:off x="6876550" y="5377612"/>
+            <a:off x="6876550" y="5366182"/>
             <a:ext cx="686167" cy="353519"/>
           </a:xfrm>
           <a:prstGeom prst="rect">
@@ -3686,17 +3676,7 @@
                 <a:latin typeface="Arial" panose="020B0604020202020204" pitchFamily="34" charset="0"/>
                 <a:cs typeface="Arial" panose="020B0604020202020204" pitchFamily="34" charset="0"/>
               </a:rPr>
-              <a:t>Inverso </a:t>
-            </a:r>
-            <a:r>
-              <a:rPr lang="es-ES" sz="900" dirty="0" err="1" smtClean="0">
-                <a:solidFill>
-                  <a:schemeClr val="tx1"/>
-                </a:solidFill>
-                <a:latin typeface="Arial" panose="020B0604020202020204" pitchFamily="34" charset="0"/>
-                <a:cs typeface="Arial" panose="020B0604020202020204" pitchFamily="34" charset="0"/>
-              </a:rPr>
-              <a:t>aditvo</a:t>
+              <a:t>Inverso aditivo</a:t>
             </a:r>
             <a:endParaRPr lang="es-ES" sz="900" dirty="0">
               <a:solidFill>
@@ -3716,7 +3696,7 @@
         </p:nvSpPr>
         <p:spPr>
           <a:xfrm>
-            <a:off x="7790319" y="5353833"/>
+            <a:off x="7790319" y="5370978"/>
             <a:ext cx="908541" cy="353519"/>
           </a:xfrm>
           <a:prstGeom prst="rect">
@@ -3855,8 +3835,8 @@
         </p:nvCxnSpPr>
         <p:spPr>
           <a:xfrm rot="16200000" flipH="1">
-            <a:off x="7967012" y="931316"/>
-            <a:ext cx="81122" cy="1157"/>
+            <a:off x="8003249" y="895080"/>
+            <a:ext cx="55825" cy="48332"/>
           </a:xfrm>
           <a:prstGeom prst="bentConnector3">
             <a:avLst>
@@ -3949,7 +3929,14 @@
                 <a:latin typeface="Arial" panose="020B0604020202020204" pitchFamily="34" charset="0"/>
                 <a:cs typeface="Arial" panose="020B0604020202020204" pitchFamily="34" charset="0"/>
               </a:rPr>
-              <a:t>se estable</a:t>
+              <a:t>se </a:t>
+            </a:r>
+            <a:r>
+              <a:rPr lang="es-ES" sz="800" dirty="0" smtClean="0">
+                <a:latin typeface="Arial" panose="020B0604020202020204" pitchFamily="34" charset="0"/>
+                <a:cs typeface="Arial" panose="020B0604020202020204" pitchFamily="34" charset="0"/>
+              </a:rPr>
+              <a:t>establecen</a:t>
             </a:r>
             <a:endParaRPr lang="es-ES" sz="800" dirty="0">
               <a:latin typeface="Arial" panose="020B0604020202020204" pitchFamily="34" charset="0"/>
@@ -4241,7 +4228,7 @@
         </p:nvSpPr>
         <p:spPr>
           <a:xfrm>
-            <a:off x="5406931" y="2284465"/>
+            <a:off x="5454106" y="2259168"/>
             <a:ext cx="1031476" cy="335197"/>
           </a:xfrm>
           <a:prstGeom prst="rect">
@@ -4305,7 +4292,7 @@
         </p:nvSpPr>
         <p:spPr>
           <a:xfrm>
-            <a:off x="6276744" y="1871680"/>
+            <a:off x="6286779" y="1858910"/>
             <a:ext cx="1031476" cy="335197"/>
           </a:xfrm>
           <a:prstGeom prst="rect">
@@ -4582,13 +4569,16 @@
       <p:cxnSp>
         <p:nvCxnSpPr>
           <p:cNvPr id="363" name="Conector angular 362"/>
-          <p:cNvCxnSpPr/>
+          <p:cNvCxnSpPr>
+            <a:stCxn id="72" idx="0"/>
+            <a:endCxn id="67" idx="2"/>
+          </p:cNvCxnSpPr>
           <p:nvPr/>
         </p:nvCxnSpPr>
         <p:spPr>
-          <a:xfrm rot="5400000" flipH="1" flipV="1">
-            <a:off x="1141169" y="4165955"/>
-            <a:ext cx="159461" cy="877"/>
+          <a:xfrm rot="16200000" flipV="1">
+            <a:off x="1130466" y="4127021"/>
+            <a:ext cx="184428" cy="48768"/>
           </a:xfrm>
           <a:prstGeom prst="bentConnector3">
             <a:avLst>
@@ -4619,13 +4609,15 @@
       <p:cxnSp>
         <p:nvCxnSpPr>
           <p:cNvPr id="368" name="Conector angular 367"/>
-          <p:cNvCxnSpPr/>
+          <p:cNvCxnSpPr>
+            <a:endCxn id="72" idx="2"/>
+          </p:cNvCxnSpPr>
           <p:nvPr/>
         </p:nvCxnSpPr>
         <p:spPr>
           <a:xfrm rot="5400000" flipH="1" flipV="1">
-            <a:off x="1143118" y="4638383"/>
-            <a:ext cx="159461" cy="877"/>
+            <a:off x="1168991" y="4640480"/>
+            <a:ext cx="131493" cy="24654"/>
           </a:xfrm>
           <a:prstGeom prst="bentConnector3">
             <a:avLst>
@@ -4656,13 +4648,16 @@
       <p:cxnSp>
         <p:nvCxnSpPr>
           <p:cNvPr id="369" name="Conector angular 368"/>
-          <p:cNvCxnSpPr/>
+          <p:cNvCxnSpPr>
+            <a:stCxn id="73" idx="0"/>
+            <a:endCxn id="75" idx="2"/>
+          </p:cNvCxnSpPr>
           <p:nvPr/>
         </p:nvCxnSpPr>
         <p:spPr>
           <a:xfrm rot="5400000" flipH="1" flipV="1">
-            <a:off x="1168595" y="5016384"/>
-            <a:ext cx="159461" cy="877"/>
+            <a:off x="1164561" y="5043952"/>
+            <a:ext cx="139891" cy="7274"/>
           </a:xfrm>
           <a:prstGeom prst="bentConnector3">
             <a:avLst>
@@ -4693,17 +4688,19 @@
       <p:cxnSp>
         <p:nvCxnSpPr>
           <p:cNvPr id="385" name="Conector angular 384"/>
-          <p:cNvCxnSpPr/>
+          <p:cNvCxnSpPr>
+            <a:endCxn id="5" idx="0"/>
+          </p:cNvCxnSpPr>
           <p:nvPr/>
         </p:nvCxnSpPr>
         <p:spPr>
-          <a:xfrm rot="16200000" flipH="1">
-            <a:off x="1271730" y="926316"/>
-            <a:ext cx="212280" cy="41125"/>
+          <a:xfrm rot="5400000">
+            <a:off x="1188237" y="872963"/>
+            <a:ext cx="201295" cy="136846"/>
           </a:xfrm>
           <a:prstGeom prst="bentConnector3">
             <a:avLst>
-              <a:gd name="adj1" fmla="val 90430"/>
+              <a:gd name="adj1" fmla="val 50000"/>
             </a:avLst>
           </a:prstGeom>
           <a:ln w="12700">
@@ -4846,7 +4843,7 @@
         </p:nvCxnSpPr>
         <p:spPr>
           <a:xfrm rot="16200000" flipV="1">
-            <a:off x="6269105" y="1343686"/>
+            <a:off x="6263945" y="1346479"/>
             <a:ext cx="15277" cy="1040710"/>
           </a:xfrm>
           <a:prstGeom prst="bentConnector3">
@@ -4883,12 +4880,12 @@
         </p:nvCxnSpPr>
         <p:spPr>
           <a:xfrm rot="16200000" flipV="1">
-            <a:off x="5224112" y="1352235"/>
+            <a:off x="5219032" y="1352235"/>
             <a:ext cx="15277" cy="1040710"/>
           </a:xfrm>
           <a:prstGeom prst="bentConnector3">
             <a:avLst>
-              <a:gd name="adj1" fmla="val 966309"/>
+              <a:gd name="adj1" fmla="val 1016188"/>
             </a:avLst>
           </a:prstGeom>
           <a:ln w="12700">
@@ -4915,13 +4912,15 @@
       <p:cxnSp>
         <p:nvCxnSpPr>
           <p:cNvPr id="415" name="Conector angular 414"/>
-          <p:cNvCxnSpPr/>
+          <p:cNvCxnSpPr>
+            <a:endCxn id="214" idx="0"/>
+          </p:cNvCxnSpPr>
           <p:nvPr/>
         </p:nvCxnSpPr>
         <p:spPr>
           <a:xfrm rot="16200000" flipH="1">
-            <a:off x="5538339" y="2086201"/>
-            <a:ext cx="407131" cy="877"/>
+            <a:off x="5672270" y="1961593"/>
+            <a:ext cx="376533" cy="218615"/>
           </a:xfrm>
           <a:prstGeom prst="bentConnector3">
             <a:avLst>
@@ -4989,17 +4988,19 @@
       <p:cxnSp>
         <p:nvCxnSpPr>
           <p:cNvPr id="417" name="Conector angular 416"/>
-          <p:cNvCxnSpPr/>
+          <p:cNvCxnSpPr>
+            <a:stCxn id="140" idx="2"/>
+          </p:cNvCxnSpPr>
           <p:nvPr/>
         </p:nvCxnSpPr>
         <p:spPr>
           <a:xfrm rot="5400000">
-            <a:off x="4628648" y="2429951"/>
-            <a:ext cx="235949" cy="10272"/>
+            <a:off x="4641068" y="2396450"/>
+            <a:ext cx="257031" cy="56191"/>
           </a:xfrm>
           <a:prstGeom prst="bentConnector3">
             <a:avLst>
-              <a:gd name="adj1" fmla="val 6191"/>
+              <a:gd name="adj1" fmla="val 50000"/>
             </a:avLst>
           </a:prstGeom>
           <a:ln w="12700">
@@ -5139,17 +5140,19 @@
       <p:cxnSp>
         <p:nvCxnSpPr>
           <p:cNvPr id="424" name="Conector angular 423"/>
-          <p:cNvCxnSpPr/>
+          <p:cNvCxnSpPr>
+            <a:stCxn id="214" idx="2"/>
+          </p:cNvCxnSpPr>
           <p:nvPr/>
         </p:nvCxnSpPr>
         <p:spPr>
           <a:xfrm rot="5400000">
-            <a:off x="5718995" y="2727681"/>
-            <a:ext cx="235949" cy="10272"/>
+            <a:off x="5772626" y="2653573"/>
+            <a:ext cx="256426" cy="138010"/>
           </a:xfrm>
           <a:prstGeom prst="bentConnector3">
             <a:avLst>
-              <a:gd name="adj1" fmla="val 6191"/>
+              <a:gd name="adj1" fmla="val 50000"/>
             </a:avLst>
           </a:prstGeom>
           <a:ln w="12700">
@@ -5176,17 +5179,19 @@
       <p:cxnSp>
         <p:nvCxnSpPr>
           <p:cNvPr id="425" name="Conector angular 424"/>
-          <p:cNvCxnSpPr/>
+          <p:cNvCxnSpPr>
+            <a:stCxn id="294" idx="2"/>
+          </p:cNvCxnSpPr>
           <p:nvPr/>
         </p:nvCxnSpPr>
         <p:spPr>
-          <a:xfrm rot="5400000">
-            <a:off x="6742496" y="2366562"/>
-            <a:ext cx="235949" cy="10272"/>
+          <a:xfrm rot="16200000" flipH="1">
+            <a:off x="6692546" y="2304077"/>
+            <a:ext cx="282795" cy="62853"/>
           </a:xfrm>
           <a:prstGeom prst="bentConnector3">
             <a:avLst>
-              <a:gd name="adj1" fmla="val 6191"/>
+              <a:gd name="adj1" fmla="val 50000"/>
             </a:avLst>
           </a:prstGeom>
           <a:ln w="12700">
@@ -5213,13 +5218,15 @@
       <p:cxnSp>
         <p:nvCxnSpPr>
           <p:cNvPr id="426" name="Conector angular 425"/>
-          <p:cNvCxnSpPr/>
+          <p:cNvCxnSpPr>
+            <a:endCxn id="427" idx="0"/>
+          </p:cNvCxnSpPr>
           <p:nvPr/>
         </p:nvCxnSpPr>
         <p:spPr>
           <a:xfrm rot="16200000" flipH="1">
-            <a:off x="6687136" y="2920683"/>
-            <a:ext cx="350159" cy="877"/>
+            <a:off x="6716966" y="2890853"/>
+            <a:ext cx="373223" cy="83600"/>
           </a:xfrm>
           <a:prstGeom prst="bentConnector3">
             <a:avLst>
@@ -5323,7 +5330,7 @@
           <a:graphicData uri="http://schemas.openxmlformats.org/presentationml/2006/ole">
             <mc:AlternateContent xmlns:mc="http://schemas.openxmlformats.org/markup-compatibility/2006">
               <mc:Choice xmlns:v="urn:schemas-microsoft-com:vml" Requires="v">
-                <p:oleObj spid="_x0000_s1028" name="Equation" r:id="rId4" imgW="1168200" imgH="291960" progId="Equation.DSMT4">
+                <p:oleObj spid="_x0000_s1032" name="Equation" r:id="rId4" imgW="1168200" imgH="291960" progId="Equation.DSMT4">
                   <p:embed/>
                 </p:oleObj>
               </mc:Choice>
@@ -5434,7 +5441,7 @@
           <a:graphicData uri="http://schemas.openxmlformats.org/presentationml/2006/ole">
             <mc:AlternateContent xmlns:mc="http://schemas.openxmlformats.org/markup-compatibility/2006">
               <mc:Choice xmlns:v="urn:schemas-microsoft-com:vml" Requires="v">
-                <p:oleObj spid="_x0000_s1029" name="Equation" r:id="rId6" imgW="1066680" imgH="241200" progId="Equation.DSMT4">
+                <p:oleObj spid="_x0000_s1033" name="Equation" r:id="rId6" imgW="1066680" imgH="241200" progId="Equation.DSMT4">
                   <p:embed/>
                 </p:oleObj>
               </mc:Choice>
@@ -5509,13 +5516,15 @@
       <p:cxnSp>
         <p:nvCxnSpPr>
           <p:cNvPr id="436" name="Conector angular 435"/>
-          <p:cNvCxnSpPr/>
+          <p:cNvCxnSpPr>
+            <a:stCxn id="344" idx="2"/>
+          </p:cNvCxnSpPr>
           <p:nvPr/>
         </p:nvCxnSpPr>
         <p:spPr>
-          <a:xfrm rot="16200000" flipH="1">
-            <a:off x="7771561" y="4800370"/>
-            <a:ext cx="124155" cy="875"/>
+          <a:xfrm rot="5400000">
+            <a:off x="7775229" y="4772183"/>
+            <a:ext cx="149549" cy="31854"/>
           </a:xfrm>
           <a:prstGeom prst="bentConnector3">
             <a:avLst>
@@ -5551,8 +5560,8 @@
         </p:nvCxnSpPr>
         <p:spPr>
           <a:xfrm rot="16200000" flipH="1">
-            <a:off x="7769637" y="5096115"/>
-            <a:ext cx="124155" cy="875"/>
+            <a:off x="7750276" y="5115476"/>
+            <a:ext cx="196655" cy="34652"/>
           </a:xfrm>
           <a:prstGeom prst="bentConnector3">
             <a:avLst>
@@ -5584,18 +5593,19 @@
         <p:nvCxnSpPr>
           <p:cNvPr id="443" name="Conector angular 442"/>
           <p:cNvCxnSpPr>
+            <a:stCxn id="339" idx="2"/>
             <a:endCxn id="346" idx="0"/>
           </p:cNvCxnSpPr>
           <p:nvPr/>
         </p:nvCxnSpPr>
         <p:spPr>
           <a:xfrm rot="5400000">
-            <a:off x="7947528" y="2759548"/>
-            <a:ext cx="146239" cy="107010"/>
+            <a:off x="7925585" y="2750826"/>
+            <a:ext cx="176904" cy="93790"/>
           </a:xfrm>
           <a:prstGeom prst="bentConnector3">
             <a:avLst>
-              <a:gd name="adj1" fmla="val -21461"/>
+              <a:gd name="adj1" fmla="val 50000"/>
             </a:avLst>
           </a:prstGeom>
           <a:ln w="12700">

--- a/fuentes/contenidos/grado09/guion03/MapaConceptual_MA_09_03_COPowerPoint/MapaConceptual.pptx
+++ b/fuentes/contenidos/grado09/guion03/MapaConceptual_MA_09_03_COPowerPoint/MapaConceptual.pptx
@@ -3,9 +3,10 @@
 <p:presentation xmlns:a="http://schemas.openxmlformats.org/drawingml/2006/main" xmlns:r="http://schemas.openxmlformats.org/officeDocument/2006/relationships" xmlns:p="http://schemas.openxmlformats.org/presentationml/2006/main" saveSubsetFonts="1">
   <p:sldMasterIdLst>
     <p:sldMasterId id="2147483660" r:id="rId1"/>
+    <p:sldMasterId id="2147483672" r:id="rId2"/>
   </p:sldMasterIdLst>
   <p:sldIdLst>
-    <p:sldId id="256" r:id="rId2"/>
+    <p:sldId id="256" r:id="rId3"/>
   </p:sldIdLst>
   <p:sldSz cx="9144000" cy="6858000" type="letter"/>
   <p:notesSz cx="6794500" cy="9918700"/>
@@ -223,6 +224,1703 @@
 </p:sldLayout>
 </file>
 
+<file path=ppt/slideLayouts/slideLayout12.xml><?xml version="1.0" encoding="utf-8"?>
+<p:sldLayout xmlns:a="http://schemas.openxmlformats.org/drawingml/2006/main" xmlns:r="http://schemas.openxmlformats.org/officeDocument/2006/relationships" xmlns:p="http://schemas.openxmlformats.org/presentationml/2006/main" type="title" preserve="1">
+  <p:cSld name="Diapositiva de título">
+    <p:spTree>
+      <p:nvGrpSpPr>
+        <p:cNvPr id="1" name=""/>
+        <p:cNvGrpSpPr/>
+        <p:nvPr/>
+      </p:nvGrpSpPr>
+      <p:grpSpPr>
+        <a:xfrm>
+          <a:off x="0" y="0"/>
+          <a:ext cx="0" cy="0"/>
+          <a:chOff x="0" y="0"/>
+          <a:chExt cx="0" cy="0"/>
+        </a:xfrm>
+      </p:grpSpPr>
+      <p:sp>
+        <p:nvSpPr>
+          <p:cNvPr id="2" name="Título 1"/>
+          <p:cNvSpPr>
+            <a:spLocks noGrp="1"/>
+          </p:cNvSpPr>
+          <p:nvPr>
+            <p:ph type="ctrTitle"/>
+          </p:nvPr>
+        </p:nvSpPr>
+        <p:spPr>
+          <a:xfrm>
+            <a:off x="1143000" y="1122363"/>
+            <a:ext cx="6858000" cy="2387600"/>
+          </a:xfrm>
+        </p:spPr>
+        <p:txBody>
+          <a:bodyPr anchor="b"/>
+          <a:lstStyle>
+            <a:lvl1pPr algn="ctr">
+              <a:defRPr sz="6000"/>
+            </a:lvl1pPr>
+          </a:lstStyle>
+          <a:p>
+            <a:r>
+              <a:rPr lang="es-ES" smtClean="0"/>
+              <a:t>Haga clic para modificar el estilo de título del patrón</a:t>
+            </a:r>
+            <a:endParaRPr lang="es-CO"/>
+          </a:p>
+        </p:txBody>
+      </p:sp>
+      <p:sp>
+        <p:nvSpPr>
+          <p:cNvPr id="3" name="Subtítulo 2"/>
+          <p:cNvSpPr>
+            <a:spLocks noGrp="1"/>
+          </p:cNvSpPr>
+          <p:nvPr>
+            <p:ph type="subTitle" idx="1"/>
+          </p:nvPr>
+        </p:nvSpPr>
+        <p:spPr>
+          <a:xfrm>
+            <a:off x="1143000" y="3602038"/>
+            <a:ext cx="6858000" cy="1655762"/>
+          </a:xfrm>
+        </p:spPr>
+        <p:txBody>
+          <a:bodyPr/>
+          <a:lstStyle>
+            <a:lvl1pPr marL="0" indent="0" algn="ctr">
+              <a:buNone/>
+              <a:defRPr sz="2400"/>
+            </a:lvl1pPr>
+            <a:lvl2pPr marL="457200" indent="0" algn="ctr">
+              <a:buNone/>
+              <a:defRPr sz="2000"/>
+            </a:lvl2pPr>
+            <a:lvl3pPr marL="914400" indent="0" algn="ctr">
+              <a:buNone/>
+              <a:defRPr sz="1800"/>
+            </a:lvl3pPr>
+            <a:lvl4pPr marL="1371600" indent="0" algn="ctr">
+              <a:buNone/>
+              <a:defRPr sz="1600"/>
+            </a:lvl4pPr>
+            <a:lvl5pPr marL="1828800" indent="0" algn="ctr">
+              <a:buNone/>
+              <a:defRPr sz="1600"/>
+            </a:lvl5pPr>
+            <a:lvl6pPr marL="2286000" indent="0" algn="ctr">
+              <a:buNone/>
+              <a:defRPr sz="1600"/>
+            </a:lvl6pPr>
+            <a:lvl7pPr marL="2743200" indent="0" algn="ctr">
+              <a:buNone/>
+              <a:defRPr sz="1600"/>
+            </a:lvl7pPr>
+            <a:lvl8pPr marL="3200400" indent="0" algn="ctr">
+              <a:buNone/>
+              <a:defRPr sz="1600"/>
+            </a:lvl8pPr>
+            <a:lvl9pPr marL="3657600" indent="0" algn="ctr">
+              <a:buNone/>
+              <a:defRPr sz="1600"/>
+            </a:lvl9pPr>
+          </a:lstStyle>
+          <a:p>
+            <a:r>
+              <a:rPr lang="es-ES" smtClean="0"/>
+              <a:t>Haga clic para modificar el estilo de subtítulo del patrón</a:t>
+            </a:r>
+            <a:endParaRPr lang="es-CO"/>
+          </a:p>
+        </p:txBody>
+      </p:sp>
+      <p:sp>
+        <p:nvSpPr>
+          <p:cNvPr id="4" name="Marcador de fecha 3"/>
+          <p:cNvSpPr>
+            <a:spLocks noGrp="1"/>
+          </p:cNvSpPr>
+          <p:nvPr>
+            <p:ph type="dt" sz="half" idx="10"/>
+          </p:nvPr>
+        </p:nvSpPr>
+        <p:spPr/>
+        <p:txBody>
+          <a:bodyPr/>
+          <a:lstStyle/>
+          <a:p>
+            <a:fld id="{8DF5D5A2-E459-484B-B605-65C3C8CA7009}" type="datetimeFigureOut">
+              <a:rPr lang="es-CO" smtClean="0"/>
+              <a:t>28/10/2015</a:t>
+            </a:fld>
+            <a:endParaRPr lang="es-CO"/>
+          </a:p>
+        </p:txBody>
+      </p:sp>
+      <p:sp>
+        <p:nvSpPr>
+          <p:cNvPr id="5" name="Marcador de pie de página 4"/>
+          <p:cNvSpPr>
+            <a:spLocks noGrp="1"/>
+          </p:cNvSpPr>
+          <p:nvPr>
+            <p:ph type="ftr" sz="quarter" idx="11"/>
+          </p:nvPr>
+        </p:nvSpPr>
+        <p:spPr/>
+        <p:txBody>
+          <a:bodyPr/>
+          <a:lstStyle/>
+          <a:p>
+            <a:endParaRPr lang="es-CO"/>
+          </a:p>
+        </p:txBody>
+      </p:sp>
+      <p:sp>
+        <p:nvSpPr>
+          <p:cNvPr id="6" name="Marcador de número de diapositiva 5"/>
+          <p:cNvSpPr>
+            <a:spLocks noGrp="1"/>
+          </p:cNvSpPr>
+          <p:nvPr>
+            <p:ph type="sldNum" sz="quarter" idx="12"/>
+          </p:nvPr>
+        </p:nvSpPr>
+        <p:spPr/>
+        <p:txBody>
+          <a:bodyPr/>
+          <a:lstStyle/>
+          <a:p>
+            <a:fld id="{C963FFD3-4DA9-42A5-BEC9-F68947E80CD9}" type="slidenum">
+              <a:rPr lang="es-CO" smtClean="0"/>
+              <a:t>‹Nº›</a:t>
+            </a:fld>
+            <a:endParaRPr lang="es-CO"/>
+          </a:p>
+        </p:txBody>
+      </p:sp>
+    </p:spTree>
+    <p:extLst>
+      <p:ext uri="{BB962C8B-B14F-4D97-AF65-F5344CB8AC3E}">
+        <p14:creationId xmlns:p14="http://schemas.microsoft.com/office/powerpoint/2010/main" val="2291214393"/>
+      </p:ext>
+    </p:extLst>
+  </p:cSld>
+  <p:clrMapOvr>
+    <a:masterClrMapping/>
+  </p:clrMapOvr>
+</p:sldLayout>
+</file>
+
+<file path=ppt/slideLayouts/slideLayout13.xml><?xml version="1.0" encoding="utf-8"?>
+<p:sldLayout xmlns:a="http://schemas.openxmlformats.org/drawingml/2006/main" xmlns:r="http://schemas.openxmlformats.org/officeDocument/2006/relationships" xmlns:p="http://schemas.openxmlformats.org/presentationml/2006/main" type="obj" preserve="1">
+  <p:cSld name="Título y objetos">
+    <p:spTree>
+      <p:nvGrpSpPr>
+        <p:cNvPr id="1" name=""/>
+        <p:cNvGrpSpPr/>
+        <p:nvPr/>
+      </p:nvGrpSpPr>
+      <p:grpSpPr>
+        <a:xfrm>
+          <a:off x="0" y="0"/>
+          <a:ext cx="0" cy="0"/>
+          <a:chOff x="0" y="0"/>
+          <a:chExt cx="0" cy="0"/>
+        </a:xfrm>
+      </p:grpSpPr>
+      <p:sp>
+        <p:nvSpPr>
+          <p:cNvPr id="2" name="Título 1"/>
+          <p:cNvSpPr>
+            <a:spLocks noGrp="1"/>
+          </p:cNvSpPr>
+          <p:nvPr>
+            <p:ph type="title"/>
+          </p:nvPr>
+        </p:nvSpPr>
+        <p:spPr/>
+        <p:txBody>
+          <a:bodyPr/>
+          <a:lstStyle/>
+          <a:p>
+            <a:r>
+              <a:rPr lang="es-ES" smtClean="0"/>
+              <a:t>Haga clic para modificar el estilo de título del patrón</a:t>
+            </a:r>
+            <a:endParaRPr lang="es-CO"/>
+          </a:p>
+        </p:txBody>
+      </p:sp>
+      <p:sp>
+        <p:nvSpPr>
+          <p:cNvPr id="3" name="Marcador de contenido 2"/>
+          <p:cNvSpPr>
+            <a:spLocks noGrp="1"/>
+          </p:cNvSpPr>
+          <p:nvPr>
+            <p:ph idx="1"/>
+          </p:nvPr>
+        </p:nvSpPr>
+        <p:spPr/>
+        <p:txBody>
+          <a:bodyPr/>
+          <a:lstStyle/>
+          <a:p>
+            <a:pPr lvl="0"/>
+            <a:r>
+              <a:rPr lang="es-ES" smtClean="0"/>
+              <a:t>Haga clic para modificar el estilo de texto del patrón</a:t>
+            </a:r>
+          </a:p>
+          <a:p>
+            <a:pPr lvl="1"/>
+            <a:r>
+              <a:rPr lang="es-ES" smtClean="0"/>
+              <a:t>Segundo nivel</a:t>
+            </a:r>
+          </a:p>
+          <a:p>
+            <a:pPr lvl="2"/>
+            <a:r>
+              <a:rPr lang="es-ES" smtClean="0"/>
+              <a:t>Tercer nivel</a:t>
+            </a:r>
+          </a:p>
+          <a:p>
+            <a:pPr lvl="3"/>
+            <a:r>
+              <a:rPr lang="es-ES" smtClean="0"/>
+              <a:t>Cuarto nivel</a:t>
+            </a:r>
+          </a:p>
+          <a:p>
+            <a:pPr lvl="4"/>
+            <a:r>
+              <a:rPr lang="es-ES" smtClean="0"/>
+              <a:t>Quinto nivel</a:t>
+            </a:r>
+            <a:endParaRPr lang="es-CO"/>
+          </a:p>
+        </p:txBody>
+      </p:sp>
+      <p:sp>
+        <p:nvSpPr>
+          <p:cNvPr id="4" name="Marcador de fecha 3"/>
+          <p:cNvSpPr>
+            <a:spLocks noGrp="1"/>
+          </p:cNvSpPr>
+          <p:nvPr>
+            <p:ph type="dt" sz="half" idx="10"/>
+          </p:nvPr>
+        </p:nvSpPr>
+        <p:spPr/>
+        <p:txBody>
+          <a:bodyPr/>
+          <a:lstStyle/>
+          <a:p>
+            <a:fld id="{8DF5D5A2-E459-484B-B605-65C3C8CA7009}" type="datetimeFigureOut">
+              <a:rPr lang="es-CO" smtClean="0"/>
+              <a:t>28/10/2015</a:t>
+            </a:fld>
+            <a:endParaRPr lang="es-CO"/>
+          </a:p>
+        </p:txBody>
+      </p:sp>
+      <p:sp>
+        <p:nvSpPr>
+          <p:cNvPr id="5" name="Marcador de pie de página 4"/>
+          <p:cNvSpPr>
+            <a:spLocks noGrp="1"/>
+          </p:cNvSpPr>
+          <p:nvPr>
+            <p:ph type="ftr" sz="quarter" idx="11"/>
+          </p:nvPr>
+        </p:nvSpPr>
+        <p:spPr/>
+        <p:txBody>
+          <a:bodyPr/>
+          <a:lstStyle/>
+          <a:p>
+            <a:endParaRPr lang="es-CO"/>
+          </a:p>
+        </p:txBody>
+      </p:sp>
+      <p:sp>
+        <p:nvSpPr>
+          <p:cNvPr id="6" name="Marcador de número de diapositiva 5"/>
+          <p:cNvSpPr>
+            <a:spLocks noGrp="1"/>
+          </p:cNvSpPr>
+          <p:nvPr>
+            <p:ph type="sldNum" sz="quarter" idx="12"/>
+          </p:nvPr>
+        </p:nvSpPr>
+        <p:spPr/>
+        <p:txBody>
+          <a:bodyPr/>
+          <a:lstStyle/>
+          <a:p>
+            <a:fld id="{C963FFD3-4DA9-42A5-BEC9-F68947E80CD9}" type="slidenum">
+              <a:rPr lang="es-CO" smtClean="0"/>
+              <a:t>‹Nº›</a:t>
+            </a:fld>
+            <a:endParaRPr lang="es-CO"/>
+          </a:p>
+        </p:txBody>
+      </p:sp>
+    </p:spTree>
+    <p:extLst>
+      <p:ext uri="{BB962C8B-B14F-4D97-AF65-F5344CB8AC3E}">
+        <p14:creationId xmlns:p14="http://schemas.microsoft.com/office/powerpoint/2010/main" val="3675333257"/>
+      </p:ext>
+    </p:extLst>
+  </p:cSld>
+  <p:clrMapOvr>
+    <a:masterClrMapping/>
+  </p:clrMapOvr>
+</p:sldLayout>
+</file>
+
+<file path=ppt/slideLayouts/slideLayout14.xml><?xml version="1.0" encoding="utf-8"?>
+<p:sldLayout xmlns:a="http://schemas.openxmlformats.org/drawingml/2006/main" xmlns:r="http://schemas.openxmlformats.org/officeDocument/2006/relationships" xmlns:p="http://schemas.openxmlformats.org/presentationml/2006/main" type="secHead" preserve="1">
+  <p:cSld name="Encabezado de sección">
+    <p:spTree>
+      <p:nvGrpSpPr>
+        <p:cNvPr id="1" name=""/>
+        <p:cNvGrpSpPr/>
+        <p:nvPr/>
+      </p:nvGrpSpPr>
+      <p:grpSpPr>
+        <a:xfrm>
+          <a:off x="0" y="0"/>
+          <a:ext cx="0" cy="0"/>
+          <a:chOff x="0" y="0"/>
+          <a:chExt cx="0" cy="0"/>
+        </a:xfrm>
+      </p:grpSpPr>
+      <p:sp>
+        <p:nvSpPr>
+          <p:cNvPr id="2" name="Título 1"/>
+          <p:cNvSpPr>
+            <a:spLocks noGrp="1"/>
+          </p:cNvSpPr>
+          <p:nvPr>
+            <p:ph type="title"/>
+          </p:nvPr>
+        </p:nvSpPr>
+        <p:spPr>
+          <a:xfrm>
+            <a:off x="623888" y="1709738"/>
+            <a:ext cx="7886700" cy="2852737"/>
+          </a:xfrm>
+        </p:spPr>
+        <p:txBody>
+          <a:bodyPr anchor="b"/>
+          <a:lstStyle>
+            <a:lvl1pPr>
+              <a:defRPr sz="6000"/>
+            </a:lvl1pPr>
+          </a:lstStyle>
+          <a:p>
+            <a:r>
+              <a:rPr lang="es-ES" smtClean="0"/>
+              <a:t>Haga clic para modificar el estilo de título del patrón</a:t>
+            </a:r>
+            <a:endParaRPr lang="es-CO"/>
+          </a:p>
+        </p:txBody>
+      </p:sp>
+      <p:sp>
+        <p:nvSpPr>
+          <p:cNvPr id="3" name="Marcador de texto 2"/>
+          <p:cNvSpPr>
+            <a:spLocks noGrp="1"/>
+          </p:cNvSpPr>
+          <p:nvPr>
+            <p:ph type="body" idx="1"/>
+          </p:nvPr>
+        </p:nvSpPr>
+        <p:spPr>
+          <a:xfrm>
+            <a:off x="623888" y="4589463"/>
+            <a:ext cx="7886700" cy="1500187"/>
+          </a:xfrm>
+        </p:spPr>
+        <p:txBody>
+          <a:bodyPr/>
+          <a:lstStyle>
+            <a:lvl1pPr marL="0" indent="0">
+              <a:buNone/>
+              <a:defRPr sz="2400">
+                <a:solidFill>
+                  <a:schemeClr val="tx1">
+                    <a:tint val="75000"/>
+                  </a:schemeClr>
+                </a:solidFill>
+              </a:defRPr>
+            </a:lvl1pPr>
+            <a:lvl2pPr marL="457200" indent="0">
+              <a:buNone/>
+              <a:defRPr sz="2000">
+                <a:solidFill>
+                  <a:schemeClr val="tx1">
+                    <a:tint val="75000"/>
+                  </a:schemeClr>
+                </a:solidFill>
+              </a:defRPr>
+            </a:lvl2pPr>
+            <a:lvl3pPr marL="914400" indent="0">
+              <a:buNone/>
+              <a:defRPr sz="1800">
+                <a:solidFill>
+                  <a:schemeClr val="tx1">
+                    <a:tint val="75000"/>
+                  </a:schemeClr>
+                </a:solidFill>
+              </a:defRPr>
+            </a:lvl3pPr>
+            <a:lvl4pPr marL="1371600" indent="0">
+              <a:buNone/>
+              <a:defRPr sz="1600">
+                <a:solidFill>
+                  <a:schemeClr val="tx1">
+                    <a:tint val="75000"/>
+                  </a:schemeClr>
+                </a:solidFill>
+              </a:defRPr>
+            </a:lvl4pPr>
+            <a:lvl5pPr marL="1828800" indent="0">
+              <a:buNone/>
+              <a:defRPr sz="1600">
+                <a:solidFill>
+                  <a:schemeClr val="tx1">
+                    <a:tint val="75000"/>
+                  </a:schemeClr>
+                </a:solidFill>
+              </a:defRPr>
+            </a:lvl5pPr>
+            <a:lvl6pPr marL="2286000" indent="0">
+              <a:buNone/>
+              <a:defRPr sz="1600">
+                <a:solidFill>
+                  <a:schemeClr val="tx1">
+                    <a:tint val="75000"/>
+                  </a:schemeClr>
+                </a:solidFill>
+              </a:defRPr>
+            </a:lvl6pPr>
+            <a:lvl7pPr marL="2743200" indent="0">
+              <a:buNone/>
+              <a:defRPr sz="1600">
+                <a:solidFill>
+                  <a:schemeClr val="tx1">
+                    <a:tint val="75000"/>
+                  </a:schemeClr>
+                </a:solidFill>
+              </a:defRPr>
+            </a:lvl7pPr>
+            <a:lvl8pPr marL="3200400" indent="0">
+              <a:buNone/>
+              <a:defRPr sz="1600">
+                <a:solidFill>
+                  <a:schemeClr val="tx1">
+                    <a:tint val="75000"/>
+                  </a:schemeClr>
+                </a:solidFill>
+              </a:defRPr>
+            </a:lvl8pPr>
+            <a:lvl9pPr marL="3657600" indent="0">
+              <a:buNone/>
+              <a:defRPr sz="1600">
+                <a:solidFill>
+                  <a:schemeClr val="tx1">
+                    <a:tint val="75000"/>
+                  </a:schemeClr>
+                </a:solidFill>
+              </a:defRPr>
+            </a:lvl9pPr>
+          </a:lstStyle>
+          <a:p>
+            <a:pPr lvl="0"/>
+            <a:r>
+              <a:rPr lang="es-ES" smtClean="0"/>
+              <a:t>Haga clic para modificar el estilo de texto del patrón</a:t>
+            </a:r>
+          </a:p>
+        </p:txBody>
+      </p:sp>
+      <p:sp>
+        <p:nvSpPr>
+          <p:cNvPr id="4" name="Marcador de fecha 3"/>
+          <p:cNvSpPr>
+            <a:spLocks noGrp="1"/>
+          </p:cNvSpPr>
+          <p:nvPr>
+            <p:ph type="dt" sz="half" idx="10"/>
+          </p:nvPr>
+        </p:nvSpPr>
+        <p:spPr/>
+        <p:txBody>
+          <a:bodyPr/>
+          <a:lstStyle/>
+          <a:p>
+            <a:fld id="{8DF5D5A2-E459-484B-B605-65C3C8CA7009}" type="datetimeFigureOut">
+              <a:rPr lang="es-CO" smtClean="0"/>
+              <a:t>28/10/2015</a:t>
+            </a:fld>
+            <a:endParaRPr lang="es-CO"/>
+          </a:p>
+        </p:txBody>
+      </p:sp>
+      <p:sp>
+        <p:nvSpPr>
+          <p:cNvPr id="5" name="Marcador de pie de página 4"/>
+          <p:cNvSpPr>
+            <a:spLocks noGrp="1"/>
+          </p:cNvSpPr>
+          <p:nvPr>
+            <p:ph type="ftr" sz="quarter" idx="11"/>
+          </p:nvPr>
+        </p:nvSpPr>
+        <p:spPr/>
+        <p:txBody>
+          <a:bodyPr/>
+          <a:lstStyle/>
+          <a:p>
+            <a:endParaRPr lang="es-CO"/>
+          </a:p>
+        </p:txBody>
+      </p:sp>
+      <p:sp>
+        <p:nvSpPr>
+          <p:cNvPr id="6" name="Marcador de número de diapositiva 5"/>
+          <p:cNvSpPr>
+            <a:spLocks noGrp="1"/>
+          </p:cNvSpPr>
+          <p:nvPr>
+            <p:ph type="sldNum" sz="quarter" idx="12"/>
+          </p:nvPr>
+        </p:nvSpPr>
+        <p:spPr/>
+        <p:txBody>
+          <a:bodyPr/>
+          <a:lstStyle/>
+          <a:p>
+            <a:fld id="{C963FFD3-4DA9-42A5-BEC9-F68947E80CD9}" type="slidenum">
+              <a:rPr lang="es-CO" smtClean="0"/>
+              <a:t>‹Nº›</a:t>
+            </a:fld>
+            <a:endParaRPr lang="es-CO"/>
+          </a:p>
+        </p:txBody>
+      </p:sp>
+    </p:spTree>
+    <p:extLst>
+      <p:ext uri="{BB962C8B-B14F-4D97-AF65-F5344CB8AC3E}">
+        <p14:creationId xmlns:p14="http://schemas.microsoft.com/office/powerpoint/2010/main" val="3826018849"/>
+      </p:ext>
+    </p:extLst>
+  </p:cSld>
+  <p:clrMapOvr>
+    <a:masterClrMapping/>
+  </p:clrMapOvr>
+</p:sldLayout>
+</file>
+
+<file path=ppt/slideLayouts/slideLayout15.xml><?xml version="1.0" encoding="utf-8"?>
+<p:sldLayout xmlns:a="http://schemas.openxmlformats.org/drawingml/2006/main" xmlns:r="http://schemas.openxmlformats.org/officeDocument/2006/relationships" xmlns:p="http://schemas.openxmlformats.org/presentationml/2006/main" type="twoObj" preserve="1">
+  <p:cSld name="Dos objetos">
+    <p:spTree>
+      <p:nvGrpSpPr>
+        <p:cNvPr id="1" name=""/>
+        <p:cNvGrpSpPr/>
+        <p:nvPr/>
+      </p:nvGrpSpPr>
+      <p:grpSpPr>
+        <a:xfrm>
+          <a:off x="0" y="0"/>
+          <a:ext cx="0" cy="0"/>
+          <a:chOff x="0" y="0"/>
+          <a:chExt cx="0" cy="0"/>
+        </a:xfrm>
+      </p:grpSpPr>
+      <p:sp>
+        <p:nvSpPr>
+          <p:cNvPr id="2" name="Título 1"/>
+          <p:cNvSpPr>
+            <a:spLocks noGrp="1"/>
+          </p:cNvSpPr>
+          <p:nvPr>
+            <p:ph type="title"/>
+          </p:nvPr>
+        </p:nvSpPr>
+        <p:spPr/>
+        <p:txBody>
+          <a:bodyPr/>
+          <a:lstStyle/>
+          <a:p>
+            <a:r>
+              <a:rPr lang="es-ES" smtClean="0"/>
+              <a:t>Haga clic para modificar el estilo de título del patrón</a:t>
+            </a:r>
+            <a:endParaRPr lang="es-CO"/>
+          </a:p>
+        </p:txBody>
+      </p:sp>
+      <p:sp>
+        <p:nvSpPr>
+          <p:cNvPr id="3" name="Marcador de contenido 2"/>
+          <p:cNvSpPr>
+            <a:spLocks noGrp="1"/>
+          </p:cNvSpPr>
+          <p:nvPr>
+            <p:ph sz="half" idx="1"/>
+          </p:nvPr>
+        </p:nvSpPr>
+        <p:spPr>
+          <a:xfrm>
+            <a:off x="628650" y="1825625"/>
+            <a:ext cx="3867150" cy="4351338"/>
+          </a:xfrm>
+        </p:spPr>
+        <p:txBody>
+          <a:bodyPr/>
+          <a:lstStyle/>
+          <a:p>
+            <a:pPr lvl="0"/>
+            <a:r>
+              <a:rPr lang="es-ES" smtClean="0"/>
+              <a:t>Haga clic para modificar el estilo de texto del patrón</a:t>
+            </a:r>
+          </a:p>
+          <a:p>
+            <a:pPr lvl="1"/>
+            <a:r>
+              <a:rPr lang="es-ES" smtClean="0"/>
+              <a:t>Segundo nivel</a:t>
+            </a:r>
+          </a:p>
+          <a:p>
+            <a:pPr lvl="2"/>
+            <a:r>
+              <a:rPr lang="es-ES" smtClean="0"/>
+              <a:t>Tercer nivel</a:t>
+            </a:r>
+          </a:p>
+          <a:p>
+            <a:pPr lvl="3"/>
+            <a:r>
+              <a:rPr lang="es-ES" smtClean="0"/>
+              <a:t>Cuarto nivel</a:t>
+            </a:r>
+          </a:p>
+          <a:p>
+            <a:pPr lvl="4"/>
+            <a:r>
+              <a:rPr lang="es-ES" smtClean="0"/>
+              <a:t>Quinto nivel</a:t>
+            </a:r>
+            <a:endParaRPr lang="es-CO"/>
+          </a:p>
+        </p:txBody>
+      </p:sp>
+      <p:sp>
+        <p:nvSpPr>
+          <p:cNvPr id="4" name="Marcador de contenido 3"/>
+          <p:cNvSpPr>
+            <a:spLocks noGrp="1"/>
+          </p:cNvSpPr>
+          <p:nvPr>
+            <p:ph sz="half" idx="2"/>
+          </p:nvPr>
+        </p:nvSpPr>
+        <p:spPr>
+          <a:xfrm>
+            <a:off x="4648200" y="1825625"/>
+            <a:ext cx="3867150" cy="4351338"/>
+          </a:xfrm>
+        </p:spPr>
+        <p:txBody>
+          <a:bodyPr/>
+          <a:lstStyle/>
+          <a:p>
+            <a:pPr lvl="0"/>
+            <a:r>
+              <a:rPr lang="es-ES" smtClean="0"/>
+              <a:t>Haga clic para modificar el estilo de texto del patrón</a:t>
+            </a:r>
+          </a:p>
+          <a:p>
+            <a:pPr lvl="1"/>
+            <a:r>
+              <a:rPr lang="es-ES" smtClean="0"/>
+              <a:t>Segundo nivel</a:t>
+            </a:r>
+          </a:p>
+          <a:p>
+            <a:pPr lvl="2"/>
+            <a:r>
+              <a:rPr lang="es-ES" smtClean="0"/>
+              <a:t>Tercer nivel</a:t>
+            </a:r>
+          </a:p>
+          <a:p>
+            <a:pPr lvl="3"/>
+            <a:r>
+              <a:rPr lang="es-ES" smtClean="0"/>
+              <a:t>Cuarto nivel</a:t>
+            </a:r>
+          </a:p>
+          <a:p>
+            <a:pPr lvl="4"/>
+            <a:r>
+              <a:rPr lang="es-ES" smtClean="0"/>
+              <a:t>Quinto nivel</a:t>
+            </a:r>
+            <a:endParaRPr lang="es-CO"/>
+          </a:p>
+        </p:txBody>
+      </p:sp>
+      <p:sp>
+        <p:nvSpPr>
+          <p:cNvPr id="5" name="Marcador de fecha 4"/>
+          <p:cNvSpPr>
+            <a:spLocks noGrp="1"/>
+          </p:cNvSpPr>
+          <p:nvPr>
+            <p:ph type="dt" sz="half" idx="10"/>
+          </p:nvPr>
+        </p:nvSpPr>
+        <p:spPr/>
+        <p:txBody>
+          <a:bodyPr/>
+          <a:lstStyle/>
+          <a:p>
+            <a:fld id="{8DF5D5A2-E459-484B-B605-65C3C8CA7009}" type="datetimeFigureOut">
+              <a:rPr lang="es-CO" smtClean="0"/>
+              <a:t>28/10/2015</a:t>
+            </a:fld>
+            <a:endParaRPr lang="es-CO"/>
+          </a:p>
+        </p:txBody>
+      </p:sp>
+      <p:sp>
+        <p:nvSpPr>
+          <p:cNvPr id="6" name="Marcador de pie de página 5"/>
+          <p:cNvSpPr>
+            <a:spLocks noGrp="1"/>
+          </p:cNvSpPr>
+          <p:nvPr>
+            <p:ph type="ftr" sz="quarter" idx="11"/>
+          </p:nvPr>
+        </p:nvSpPr>
+        <p:spPr/>
+        <p:txBody>
+          <a:bodyPr/>
+          <a:lstStyle/>
+          <a:p>
+            <a:endParaRPr lang="es-CO"/>
+          </a:p>
+        </p:txBody>
+      </p:sp>
+      <p:sp>
+        <p:nvSpPr>
+          <p:cNvPr id="7" name="Marcador de número de diapositiva 6"/>
+          <p:cNvSpPr>
+            <a:spLocks noGrp="1"/>
+          </p:cNvSpPr>
+          <p:nvPr>
+            <p:ph type="sldNum" sz="quarter" idx="12"/>
+          </p:nvPr>
+        </p:nvSpPr>
+        <p:spPr/>
+        <p:txBody>
+          <a:bodyPr/>
+          <a:lstStyle/>
+          <a:p>
+            <a:fld id="{C963FFD3-4DA9-42A5-BEC9-F68947E80CD9}" type="slidenum">
+              <a:rPr lang="es-CO" smtClean="0"/>
+              <a:t>‹Nº›</a:t>
+            </a:fld>
+            <a:endParaRPr lang="es-CO"/>
+          </a:p>
+        </p:txBody>
+      </p:sp>
+    </p:spTree>
+    <p:extLst>
+      <p:ext uri="{BB962C8B-B14F-4D97-AF65-F5344CB8AC3E}">
+        <p14:creationId xmlns:p14="http://schemas.microsoft.com/office/powerpoint/2010/main" val="385577582"/>
+      </p:ext>
+    </p:extLst>
+  </p:cSld>
+  <p:clrMapOvr>
+    <a:masterClrMapping/>
+  </p:clrMapOvr>
+</p:sldLayout>
+</file>
+
+<file path=ppt/slideLayouts/slideLayout16.xml><?xml version="1.0" encoding="utf-8"?>
+<p:sldLayout xmlns:a="http://schemas.openxmlformats.org/drawingml/2006/main" xmlns:r="http://schemas.openxmlformats.org/officeDocument/2006/relationships" xmlns:p="http://schemas.openxmlformats.org/presentationml/2006/main" type="twoTxTwoObj" preserve="1">
+  <p:cSld name="Comparación">
+    <p:spTree>
+      <p:nvGrpSpPr>
+        <p:cNvPr id="1" name=""/>
+        <p:cNvGrpSpPr/>
+        <p:nvPr/>
+      </p:nvGrpSpPr>
+      <p:grpSpPr>
+        <a:xfrm>
+          <a:off x="0" y="0"/>
+          <a:ext cx="0" cy="0"/>
+          <a:chOff x="0" y="0"/>
+          <a:chExt cx="0" cy="0"/>
+        </a:xfrm>
+      </p:grpSpPr>
+      <p:sp>
+        <p:nvSpPr>
+          <p:cNvPr id="2" name="Título 1"/>
+          <p:cNvSpPr>
+            <a:spLocks noGrp="1"/>
+          </p:cNvSpPr>
+          <p:nvPr>
+            <p:ph type="title"/>
+          </p:nvPr>
+        </p:nvSpPr>
+        <p:spPr>
+          <a:xfrm>
+            <a:off x="630238" y="365125"/>
+            <a:ext cx="7886700" cy="1325563"/>
+          </a:xfrm>
+        </p:spPr>
+        <p:txBody>
+          <a:bodyPr/>
+          <a:lstStyle/>
+          <a:p>
+            <a:r>
+              <a:rPr lang="es-ES" smtClean="0"/>
+              <a:t>Haga clic para modificar el estilo de título del patrón</a:t>
+            </a:r>
+            <a:endParaRPr lang="es-CO"/>
+          </a:p>
+        </p:txBody>
+      </p:sp>
+      <p:sp>
+        <p:nvSpPr>
+          <p:cNvPr id="3" name="Marcador de texto 2"/>
+          <p:cNvSpPr>
+            <a:spLocks noGrp="1"/>
+          </p:cNvSpPr>
+          <p:nvPr>
+            <p:ph type="body" idx="1"/>
+          </p:nvPr>
+        </p:nvSpPr>
+        <p:spPr>
+          <a:xfrm>
+            <a:off x="630238" y="1681163"/>
+            <a:ext cx="3868737" cy="823912"/>
+          </a:xfrm>
+        </p:spPr>
+        <p:txBody>
+          <a:bodyPr anchor="b"/>
+          <a:lstStyle>
+            <a:lvl1pPr marL="0" indent="0">
+              <a:buNone/>
+              <a:defRPr sz="2400" b="1"/>
+            </a:lvl1pPr>
+            <a:lvl2pPr marL="457200" indent="0">
+              <a:buNone/>
+              <a:defRPr sz="2000" b="1"/>
+            </a:lvl2pPr>
+            <a:lvl3pPr marL="914400" indent="0">
+              <a:buNone/>
+              <a:defRPr sz="1800" b="1"/>
+            </a:lvl3pPr>
+            <a:lvl4pPr marL="1371600" indent="0">
+              <a:buNone/>
+              <a:defRPr sz="1600" b="1"/>
+            </a:lvl4pPr>
+            <a:lvl5pPr marL="1828800" indent="0">
+              <a:buNone/>
+              <a:defRPr sz="1600" b="1"/>
+            </a:lvl5pPr>
+            <a:lvl6pPr marL="2286000" indent="0">
+              <a:buNone/>
+              <a:defRPr sz="1600" b="1"/>
+            </a:lvl6pPr>
+            <a:lvl7pPr marL="2743200" indent="0">
+              <a:buNone/>
+              <a:defRPr sz="1600" b="1"/>
+            </a:lvl7pPr>
+            <a:lvl8pPr marL="3200400" indent="0">
+              <a:buNone/>
+              <a:defRPr sz="1600" b="1"/>
+            </a:lvl8pPr>
+            <a:lvl9pPr marL="3657600" indent="0">
+              <a:buNone/>
+              <a:defRPr sz="1600" b="1"/>
+            </a:lvl9pPr>
+          </a:lstStyle>
+          <a:p>
+            <a:pPr lvl="0"/>
+            <a:r>
+              <a:rPr lang="es-ES" smtClean="0"/>
+              <a:t>Haga clic para modificar el estilo de texto del patrón</a:t>
+            </a:r>
+          </a:p>
+        </p:txBody>
+      </p:sp>
+      <p:sp>
+        <p:nvSpPr>
+          <p:cNvPr id="4" name="Marcador de contenido 3"/>
+          <p:cNvSpPr>
+            <a:spLocks noGrp="1"/>
+          </p:cNvSpPr>
+          <p:nvPr>
+            <p:ph sz="half" idx="2"/>
+          </p:nvPr>
+        </p:nvSpPr>
+        <p:spPr>
+          <a:xfrm>
+            <a:off x="630238" y="2505075"/>
+            <a:ext cx="3868737" cy="3684588"/>
+          </a:xfrm>
+        </p:spPr>
+        <p:txBody>
+          <a:bodyPr/>
+          <a:lstStyle/>
+          <a:p>
+            <a:pPr lvl="0"/>
+            <a:r>
+              <a:rPr lang="es-ES" smtClean="0"/>
+              <a:t>Haga clic para modificar el estilo de texto del patrón</a:t>
+            </a:r>
+          </a:p>
+          <a:p>
+            <a:pPr lvl="1"/>
+            <a:r>
+              <a:rPr lang="es-ES" smtClean="0"/>
+              <a:t>Segundo nivel</a:t>
+            </a:r>
+          </a:p>
+          <a:p>
+            <a:pPr lvl="2"/>
+            <a:r>
+              <a:rPr lang="es-ES" smtClean="0"/>
+              <a:t>Tercer nivel</a:t>
+            </a:r>
+          </a:p>
+          <a:p>
+            <a:pPr lvl="3"/>
+            <a:r>
+              <a:rPr lang="es-ES" smtClean="0"/>
+              <a:t>Cuarto nivel</a:t>
+            </a:r>
+          </a:p>
+          <a:p>
+            <a:pPr lvl="4"/>
+            <a:r>
+              <a:rPr lang="es-ES" smtClean="0"/>
+              <a:t>Quinto nivel</a:t>
+            </a:r>
+            <a:endParaRPr lang="es-CO"/>
+          </a:p>
+        </p:txBody>
+      </p:sp>
+      <p:sp>
+        <p:nvSpPr>
+          <p:cNvPr id="5" name="Marcador de texto 4"/>
+          <p:cNvSpPr>
+            <a:spLocks noGrp="1"/>
+          </p:cNvSpPr>
+          <p:nvPr>
+            <p:ph type="body" sz="quarter" idx="3"/>
+          </p:nvPr>
+        </p:nvSpPr>
+        <p:spPr>
+          <a:xfrm>
+            <a:off x="4629150" y="1681163"/>
+            <a:ext cx="3887788" cy="823912"/>
+          </a:xfrm>
+        </p:spPr>
+        <p:txBody>
+          <a:bodyPr anchor="b"/>
+          <a:lstStyle>
+            <a:lvl1pPr marL="0" indent="0">
+              <a:buNone/>
+              <a:defRPr sz="2400" b="1"/>
+            </a:lvl1pPr>
+            <a:lvl2pPr marL="457200" indent="0">
+              <a:buNone/>
+              <a:defRPr sz="2000" b="1"/>
+            </a:lvl2pPr>
+            <a:lvl3pPr marL="914400" indent="0">
+              <a:buNone/>
+              <a:defRPr sz="1800" b="1"/>
+            </a:lvl3pPr>
+            <a:lvl4pPr marL="1371600" indent="0">
+              <a:buNone/>
+              <a:defRPr sz="1600" b="1"/>
+            </a:lvl4pPr>
+            <a:lvl5pPr marL="1828800" indent="0">
+              <a:buNone/>
+              <a:defRPr sz="1600" b="1"/>
+            </a:lvl5pPr>
+            <a:lvl6pPr marL="2286000" indent="0">
+              <a:buNone/>
+              <a:defRPr sz="1600" b="1"/>
+            </a:lvl6pPr>
+            <a:lvl7pPr marL="2743200" indent="0">
+              <a:buNone/>
+              <a:defRPr sz="1600" b="1"/>
+            </a:lvl7pPr>
+            <a:lvl8pPr marL="3200400" indent="0">
+              <a:buNone/>
+              <a:defRPr sz="1600" b="1"/>
+            </a:lvl8pPr>
+            <a:lvl9pPr marL="3657600" indent="0">
+              <a:buNone/>
+              <a:defRPr sz="1600" b="1"/>
+            </a:lvl9pPr>
+          </a:lstStyle>
+          <a:p>
+            <a:pPr lvl="0"/>
+            <a:r>
+              <a:rPr lang="es-ES" smtClean="0"/>
+              <a:t>Haga clic para modificar el estilo de texto del patrón</a:t>
+            </a:r>
+          </a:p>
+        </p:txBody>
+      </p:sp>
+      <p:sp>
+        <p:nvSpPr>
+          <p:cNvPr id="6" name="Marcador de contenido 5"/>
+          <p:cNvSpPr>
+            <a:spLocks noGrp="1"/>
+          </p:cNvSpPr>
+          <p:nvPr>
+            <p:ph sz="quarter" idx="4"/>
+          </p:nvPr>
+        </p:nvSpPr>
+        <p:spPr>
+          <a:xfrm>
+            <a:off x="4629150" y="2505075"/>
+            <a:ext cx="3887788" cy="3684588"/>
+          </a:xfrm>
+        </p:spPr>
+        <p:txBody>
+          <a:bodyPr/>
+          <a:lstStyle/>
+          <a:p>
+            <a:pPr lvl="0"/>
+            <a:r>
+              <a:rPr lang="es-ES" smtClean="0"/>
+              <a:t>Haga clic para modificar el estilo de texto del patrón</a:t>
+            </a:r>
+          </a:p>
+          <a:p>
+            <a:pPr lvl="1"/>
+            <a:r>
+              <a:rPr lang="es-ES" smtClean="0"/>
+              <a:t>Segundo nivel</a:t>
+            </a:r>
+          </a:p>
+          <a:p>
+            <a:pPr lvl="2"/>
+            <a:r>
+              <a:rPr lang="es-ES" smtClean="0"/>
+              <a:t>Tercer nivel</a:t>
+            </a:r>
+          </a:p>
+          <a:p>
+            <a:pPr lvl="3"/>
+            <a:r>
+              <a:rPr lang="es-ES" smtClean="0"/>
+              <a:t>Cuarto nivel</a:t>
+            </a:r>
+          </a:p>
+          <a:p>
+            <a:pPr lvl="4"/>
+            <a:r>
+              <a:rPr lang="es-ES" smtClean="0"/>
+              <a:t>Quinto nivel</a:t>
+            </a:r>
+            <a:endParaRPr lang="es-CO"/>
+          </a:p>
+        </p:txBody>
+      </p:sp>
+      <p:sp>
+        <p:nvSpPr>
+          <p:cNvPr id="7" name="Marcador de fecha 6"/>
+          <p:cNvSpPr>
+            <a:spLocks noGrp="1"/>
+          </p:cNvSpPr>
+          <p:nvPr>
+            <p:ph type="dt" sz="half" idx="10"/>
+          </p:nvPr>
+        </p:nvSpPr>
+        <p:spPr/>
+        <p:txBody>
+          <a:bodyPr/>
+          <a:lstStyle/>
+          <a:p>
+            <a:fld id="{8DF5D5A2-E459-484B-B605-65C3C8CA7009}" type="datetimeFigureOut">
+              <a:rPr lang="es-CO" smtClean="0"/>
+              <a:t>28/10/2015</a:t>
+            </a:fld>
+            <a:endParaRPr lang="es-CO"/>
+          </a:p>
+        </p:txBody>
+      </p:sp>
+      <p:sp>
+        <p:nvSpPr>
+          <p:cNvPr id="8" name="Marcador de pie de página 7"/>
+          <p:cNvSpPr>
+            <a:spLocks noGrp="1"/>
+          </p:cNvSpPr>
+          <p:nvPr>
+            <p:ph type="ftr" sz="quarter" idx="11"/>
+          </p:nvPr>
+        </p:nvSpPr>
+        <p:spPr/>
+        <p:txBody>
+          <a:bodyPr/>
+          <a:lstStyle/>
+          <a:p>
+            <a:endParaRPr lang="es-CO"/>
+          </a:p>
+        </p:txBody>
+      </p:sp>
+      <p:sp>
+        <p:nvSpPr>
+          <p:cNvPr id="9" name="Marcador de número de diapositiva 8"/>
+          <p:cNvSpPr>
+            <a:spLocks noGrp="1"/>
+          </p:cNvSpPr>
+          <p:nvPr>
+            <p:ph type="sldNum" sz="quarter" idx="12"/>
+          </p:nvPr>
+        </p:nvSpPr>
+        <p:spPr/>
+        <p:txBody>
+          <a:bodyPr/>
+          <a:lstStyle/>
+          <a:p>
+            <a:fld id="{C963FFD3-4DA9-42A5-BEC9-F68947E80CD9}" type="slidenum">
+              <a:rPr lang="es-CO" smtClean="0"/>
+              <a:t>‹Nº›</a:t>
+            </a:fld>
+            <a:endParaRPr lang="es-CO"/>
+          </a:p>
+        </p:txBody>
+      </p:sp>
+    </p:spTree>
+    <p:extLst>
+      <p:ext uri="{BB962C8B-B14F-4D97-AF65-F5344CB8AC3E}">
+        <p14:creationId xmlns:p14="http://schemas.microsoft.com/office/powerpoint/2010/main" val="1023541930"/>
+      </p:ext>
+    </p:extLst>
+  </p:cSld>
+  <p:clrMapOvr>
+    <a:masterClrMapping/>
+  </p:clrMapOvr>
+</p:sldLayout>
+</file>
+
+<file path=ppt/slideLayouts/slideLayout17.xml><?xml version="1.0" encoding="utf-8"?>
+<p:sldLayout xmlns:a="http://schemas.openxmlformats.org/drawingml/2006/main" xmlns:r="http://schemas.openxmlformats.org/officeDocument/2006/relationships" xmlns:p="http://schemas.openxmlformats.org/presentationml/2006/main" type="titleOnly" preserve="1">
+  <p:cSld name="Solo el título">
+    <p:spTree>
+      <p:nvGrpSpPr>
+        <p:cNvPr id="1" name=""/>
+        <p:cNvGrpSpPr/>
+        <p:nvPr/>
+      </p:nvGrpSpPr>
+      <p:grpSpPr>
+        <a:xfrm>
+          <a:off x="0" y="0"/>
+          <a:ext cx="0" cy="0"/>
+          <a:chOff x="0" y="0"/>
+          <a:chExt cx="0" cy="0"/>
+        </a:xfrm>
+      </p:grpSpPr>
+      <p:sp>
+        <p:nvSpPr>
+          <p:cNvPr id="2" name="Título 1"/>
+          <p:cNvSpPr>
+            <a:spLocks noGrp="1"/>
+          </p:cNvSpPr>
+          <p:nvPr>
+            <p:ph type="title"/>
+          </p:nvPr>
+        </p:nvSpPr>
+        <p:spPr/>
+        <p:txBody>
+          <a:bodyPr/>
+          <a:lstStyle/>
+          <a:p>
+            <a:r>
+              <a:rPr lang="es-ES" smtClean="0"/>
+              <a:t>Haga clic para modificar el estilo de título del patrón</a:t>
+            </a:r>
+            <a:endParaRPr lang="es-CO"/>
+          </a:p>
+        </p:txBody>
+      </p:sp>
+      <p:sp>
+        <p:nvSpPr>
+          <p:cNvPr id="3" name="Marcador de fecha 2"/>
+          <p:cNvSpPr>
+            <a:spLocks noGrp="1"/>
+          </p:cNvSpPr>
+          <p:nvPr>
+            <p:ph type="dt" sz="half" idx="10"/>
+          </p:nvPr>
+        </p:nvSpPr>
+        <p:spPr/>
+        <p:txBody>
+          <a:bodyPr/>
+          <a:lstStyle/>
+          <a:p>
+            <a:fld id="{8DF5D5A2-E459-484B-B605-65C3C8CA7009}" type="datetimeFigureOut">
+              <a:rPr lang="es-CO" smtClean="0"/>
+              <a:t>28/10/2015</a:t>
+            </a:fld>
+            <a:endParaRPr lang="es-CO"/>
+          </a:p>
+        </p:txBody>
+      </p:sp>
+      <p:sp>
+        <p:nvSpPr>
+          <p:cNvPr id="4" name="Marcador de pie de página 3"/>
+          <p:cNvSpPr>
+            <a:spLocks noGrp="1"/>
+          </p:cNvSpPr>
+          <p:nvPr>
+            <p:ph type="ftr" sz="quarter" idx="11"/>
+          </p:nvPr>
+        </p:nvSpPr>
+        <p:spPr/>
+        <p:txBody>
+          <a:bodyPr/>
+          <a:lstStyle/>
+          <a:p>
+            <a:endParaRPr lang="es-CO"/>
+          </a:p>
+        </p:txBody>
+      </p:sp>
+      <p:sp>
+        <p:nvSpPr>
+          <p:cNvPr id="5" name="Marcador de número de diapositiva 4"/>
+          <p:cNvSpPr>
+            <a:spLocks noGrp="1"/>
+          </p:cNvSpPr>
+          <p:nvPr>
+            <p:ph type="sldNum" sz="quarter" idx="12"/>
+          </p:nvPr>
+        </p:nvSpPr>
+        <p:spPr/>
+        <p:txBody>
+          <a:bodyPr/>
+          <a:lstStyle/>
+          <a:p>
+            <a:fld id="{C963FFD3-4DA9-42A5-BEC9-F68947E80CD9}" type="slidenum">
+              <a:rPr lang="es-CO" smtClean="0"/>
+              <a:t>‹Nº›</a:t>
+            </a:fld>
+            <a:endParaRPr lang="es-CO"/>
+          </a:p>
+        </p:txBody>
+      </p:sp>
+    </p:spTree>
+    <p:extLst>
+      <p:ext uri="{BB962C8B-B14F-4D97-AF65-F5344CB8AC3E}">
+        <p14:creationId xmlns:p14="http://schemas.microsoft.com/office/powerpoint/2010/main" val="1741640718"/>
+      </p:ext>
+    </p:extLst>
+  </p:cSld>
+  <p:clrMapOvr>
+    <a:masterClrMapping/>
+  </p:clrMapOvr>
+</p:sldLayout>
+</file>
+
+<file path=ppt/slideLayouts/slideLayout18.xml><?xml version="1.0" encoding="utf-8"?>
+<p:sldLayout xmlns:a="http://schemas.openxmlformats.org/drawingml/2006/main" xmlns:r="http://schemas.openxmlformats.org/officeDocument/2006/relationships" xmlns:p="http://schemas.openxmlformats.org/presentationml/2006/main" type="blank" preserve="1">
+  <p:cSld name="En blanco">
+    <p:spTree>
+      <p:nvGrpSpPr>
+        <p:cNvPr id="1" name=""/>
+        <p:cNvGrpSpPr/>
+        <p:nvPr/>
+      </p:nvGrpSpPr>
+      <p:grpSpPr>
+        <a:xfrm>
+          <a:off x="0" y="0"/>
+          <a:ext cx="0" cy="0"/>
+          <a:chOff x="0" y="0"/>
+          <a:chExt cx="0" cy="0"/>
+        </a:xfrm>
+      </p:grpSpPr>
+      <p:sp>
+        <p:nvSpPr>
+          <p:cNvPr id="2" name="Marcador de fecha 1"/>
+          <p:cNvSpPr>
+            <a:spLocks noGrp="1"/>
+          </p:cNvSpPr>
+          <p:nvPr>
+            <p:ph type="dt" sz="half" idx="10"/>
+          </p:nvPr>
+        </p:nvSpPr>
+        <p:spPr/>
+        <p:txBody>
+          <a:bodyPr/>
+          <a:lstStyle/>
+          <a:p>
+            <a:fld id="{8DF5D5A2-E459-484B-B605-65C3C8CA7009}" type="datetimeFigureOut">
+              <a:rPr lang="es-CO" smtClean="0"/>
+              <a:t>28/10/2015</a:t>
+            </a:fld>
+            <a:endParaRPr lang="es-CO"/>
+          </a:p>
+        </p:txBody>
+      </p:sp>
+      <p:sp>
+        <p:nvSpPr>
+          <p:cNvPr id="3" name="Marcador de pie de página 2"/>
+          <p:cNvSpPr>
+            <a:spLocks noGrp="1"/>
+          </p:cNvSpPr>
+          <p:nvPr>
+            <p:ph type="ftr" sz="quarter" idx="11"/>
+          </p:nvPr>
+        </p:nvSpPr>
+        <p:spPr/>
+        <p:txBody>
+          <a:bodyPr/>
+          <a:lstStyle/>
+          <a:p>
+            <a:endParaRPr lang="es-CO"/>
+          </a:p>
+        </p:txBody>
+      </p:sp>
+      <p:sp>
+        <p:nvSpPr>
+          <p:cNvPr id="4" name="Marcador de número de diapositiva 3"/>
+          <p:cNvSpPr>
+            <a:spLocks noGrp="1"/>
+          </p:cNvSpPr>
+          <p:nvPr>
+            <p:ph type="sldNum" sz="quarter" idx="12"/>
+          </p:nvPr>
+        </p:nvSpPr>
+        <p:spPr/>
+        <p:txBody>
+          <a:bodyPr/>
+          <a:lstStyle/>
+          <a:p>
+            <a:fld id="{C963FFD3-4DA9-42A5-BEC9-F68947E80CD9}" type="slidenum">
+              <a:rPr lang="es-CO" smtClean="0"/>
+              <a:t>‹Nº›</a:t>
+            </a:fld>
+            <a:endParaRPr lang="es-CO"/>
+          </a:p>
+        </p:txBody>
+      </p:sp>
+    </p:spTree>
+    <p:extLst>
+      <p:ext uri="{BB962C8B-B14F-4D97-AF65-F5344CB8AC3E}">
+        <p14:creationId xmlns:p14="http://schemas.microsoft.com/office/powerpoint/2010/main" val="3320425888"/>
+      </p:ext>
+    </p:extLst>
+  </p:cSld>
+  <p:clrMapOvr>
+    <a:masterClrMapping/>
+  </p:clrMapOvr>
+</p:sldLayout>
+</file>
+
+<file path=ppt/slideLayouts/slideLayout19.xml><?xml version="1.0" encoding="utf-8"?>
+<p:sldLayout xmlns:a="http://schemas.openxmlformats.org/drawingml/2006/main" xmlns:r="http://schemas.openxmlformats.org/officeDocument/2006/relationships" xmlns:p="http://schemas.openxmlformats.org/presentationml/2006/main" type="objTx" preserve="1">
+  <p:cSld name="Contenido con título">
+    <p:spTree>
+      <p:nvGrpSpPr>
+        <p:cNvPr id="1" name=""/>
+        <p:cNvGrpSpPr/>
+        <p:nvPr/>
+      </p:nvGrpSpPr>
+      <p:grpSpPr>
+        <a:xfrm>
+          <a:off x="0" y="0"/>
+          <a:ext cx="0" cy="0"/>
+          <a:chOff x="0" y="0"/>
+          <a:chExt cx="0" cy="0"/>
+        </a:xfrm>
+      </p:grpSpPr>
+      <p:sp>
+        <p:nvSpPr>
+          <p:cNvPr id="2" name="Título 1"/>
+          <p:cNvSpPr>
+            <a:spLocks noGrp="1"/>
+          </p:cNvSpPr>
+          <p:nvPr>
+            <p:ph type="title"/>
+          </p:nvPr>
+        </p:nvSpPr>
+        <p:spPr>
+          <a:xfrm>
+            <a:off x="630238" y="457200"/>
+            <a:ext cx="2949575" cy="1600200"/>
+          </a:xfrm>
+        </p:spPr>
+        <p:txBody>
+          <a:bodyPr anchor="b"/>
+          <a:lstStyle>
+            <a:lvl1pPr>
+              <a:defRPr sz="3200"/>
+            </a:lvl1pPr>
+          </a:lstStyle>
+          <a:p>
+            <a:r>
+              <a:rPr lang="es-ES" smtClean="0"/>
+              <a:t>Haga clic para modificar el estilo de título del patrón</a:t>
+            </a:r>
+            <a:endParaRPr lang="es-CO"/>
+          </a:p>
+        </p:txBody>
+      </p:sp>
+      <p:sp>
+        <p:nvSpPr>
+          <p:cNvPr id="3" name="Marcador de contenido 2"/>
+          <p:cNvSpPr>
+            <a:spLocks noGrp="1"/>
+          </p:cNvSpPr>
+          <p:nvPr>
+            <p:ph idx="1"/>
+          </p:nvPr>
+        </p:nvSpPr>
+        <p:spPr>
+          <a:xfrm>
+            <a:off x="3887788" y="987425"/>
+            <a:ext cx="4629150" cy="4873625"/>
+          </a:xfrm>
+        </p:spPr>
+        <p:txBody>
+          <a:bodyPr/>
+          <a:lstStyle>
+            <a:lvl1pPr>
+              <a:defRPr sz="3200"/>
+            </a:lvl1pPr>
+            <a:lvl2pPr>
+              <a:defRPr sz="2800"/>
+            </a:lvl2pPr>
+            <a:lvl3pPr>
+              <a:defRPr sz="2400"/>
+            </a:lvl3pPr>
+            <a:lvl4pPr>
+              <a:defRPr sz="2000"/>
+            </a:lvl4pPr>
+            <a:lvl5pPr>
+              <a:defRPr sz="2000"/>
+            </a:lvl5pPr>
+            <a:lvl6pPr>
+              <a:defRPr sz="2000"/>
+            </a:lvl6pPr>
+            <a:lvl7pPr>
+              <a:defRPr sz="2000"/>
+            </a:lvl7pPr>
+            <a:lvl8pPr>
+              <a:defRPr sz="2000"/>
+            </a:lvl8pPr>
+            <a:lvl9pPr>
+              <a:defRPr sz="2000"/>
+            </a:lvl9pPr>
+          </a:lstStyle>
+          <a:p>
+            <a:pPr lvl="0"/>
+            <a:r>
+              <a:rPr lang="es-ES" smtClean="0"/>
+              <a:t>Haga clic para modificar el estilo de texto del patrón</a:t>
+            </a:r>
+          </a:p>
+          <a:p>
+            <a:pPr lvl="1"/>
+            <a:r>
+              <a:rPr lang="es-ES" smtClean="0"/>
+              <a:t>Segundo nivel</a:t>
+            </a:r>
+          </a:p>
+          <a:p>
+            <a:pPr lvl="2"/>
+            <a:r>
+              <a:rPr lang="es-ES" smtClean="0"/>
+              <a:t>Tercer nivel</a:t>
+            </a:r>
+          </a:p>
+          <a:p>
+            <a:pPr lvl="3"/>
+            <a:r>
+              <a:rPr lang="es-ES" smtClean="0"/>
+              <a:t>Cuarto nivel</a:t>
+            </a:r>
+          </a:p>
+          <a:p>
+            <a:pPr lvl="4"/>
+            <a:r>
+              <a:rPr lang="es-ES" smtClean="0"/>
+              <a:t>Quinto nivel</a:t>
+            </a:r>
+            <a:endParaRPr lang="es-CO"/>
+          </a:p>
+        </p:txBody>
+      </p:sp>
+      <p:sp>
+        <p:nvSpPr>
+          <p:cNvPr id="4" name="Marcador de texto 3"/>
+          <p:cNvSpPr>
+            <a:spLocks noGrp="1"/>
+          </p:cNvSpPr>
+          <p:nvPr>
+            <p:ph type="body" sz="half" idx="2"/>
+          </p:nvPr>
+        </p:nvSpPr>
+        <p:spPr>
+          <a:xfrm>
+            <a:off x="630238" y="2057400"/>
+            <a:ext cx="2949575" cy="3811588"/>
+          </a:xfrm>
+        </p:spPr>
+        <p:txBody>
+          <a:bodyPr/>
+          <a:lstStyle>
+            <a:lvl1pPr marL="0" indent="0">
+              <a:buNone/>
+              <a:defRPr sz="1600"/>
+            </a:lvl1pPr>
+            <a:lvl2pPr marL="457200" indent="0">
+              <a:buNone/>
+              <a:defRPr sz="1400"/>
+            </a:lvl2pPr>
+            <a:lvl3pPr marL="914400" indent="0">
+              <a:buNone/>
+              <a:defRPr sz="1200"/>
+            </a:lvl3pPr>
+            <a:lvl4pPr marL="1371600" indent="0">
+              <a:buNone/>
+              <a:defRPr sz="1000"/>
+            </a:lvl4pPr>
+            <a:lvl5pPr marL="1828800" indent="0">
+              <a:buNone/>
+              <a:defRPr sz="1000"/>
+            </a:lvl5pPr>
+            <a:lvl6pPr marL="2286000" indent="0">
+              <a:buNone/>
+              <a:defRPr sz="1000"/>
+            </a:lvl6pPr>
+            <a:lvl7pPr marL="2743200" indent="0">
+              <a:buNone/>
+              <a:defRPr sz="1000"/>
+            </a:lvl7pPr>
+            <a:lvl8pPr marL="3200400" indent="0">
+              <a:buNone/>
+              <a:defRPr sz="1000"/>
+            </a:lvl8pPr>
+            <a:lvl9pPr marL="3657600" indent="0">
+              <a:buNone/>
+              <a:defRPr sz="1000"/>
+            </a:lvl9pPr>
+          </a:lstStyle>
+          <a:p>
+            <a:pPr lvl="0"/>
+            <a:r>
+              <a:rPr lang="es-ES" smtClean="0"/>
+              <a:t>Haga clic para modificar el estilo de texto del patrón</a:t>
+            </a:r>
+          </a:p>
+        </p:txBody>
+      </p:sp>
+      <p:sp>
+        <p:nvSpPr>
+          <p:cNvPr id="5" name="Marcador de fecha 4"/>
+          <p:cNvSpPr>
+            <a:spLocks noGrp="1"/>
+          </p:cNvSpPr>
+          <p:nvPr>
+            <p:ph type="dt" sz="half" idx="10"/>
+          </p:nvPr>
+        </p:nvSpPr>
+        <p:spPr/>
+        <p:txBody>
+          <a:bodyPr/>
+          <a:lstStyle/>
+          <a:p>
+            <a:fld id="{8DF5D5A2-E459-484B-B605-65C3C8CA7009}" type="datetimeFigureOut">
+              <a:rPr lang="es-CO" smtClean="0"/>
+              <a:t>28/10/2015</a:t>
+            </a:fld>
+            <a:endParaRPr lang="es-CO"/>
+          </a:p>
+        </p:txBody>
+      </p:sp>
+      <p:sp>
+        <p:nvSpPr>
+          <p:cNvPr id="6" name="Marcador de pie de página 5"/>
+          <p:cNvSpPr>
+            <a:spLocks noGrp="1"/>
+          </p:cNvSpPr>
+          <p:nvPr>
+            <p:ph type="ftr" sz="quarter" idx="11"/>
+          </p:nvPr>
+        </p:nvSpPr>
+        <p:spPr/>
+        <p:txBody>
+          <a:bodyPr/>
+          <a:lstStyle/>
+          <a:p>
+            <a:endParaRPr lang="es-CO"/>
+          </a:p>
+        </p:txBody>
+      </p:sp>
+      <p:sp>
+        <p:nvSpPr>
+          <p:cNvPr id="7" name="Marcador de número de diapositiva 6"/>
+          <p:cNvSpPr>
+            <a:spLocks noGrp="1"/>
+          </p:cNvSpPr>
+          <p:nvPr>
+            <p:ph type="sldNum" sz="quarter" idx="12"/>
+          </p:nvPr>
+        </p:nvSpPr>
+        <p:spPr/>
+        <p:txBody>
+          <a:bodyPr/>
+          <a:lstStyle/>
+          <a:p>
+            <a:fld id="{C963FFD3-4DA9-42A5-BEC9-F68947E80CD9}" type="slidenum">
+              <a:rPr lang="es-CO" smtClean="0"/>
+              <a:t>‹Nº›</a:t>
+            </a:fld>
+            <a:endParaRPr lang="es-CO"/>
+          </a:p>
+        </p:txBody>
+      </p:sp>
+    </p:spTree>
+    <p:extLst>
+      <p:ext uri="{BB962C8B-B14F-4D97-AF65-F5344CB8AC3E}">
+        <p14:creationId xmlns:p14="http://schemas.microsoft.com/office/powerpoint/2010/main" val="2405237514"/>
+      </p:ext>
+    </p:extLst>
+  </p:cSld>
+  <p:clrMapOvr>
+    <a:masterClrMapping/>
+  </p:clrMapOvr>
+</p:sldLayout>
+</file>
+
 <file path=ppt/slideLayouts/slideLayout2.xml><?xml version="1.0" encoding="utf-8"?>
 <p:sldLayout xmlns:a="http://schemas.openxmlformats.org/drawingml/2006/main" xmlns:r="http://schemas.openxmlformats.org/officeDocument/2006/relationships" xmlns:p="http://schemas.openxmlformats.org/presentationml/2006/main" preserve="1" userDrawn="1">
   <p:cSld name="Título y objetos">
@@ -257,6 +1955,609 @@
       </p:par>
     </p:tnLst>
   </p:timing>
+</p:sldLayout>
+</file>
+
+<file path=ppt/slideLayouts/slideLayout20.xml><?xml version="1.0" encoding="utf-8"?>
+<p:sldLayout xmlns:a="http://schemas.openxmlformats.org/drawingml/2006/main" xmlns:r="http://schemas.openxmlformats.org/officeDocument/2006/relationships" xmlns:p="http://schemas.openxmlformats.org/presentationml/2006/main" type="picTx" preserve="1">
+  <p:cSld name="Imagen con título">
+    <p:spTree>
+      <p:nvGrpSpPr>
+        <p:cNvPr id="1" name=""/>
+        <p:cNvGrpSpPr/>
+        <p:nvPr/>
+      </p:nvGrpSpPr>
+      <p:grpSpPr>
+        <a:xfrm>
+          <a:off x="0" y="0"/>
+          <a:ext cx="0" cy="0"/>
+          <a:chOff x="0" y="0"/>
+          <a:chExt cx="0" cy="0"/>
+        </a:xfrm>
+      </p:grpSpPr>
+      <p:sp>
+        <p:nvSpPr>
+          <p:cNvPr id="2" name="Título 1"/>
+          <p:cNvSpPr>
+            <a:spLocks noGrp="1"/>
+          </p:cNvSpPr>
+          <p:nvPr>
+            <p:ph type="title"/>
+          </p:nvPr>
+        </p:nvSpPr>
+        <p:spPr>
+          <a:xfrm>
+            <a:off x="630238" y="457200"/>
+            <a:ext cx="2949575" cy="1600200"/>
+          </a:xfrm>
+        </p:spPr>
+        <p:txBody>
+          <a:bodyPr anchor="b"/>
+          <a:lstStyle>
+            <a:lvl1pPr>
+              <a:defRPr sz="3200"/>
+            </a:lvl1pPr>
+          </a:lstStyle>
+          <a:p>
+            <a:r>
+              <a:rPr lang="es-ES" smtClean="0"/>
+              <a:t>Haga clic para modificar el estilo de título del patrón</a:t>
+            </a:r>
+            <a:endParaRPr lang="es-CO"/>
+          </a:p>
+        </p:txBody>
+      </p:sp>
+      <p:sp>
+        <p:nvSpPr>
+          <p:cNvPr id="3" name="Marcador de posición de imagen 2"/>
+          <p:cNvSpPr>
+            <a:spLocks noGrp="1"/>
+          </p:cNvSpPr>
+          <p:nvPr>
+            <p:ph type="pic" idx="1"/>
+          </p:nvPr>
+        </p:nvSpPr>
+        <p:spPr>
+          <a:xfrm>
+            <a:off x="3887788" y="987425"/>
+            <a:ext cx="4629150" cy="4873625"/>
+          </a:xfrm>
+        </p:spPr>
+        <p:txBody>
+          <a:bodyPr/>
+          <a:lstStyle>
+            <a:lvl1pPr marL="0" indent="0">
+              <a:buNone/>
+              <a:defRPr sz="3200"/>
+            </a:lvl1pPr>
+            <a:lvl2pPr marL="457200" indent="0">
+              <a:buNone/>
+              <a:defRPr sz="2800"/>
+            </a:lvl2pPr>
+            <a:lvl3pPr marL="914400" indent="0">
+              <a:buNone/>
+              <a:defRPr sz="2400"/>
+            </a:lvl3pPr>
+            <a:lvl4pPr marL="1371600" indent="0">
+              <a:buNone/>
+              <a:defRPr sz="2000"/>
+            </a:lvl4pPr>
+            <a:lvl5pPr marL="1828800" indent="0">
+              <a:buNone/>
+              <a:defRPr sz="2000"/>
+            </a:lvl5pPr>
+            <a:lvl6pPr marL="2286000" indent="0">
+              <a:buNone/>
+              <a:defRPr sz="2000"/>
+            </a:lvl6pPr>
+            <a:lvl7pPr marL="2743200" indent="0">
+              <a:buNone/>
+              <a:defRPr sz="2000"/>
+            </a:lvl7pPr>
+            <a:lvl8pPr marL="3200400" indent="0">
+              <a:buNone/>
+              <a:defRPr sz="2000"/>
+            </a:lvl8pPr>
+            <a:lvl9pPr marL="3657600" indent="0">
+              <a:buNone/>
+              <a:defRPr sz="2000"/>
+            </a:lvl9pPr>
+          </a:lstStyle>
+          <a:p>
+            <a:endParaRPr lang="es-CO"/>
+          </a:p>
+        </p:txBody>
+      </p:sp>
+      <p:sp>
+        <p:nvSpPr>
+          <p:cNvPr id="4" name="Marcador de texto 3"/>
+          <p:cNvSpPr>
+            <a:spLocks noGrp="1"/>
+          </p:cNvSpPr>
+          <p:nvPr>
+            <p:ph type="body" sz="half" idx="2"/>
+          </p:nvPr>
+        </p:nvSpPr>
+        <p:spPr>
+          <a:xfrm>
+            <a:off x="630238" y="2057400"/>
+            <a:ext cx="2949575" cy="3811588"/>
+          </a:xfrm>
+        </p:spPr>
+        <p:txBody>
+          <a:bodyPr/>
+          <a:lstStyle>
+            <a:lvl1pPr marL="0" indent="0">
+              <a:buNone/>
+              <a:defRPr sz="1600"/>
+            </a:lvl1pPr>
+            <a:lvl2pPr marL="457200" indent="0">
+              <a:buNone/>
+              <a:defRPr sz="1400"/>
+            </a:lvl2pPr>
+            <a:lvl3pPr marL="914400" indent="0">
+              <a:buNone/>
+              <a:defRPr sz="1200"/>
+            </a:lvl3pPr>
+            <a:lvl4pPr marL="1371600" indent="0">
+              <a:buNone/>
+              <a:defRPr sz="1000"/>
+            </a:lvl4pPr>
+            <a:lvl5pPr marL="1828800" indent="0">
+              <a:buNone/>
+              <a:defRPr sz="1000"/>
+            </a:lvl5pPr>
+            <a:lvl6pPr marL="2286000" indent="0">
+              <a:buNone/>
+              <a:defRPr sz="1000"/>
+            </a:lvl6pPr>
+            <a:lvl7pPr marL="2743200" indent="0">
+              <a:buNone/>
+              <a:defRPr sz="1000"/>
+            </a:lvl7pPr>
+            <a:lvl8pPr marL="3200400" indent="0">
+              <a:buNone/>
+              <a:defRPr sz="1000"/>
+            </a:lvl8pPr>
+            <a:lvl9pPr marL="3657600" indent="0">
+              <a:buNone/>
+              <a:defRPr sz="1000"/>
+            </a:lvl9pPr>
+          </a:lstStyle>
+          <a:p>
+            <a:pPr lvl="0"/>
+            <a:r>
+              <a:rPr lang="es-ES" smtClean="0"/>
+              <a:t>Haga clic para modificar el estilo de texto del patrón</a:t>
+            </a:r>
+          </a:p>
+        </p:txBody>
+      </p:sp>
+      <p:sp>
+        <p:nvSpPr>
+          <p:cNvPr id="5" name="Marcador de fecha 4"/>
+          <p:cNvSpPr>
+            <a:spLocks noGrp="1"/>
+          </p:cNvSpPr>
+          <p:nvPr>
+            <p:ph type="dt" sz="half" idx="10"/>
+          </p:nvPr>
+        </p:nvSpPr>
+        <p:spPr/>
+        <p:txBody>
+          <a:bodyPr/>
+          <a:lstStyle/>
+          <a:p>
+            <a:fld id="{8DF5D5A2-E459-484B-B605-65C3C8CA7009}" type="datetimeFigureOut">
+              <a:rPr lang="es-CO" smtClean="0"/>
+              <a:t>28/10/2015</a:t>
+            </a:fld>
+            <a:endParaRPr lang="es-CO"/>
+          </a:p>
+        </p:txBody>
+      </p:sp>
+      <p:sp>
+        <p:nvSpPr>
+          <p:cNvPr id="6" name="Marcador de pie de página 5"/>
+          <p:cNvSpPr>
+            <a:spLocks noGrp="1"/>
+          </p:cNvSpPr>
+          <p:nvPr>
+            <p:ph type="ftr" sz="quarter" idx="11"/>
+          </p:nvPr>
+        </p:nvSpPr>
+        <p:spPr/>
+        <p:txBody>
+          <a:bodyPr/>
+          <a:lstStyle/>
+          <a:p>
+            <a:endParaRPr lang="es-CO"/>
+          </a:p>
+        </p:txBody>
+      </p:sp>
+      <p:sp>
+        <p:nvSpPr>
+          <p:cNvPr id="7" name="Marcador de número de diapositiva 6"/>
+          <p:cNvSpPr>
+            <a:spLocks noGrp="1"/>
+          </p:cNvSpPr>
+          <p:nvPr>
+            <p:ph type="sldNum" sz="quarter" idx="12"/>
+          </p:nvPr>
+        </p:nvSpPr>
+        <p:spPr/>
+        <p:txBody>
+          <a:bodyPr/>
+          <a:lstStyle/>
+          <a:p>
+            <a:fld id="{C963FFD3-4DA9-42A5-BEC9-F68947E80CD9}" type="slidenum">
+              <a:rPr lang="es-CO" smtClean="0"/>
+              <a:t>‹Nº›</a:t>
+            </a:fld>
+            <a:endParaRPr lang="es-CO"/>
+          </a:p>
+        </p:txBody>
+      </p:sp>
+    </p:spTree>
+    <p:extLst>
+      <p:ext uri="{BB962C8B-B14F-4D97-AF65-F5344CB8AC3E}">
+        <p14:creationId xmlns:p14="http://schemas.microsoft.com/office/powerpoint/2010/main" val="467164603"/>
+      </p:ext>
+    </p:extLst>
+  </p:cSld>
+  <p:clrMapOvr>
+    <a:masterClrMapping/>
+  </p:clrMapOvr>
+</p:sldLayout>
+</file>
+
+<file path=ppt/slideLayouts/slideLayout21.xml><?xml version="1.0" encoding="utf-8"?>
+<p:sldLayout xmlns:a="http://schemas.openxmlformats.org/drawingml/2006/main" xmlns:r="http://schemas.openxmlformats.org/officeDocument/2006/relationships" xmlns:p="http://schemas.openxmlformats.org/presentationml/2006/main" type="vertTx" preserve="1">
+  <p:cSld name="Título y texto vertical">
+    <p:spTree>
+      <p:nvGrpSpPr>
+        <p:cNvPr id="1" name=""/>
+        <p:cNvGrpSpPr/>
+        <p:nvPr/>
+      </p:nvGrpSpPr>
+      <p:grpSpPr>
+        <a:xfrm>
+          <a:off x="0" y="0"/>
+          <a:ext cx="0" cy="0"/>
+          <a:chOff x="0" y="0"/>
+          <a:chExt cx="0" cy="0"/>
+        </a:xfrm>
+      </p:grpSpPr>
+      <p:sp>
+        <p:nvSpPr>
+          <p:cNvPr id="2" name="Título 1"/>
+          <p:cNvSpPr>
+            <a:spLocks noGrp="1"/>
+          </p:cNvSpPr>
+          <p:nvPr>
+            <p:ph type="title"/>
+          </p:nvPr>
+        </p:nvSpPr>
+        <p:spPr/>
+        <p:txBody>
+          <a:bodyPr/>
+          <a:lstStyle/>
+          <a:p>
+            <a:r>
+              <a:rPr lang="es-ES" smtClean="0"/>
+              <a:t>Haga clic para modificar el estilo de título del patrón</a:t>
+            </a:r>
+            <a:endParaRPr lang="es-CO"/>
+          </a:p>
+        </p:txBody>
+      </p:sp>
+      <p:sp>
+        <p:nvSpPr>
+          <p:cNvPr id="3" name="Marcador de texto vertical 2"/>
+          <p:cNvSpPr>
+            <a:spLocks noGrp="1"/>
+          </p:cNvSpPr>
+          <p:nvPr>
+            <p:ph type="body" orient="vert" idx="1"/>
+          </p:nvPr>
+        </p:nvSpPr>
+        <p:spPr/>
+        <p:txBody>
+          <a:bodyPr vert="eaVert"/>
+          <a:lstStyle/>
+          <a:p>
+            <a:pPr lvl="0"/>
+            <a:r>
+              <a:rPr lang="es-ES" smtClean="0"/>
+              <a:t>Haga clic para modificar el estilo de texto del patrón</a:t>
+            </a:r>
+          </a:p>
+          <a:p>
+            <a:pPr lvl="1"/>
+            <a:r>
+              <a:rPr lang="es-ES" smtClean="0"/>
+              <a:t>Segundo nivel</a:t>
+            </a:r>
+          </a:p>
+          <a:p>
+            <a:pPr lvl="2"/>
+            <a:r>
+              <a:rPr lang="es-ES" smtClean="0"/>
+              <a:t>Tercer nivel</a:t>
+            </a:r>
+          </a:p>
+          <a:p>
+            <a:pPr lvl="3"/>
+            <a:r>
+              <a:rPr lang="es-ES" smtClean="0"/>
+              <a:t>Cuarto nivel</a:t>
+            </a:r>
+          </a:p>
+          <a:p>
+            <a:pPr lvl="4"/>
+            <a:r>
+              <a:rPr lang="es-ES" smtClean="0"/>
+              <a:t>Quinto nivel</a:t>
+            </a:r>
+            <a:endParaRPr lang="es-CO"/>
+          </a:p>
+        </p:txBody>
+      </p:sp>
+      <p:sp>
+        <p:nvSpPr>
+          <p:cNvPr id="4" name="Marcador de fecha 3"/>
+          <p:cNvSpPr>
+            <a:spLocks noGrp="1"/>
+          </p:cNvSpPr>
+          <p:nvPr>
+            <p:ph type="dt" sz="half" idx="10"/>
+          </p:nvPr>
+        </p:nvSpPr>
+        <p:spPr/>
+        <p:txBody>
+          <a:bodyPr/>
+          <a:lstStyle/>
+          <a:p>
+            <a:fld id="{8DF5D5A2-E459-484B-B605-65C3C8CA7009}" type="datetimeFigureOut">
+              <a:rPr lang="es-CO" smtClean="0"/>
+              <a:t>28/10/2015</a:t>
+            </a:fld>
+            <a:endParaRPr lang="es-CO"/>
+          </a:p>
+        </p:txBody>
+      </p:sp>
+      <p:sp>
+        <p:nvSpPr>
+          <p:cNvPr id="5" name="Marcador de pie de página 4"/>
+          <p:cNvSpPr>
+            <a:spLocks noGrp="1"/>
+          </p:cNvSpPr>
+          <p:nvPr>
+            <p:ph type="ftr" sz="quarter" idx="11"/>
+          </p:nvPr>
+        </p:nvSpPr>
+        <p:spPr/>
+        <p:txBody>
+          <a:bodyPr/>
+          <a:lstStyle/>
+          <a:p>
+            <a:endParaRPr lang="es-CO"/>
+          </a:p>
+        </p:txBody>
+      </p:sp>
+      <p:sp>
+        <p:nvSpPr>
+          <p:cNvPr id="6" name="Marcador de número de diapositiva 5"/>
+          <p:cNvSpPr>
+            <a:spLocks noGrp="1"/>
+          </p:cNvSpPr>
+          <p:nvPr>
+            <p:ph type="sldNum" sz="quarter" idx="12"/>
+          </p:nvPr>
+        </p:nvSpPr>
+        <p:spPr/>
+        <p:txBody>
+          <a:bodyPr/>
+          <a:lstStyle/>
+          <a:p>
+            <a:fld id="{C963FFD3-4DA9-42A5-BEC9-F68947E80CD9}" type="slidenum">
+              <a:rPr lang="es-CO" smtClean="0"/>
+              <a:t>‹Nº›</a:t>
+            </a:fld>
+            <a:endParaRPr lang="es-CO"/>
+          </a:p>
+        </p:txBody>
+      </p:sp>
+    </p:spTree>
+    <p:extLst>
+      <p:ext uri="{BB962C8B-B14F-4D97-AF65-F5344CB8AC3E}">
+        <p14:creationId xmlns:p14="http://schemas.microsoft.com/office/powerpoint/2010/main" val="436689005"/>
+      </p:ext>
+    </p:extLst>
+  </p:cSld>
+  <p:clrMapOvr>
+    <a:masterClrMapping/>
+  </p:clrMapOvr>
+</p:sldLayout>
+</file>
+
+<file path=ppt/slideLayouts/slideLayout22.xml><?xml version="1.0" encoding="utf-8"?>
+<p:sldLayout xmlns:a="http://schemas.openxmlformats.org/drawingml/2006/main" xmlns:r="http://schemas.openxmlformats.org/officeDocument/2006/relationships" xmlns:p="http://schemas.openxmlformats.org/presentationml/2006/main" type="vertTitleAndTx" preserve="1">
+  <p:cSld name="Título vertical y texto">
+    <p:spTree>
+      <p:nvGrpSpPr>
+        <p:cNvPr id="1" name=""/>
+        <p:cNvGrpSpPr/>
+        <p:nvPr/>
+      </p:nvGrpSpPr>
+      <p:grpSpPr>
+        <a:xfrm>
+          <a:off x="0" y="0"/>
+          <a:ext cx="0" cy="0"/>
+          <a:chOff x="0" y="0"/>
+          <a:chExt cx="0" cy="0"/>
+        </a:xfrm>
+      </p:grpSpPr>
+      <p:sp>
+        <p:nvSpPr>
+          <p:cNvPr id="2" name="Título vertical 1"/>
+          <p:cNvSpPr>
+            <a:spLocks noGrp="1"/>
+          </p:cNvSpPr>
+          <p:nvPr>
+            <p:ph type="title" orient="vert"/>
+          </p:nvPr>
+        </p:nvSpPr>
+        <p:spPr>
+          <a:xfrm>
+            <a:off x="6543675" y="365125"/>
+            <a:ext cx="1971675" cy="5811838"/>
+          </a:xfrm>
+        </p:spPr>
+        <p:txBody>
+          <a:bodyPr vert="eaVert"/>
+          <a:lstStyle/>
+          <a:p>
+            <a:r>
+              <a:rPr lang="es-ES" smtClean="0"/>
+              <a:t>Haga clic para modificar el estilo de título del patrón</a:t>
+            </a:r>
+            <a:endParaRPr lang="es-CO"/>
+          </a:p>
+        </p:txBody>
+      </p:sp>
+      <p:sp>
+        <p:nvSpPr>
+          <p:cNvPr id="3" name="Marcador de texto vertical 2"/>
+          <p:cNvSpPr>
+            <a:spLocks noGrp="1"/>
+          </p:cNvSpPr>
+          <p:nvPr>
+            <p:ph type="body" orient="vert" idx="1"/>
+          </p:nvPr>
+        </p:nvSpPr>
+        <p:spPr>
+          <a:xfrm>
+            <a:off x="628650" y="365125"/>
+            <a:ext cx="5762625" cy="5811838"/>
+          </a:xfrm>
+        </p:spPr>
+        <p:txBody>
+          <a:bodyPr vert="eaVert"/>
+          <a:lstStyle/>
+          <a:p>
+            <a:pPr lvl="0"/>
+            <a:r>
+              <a:rPr lang="es-ES" smtClean="0"/>
+              <a:t>Haga clic para modificar el estilo de texto del patrón</a:t>
+            </a:r>
+          </a:p>
+          <a:p>
+            <a:pPr lvl="1"/>
+            <a:r>
+              <a:rPr lang="es-ES" smtClean="0"/>
+              <a:t>Segundo nivel</a:t>
+            </a:r>
+          </a:p>
+          <a:p>
+            <a:pPr lvl="2"/>
+            <a:r>
+              <a:rPr lang="es-ES" smtClean="0"/>
+              <a:t>Tercer nivel</a:t>
+            </a:r>
+          </a:p>
+          <a:p>
+            <a:pPr lvl="3"/>
+            <a:r>
+              <a:rPr lang="es-ES" smtClean="0"/>
+              <a:t>Cuarto nivel</a:t>
+            </a:r>
+          </a:p>
+          <a:p>
+            <a:pPr lvl="4"/>
+            <a:r>
+              <a:rPr lang="es-ES" smtClean="0"/>
+              <a:t>Quinto nivel</a:t>
+            </a:r>
+            <a:endParaRPr lang="es-CO"/>
+          </a:p>
+        </p:txBody>
+      </p:sp>
+      <p:sp>
+        <p:nvSpPr>
+          <p:cNvPr id="4" name="Marcador de fecha 3"/>
+          <p:cNvSpPr>
+            <a:spLocks noGrp="1"/>
+          </p:cNvSpPr>
+          <p:nvPr>
+            <p:ph type="dt" sz="half" idx="10"/>
+          </p:nvPr>
+        </p:nvSpPr>
+        <p:spPr/>
+        <p:txBody>
+          <a:bodyPr/>
+          <a:lstStyle/>
+          <a:p>
+            <a:fld id="{8DF5D5A2-E459-484B-B605-65C3C8CA7009}" type="datetimeFigureOut">
+              <a:rPr lang="es-CO" smtClean="0"/>
+              <a:t>28/10/2015</a:t>
+            </a:fld>
+            <a:endParaRPr lang="es-CO"/>
+          </a:p>
+        </p:txBody>
+      </p:sp>
+      <p:sp>
+        <p:nvSpPr>
+          <p:cNvPr id="5" name="Marcador de pie de página 4"/>
+          <p:cNvSpPr>
+            <a:spLocks noGrp="1"/>
+          </p:cNvSpPr>
+          <p:nvPr>
+            <p:ph type="ftr" sz="quarter" idx="11"/>
+          </p:nvPr>
+        </p:nvSpPr>
+        <p:spPr/>
+        <p:txBody>
+          <a:bodyPr/>
+          <a:lstStyle/>
+          <a:p>
+            <a:endParaRPr lang="es-CO"/>
+          </a:p>
+        </p:txBody>
+      </p:sp>
+      <p:sp>
+        <p:nvSpPr>
+          <p:cNvPr id="6" name="Marcador de número de diapositiva 5"/>
+          <p:cNvSpPr>
+            <a:spLocks noGrp="1"/>
+          </p:cNvSpPr>
+          <p:nvPr>
+            <p:ph type="sldNum" sz="quarter" idx="12"/>
+          </p:nvPr>
+        </p:nvSpPr>
+        <p:spPr/>
+        <p:txBody>
+          <a:bodyPr/>
+          <a:lstStyle/>
+          <a:p>
+            <a:fld id="{C963FFD3-4DA9-42A5-BEC9-F68947E80CD9}" type="slidenum">
+              <a:rPr lang="es-CO" smtClean="0"/>
+              <a:t>‹Nº›</a:t>
+            </a:fld>
+            <a:endParaRPr lang="es-CO"/>
+          </a:p>
+        </p:txBody>
+      </p:sp>
+    </p:spTree>
+    <p:extLst>
+      <p:ext uri="{BB962C8B-B14F-4D97-AF65-F5344CB8AC3E}">
+        <p14:creationId xmlns:p14="http://schemas.microsoft.com/office/powerpoint/2010/main" val="2627888458"/>
+      </p:ext>
+    </p:extLst>
+  </p:cSld>
+  <p:clrMapOvr>
+    <a:masterClrMapping/>
+  </p:clrMapOvr>
 </p:sldLayout>
 </file>
 
@@ -450,7 +2751,7 @@
           <a:p>
             <a:fld id="{5001C876-01F7-4317-94B9-1AE222133113}" type="datetimeFigureOut">
               <a:rPr lang="es-ES" smtClean="0"/>
-              <a:t>29/08/2015</a:t>
+              <a:t>28/10/2015</a:t>
             </a:fld>
             <a:endParaRPr lang="es-ES"/>
           </a:p>
@@ -658,7 +2959,14 @@
                 <a:latin typeface="Arial" panose="020B0604020202020204" pitchFamily="34" charset="0"/>
                 <a:cs typeface="Arial" panose="020B0604020202020204" pitchFamily="34" charset="0"/>
               </a:rPr>
-              <a:t>© Editorial Planeta Colombiana S.A., 2015.</a:t>
+              <a:t>© Editorial Planeta Colombiana S.A., </a:t>
+            </a:r>
+            <a:r>
+              <a:rPr lang="es-ES" sz="1200" dirty="0" smtClean="0">
+                <a:latin typeface="Arial" panose="020B0604020202020204" pitchFamily="34" charset="0"/>
+                <a:cs typeface="Arial" panose="020B0604020202020204" pitchFamily="34" charset="0"/>
+              </a:rPr>
+              <a:t>2016.</a:t>
             </a:r>
             <a:endParaRPr lang="es-ES" sz="1200" dirty="0">
               <a:latin typeface="Arial" panose="020B0604020202020204" pitchFamily="34" charset="0"/>
@@ -1008,6 +3316,546 @@
 </p:sldMaster>
 </file>
 
+<file path=ppt/slideMasters/slideMaster2.xml><?xml version="1.0" encoding="utf-8"?>
+<p:sldMaster xmlns:a="http://schemas.openxmlformats.org/drawingml/2006/main" xmlns:r="http://schemas.openxmlformats.org/officeDocument/2006/relationships" xmlns:p="http://schemas.openxmlformats.org/presentationml/2006/main" preserve="1">
+  <p:cSld>
+    <p:bg>
+      <p:bgRef idx="1001">
+        <a:schemeClr val="bg1"/>
+      </p:bgRef>
+    </p:bg>
+    <p:spTree>
+      <p:nvGrpSpPr>
+        <p:cNvPr id="1" name=""/>
+        <p:cNvGrpSpPr/>
+        <p:nvPr/>
+      </p:nvGrpSpPr>
+      <p:grpSpPr>
+        <a:xfrm>
+          <a:off x="0" y="0"/>
+          <a:ext cx="0" cy="0"/>
+          <a:chOff x="0" y="0"/>
+          <a:chExt cx="0" cy="0"/>
+        </a:xfrm>
+      </p:grpSpPr>
+      <p:sp>
+        <p:nvSpPr>
+          <p:cNvPr id="2" name="Marcador de título 1"/>
+          <p:cNvSpPr>
+            <a:spLocks noGrp="1"/>
+          </p:cNvSpPr>
+          <p:nvPr>
+            <p:ph type="title"/>
+          </p:nvPr>
+        </p:nvSpPr>
+        <p:spPr>
+          <a:xfrm>
+            <a:off x="628650" y="365125"/>
+            <a:ext cx="7886700" cy="1325563"/>
+          </a:xfrm>
+          <a:prstGeom prst="rect">
+            <a:avLst/>
+          </a:prstGeom>
+        </p:spPr>
+        <p:txBody>
+          <a:bodyPr vert="horz" lIns="91440" tIns="45720" rIns="91440" bIns="45720" rtlCol="0" anchor="ctr">
+            <a:normAutofit/>
+          </a:bodyPr>
+          <a:lstStyle/>
+          <a:p>
+            <a:r>
+              <a:rPr lang="es-ES" smtClean="0"/>
+              <a:t>Haga clic para modificar el estilo de título del patrón</a:t>
+            </a:r>
+            <a:endParaRPr lang="es-CO"/>
+          </a:p>
+        </p:txBody>
+      </p:sp>
+      <p:sp>
+        <p:nvSpPr>
+          <p:cNvPr id="3" name="Marcador de texto 2"/>
+          <p:cNvSpPr>
+            <a:spLocks noGrp="1"/>
+          </p:cNvSpPr>
+          <p:nvPr>
+            <p:ph type="body" idx="1"/>
+          </p:nvPr>
+        </p:nvSpPr>
+        <p:spPr>
+          <a:xfrm>
+            <a:off x="628650" y="1825625"/>
+            <a:ext cx="7886700" cy="4351338"/>
+          </a:xfrm>
+          <a:prstGeom prst="rect">
+            <a:avLst/>
+          </a:prstGeom>
+        </p:spPr>
+        <p:txBody>
+          <a:bodyPr vert="horz" lIns="91440" tIns="45720" rIns="91440" bIns="45720" rtlCol="0">
+            <a:normAutofit/>
+          </a:bodyPr>
+          <a:lstStyle/>
+          <a:p>
+            <a:pPr lvl="0"/>
+            <a:r>
+              <a:rPr lang="es-ES" smtClean="0"/>
+              <a:t>Haga clic para modificar el estilo de texto del patrón</a:t>
+            </a:r>
+          </a:p>
+          <a:p>
+            <a:pPr lvl="1"/>
+            <a:r>
+              <a:rPr lang="es-ES" smtClean="0"/>
+              <a:t>Segundo nivel</a:t>
+            </a:r>
+          </a:p>
+          <a:p>
+            <a:pPr lvl="2"/>
+            <a:r>
+              <a:rPr lang="es-ES" smtClean="0"/>
+              <a:t>Tercer nivel</a:t>
+            </a:r>
+          </a:p>
+          <a:p>
+            <a:pPr lvl="3"/>
+            <a:r>
+              <a:rPr lang="es-ES" smtClean="0"/>
+              <a:t>Cuarto nivel</a:t>
+            </a:r>
+          </a:p>
+          <a:p>
+            <a:pPr lvl="4"/>
+            <a:r>
+              <a:rPr lang="es-ES" smtClean="0"/>
+              <a:t>Quinto nivel</a:t>
+            </a:r>
+            <a:endParaRPr lang="es-CO"/>
+          </a:p>
+        </p:txBody>
+      </p:sp>
+      <p:sp>
+        <p:nvSpPr>
+          <p:cNvPr id="4" name="Marcador de fecha 3"/>
+          <p:cNvSpPr>
+            <a:spLocks noGrp="1"/>
+          </p:cNvSpPr>
+          <p:nvPr>
+            <p:ph type="dt" sz="half" idx="2"/>
+          </p:nvPr>
+        </p:nvSpPr>
+        <p:spPr>
+          <a:xfrm>
+            <a:off x="628650" y="6356350"/>
+            <a:ext cx="2057400" cy="365125"/>
+          </a:xfrm>
+          <a:prstGeom prst="rect">
+            <a:avLst/>
+          </a:prstGeom>
+        </p:spPr>
+        <p:txBody>
+          <a:bodyPr vert="horz" lIns="91440" tIns="45720" rIns="91440" bIns="45720" rtlCol="0" anchor="ctr"/>
+          <a:lstStyle>
+            <a:lvl1pPr algn="l">
+              <a:defRPr sz="1200">
+                <a:solidFill>
+                  <a:schemeClr val="tx1">
+                    <a:tint val="75000"/>
+                  </a:schemeClr>
+                </a:solidFill>
+              </a:defRPr>
+            </a:lvl1pPr>
+          </a:lstStyle>
+          <a:p>
+            <a:fld id="{8DF5D5A2-E459-484B-B605-65C3C8CA7009}" type="datetimeFigureOut">
+              <a:rPr lang="es-CO" smtClean="0"/>
+              <a:t>28/10/2015</a:t>
+            </a:fld>
+            <a:endParaRPr lang="es-CO"/>
+          </a:p>
+        </p:txBody>
+      </p:sp>
+      <p:sp>
+        <p:nvSpPr>
+          <p:cNvPr id="5" name="Marcador de pie de página 4"/>
+          <p:cNvSpPr>
+            <a:spLocks noGrp="1"/>
+          </p:cNvSpPr>
+          <p:nvPr>
+            <p:ph type="ftr" sz="quarter" idx="3"/>
+          </p:nvPr>
+        </p:nvSpPr>
+        <p:spPr>
+          <a:xfrm>
+            <a:off x="3028950" y="6356350"/>
+            <a:ext cx="3086100" cy="365125"/>
+          </a:xfrm>
+          <a:prstGeom prst="rect">
+            <a:avLst/>
+          </a:prstGeom>
+        </p:spPr>
+        <p:txBody>
+          <a:bodyPr vert="horz" lIns="91440" tIns="45720" rIns="91440" bIns="45720" rtlCol="0" anchor="ctr"/>
+          <a:lstStyle>
+            <a:lvl1pPr algn="ctr">
+              <a:defRPr sz="1200">
+                <a:solidFill>
+                  <a:schemeClr val="tx1">
+                    <a:tint val="75000"/>
+                  </a:schemeClr>
+                </a:solidFill>
+              </a:defRPr>
+            </a:lvl1pPr>
+          </a:lstStyle>
+          <a:p>
+            <a:endParaRPr lang="es-CO"/>
+          </a:p>
+        </p:txBody>
+      </p:sp>
+      <p:sp>
+        <p:nvSpPr>
+          <p:cNvPr id="6" name="Marcador de número de diapositiva 5"/>
+          <p:cNvSpPr>
+            <a:spLocks noGrp="1"/>
+          </p:cNvSpPr>
+          <p:nvPr>
+            <p:ph type="sldNum" sz="quarter" idx="4"/>
+          </p:nvPr>
+        </p:nvSpPr>
+        <p:spPr>
+          <a:xfrm>
+            <a:off x="6457950" y="6356350"/>
+            <a:ext cx="2057400" cy="365125"/>
+          </a:xfrm>
+          <a:prstGeom prst="rect">
+            <a:avLst/>
+          </a:prstGeom>
+        </p:spPr>
+        <p:txBody>
+          <a:bodyPr vert="horz" lIns="91440" tIns="45720" rIns="91440" bIns="45720" rtlCol="0" anchor="ctr"/>
+          <a:lstStyle>
+            <a:lvl1pPr algn="r">
+              <a:defRPr sz="1200">
+                <a:solidFill>
+                  <a:schemeClr val="tx1">
+                    <a:tint val="75000"/>
+                  </a:schemeClr>
+                </a:solidFill>
+              </a:defRPr>
+            </a:lvl1pPr>
+          </a:lstStyle>
+          <a:p>
+            <a:fld id="{C963FFD3-4DA9-42A5-BEC9-F68947E80CD9}" type="slidenum">
+              <a:rPr lang="es-CO" smtClean="0"/>
+              <a:t>‹Nº›</a:t>
+            </a:fld>
+            <a:endParaRPr lang="es-CO"/>
+          </a:p>
+        </p:txBody>
+      </p:sp>
+    </p:spTree>
+    <p:extLst>
+      <p:ext uri="{BB962C8B-B14F-4D97-AF65-F5344CB8AC3E}">
+        <p14:creationId xmlns:p14="http://schemas.microsoft.com/office/powerpoint/2010/main" val="2216171491"/>
+      </p:ext>
+    </p:extLst>
+  </p:cSld>
+  <p:clrMap bg1="lt1" tx1="dk1" bg2="lt2" tx2="dk2" accent1="accent1" accent2="accent2" accent3="accent3" accent4="accent4" accent5="accent5" accent6="accent6" hlink="hlink" folHlink="folHlink"/>
+  <p:sldLayoutIdLst>
+    <p:sldLayoutId id="2147483673" r:id="rId1"/>
+    <p:sldLayoutId id="2147483674" r:id="rId2"/>
+    <p:sldLayoutId id="2147483675" r:id="rId3"/>
+    <p:sldLayoutId id="2147483676" r:id="rId4"/>
+    <p:sldLayoutId id="2147483677" r:id="rId5"/>
+    <p:sldLayoutId id="2147483678" r:id="rId6"/>
+    <p:sldLayoutId id="2147483679" r:id="rId7"/>
+    <p:sldLayoutId id="2147483680" r:id="rId8"/>
+    <p:sldLayoutId id="2147483681" r:id="rId9"/>
+    <p:sldLayoutId id="2147483682" r:id="rId10"/>
+    <p:sldLayoutId id="2147483683" r:id="rId11"/>
+  </p:sldLayoutIdLst>
+  <p:txStyles>
+    <p:titleStyle>
+      <a:lvl1pPr algn="l" defTabSz="914400" rtl="0" eaLnBrk="1" latinLnBrk="0" hangingPunct="1">
+        <a:lnSpc>
+          <a:spcPct val="90000"/>
+        </a:lnSpc>
+        <a:spcBef>
+          <a:spcPct val="0"/>
+        </a:spcBef>
+        <a:buNone/>
+        <a:defRPr sz="4400" kern="1200">
+          <a:solidFill>
+            <a:schemeClr val="tx1"/>
+          </a:solidFill>
+          <a:latin typeface="+mj-lt"/>
+          <a:ea typeface="+mj-ea"/>
+          <a:cs typeface="+mj-cs"/>
+        </a:defRPr>
+      </a:lvl1pPr>
+    </p:titleStyle>
+    <p:bodyStyle>
+      <a:lvl1pPr marL="228600" indent="-228600" algn="l" defTabSz="914400" rtl="0" eaLnBrk="1" latinLnBrk="0" hangingPunct="1">
+        <a:lnSpc>
+          <a:spcPct val="90000"/>
+        </a:lnSpc>
+        <a:spcBef>
+          <a:spcPts val="1000"/>
+        </a:spcBef>
+        <a:buFont typeface="Arial" panose="020B0604020202020204" pitchFamily="34" charset="0"/>
+        <a:buChar char="•"/>
+        <a:defRPr sz="2800" kern="1200">
+          <a:solidFill>
+            <a:schemeClr val="tx1"/>
+          </a:solidFill>
+          <a:latin typeface="+mn-lt"/>
+          <a:ea typeface="+mn-ea"/>
+          <a:cs typeface="+mn-cs"/>
+        </a:defRPr>
+      </a:lvl1pPr>
+      <a:lvl2pPr marL="685800" indent="-228600" algn="l" defTabSz="914400" rtl="0" eaLnBrk="1" latinLnBrk="0" hangingPunct="1">
+        <a:lnSpc>
+          <a:spcPct val="90000"/>
+        </a:lnSpc>
+        <a:spcBef>
+          <a:spcPts val="500"/>
+        </a:spcBef>
+        <a:buFont typeface="Arial" panose="020B0604020202020204" pitchFamily="34" charset="0"/>
+        <a:buChar char="•"/>
+        <a:defRPr sz="2400" kern="1200">
+          <a:solidFill>
+            <a:schemeClr val="tx1"/>
+          </a:solidFill>
+          <a:latin typeface="+mn-lt"/>
+          <a:ea typeface="+mn-ea"/>
+          <a:cs typeface="+mn-cs"/>
+        </a:defRPr>
+      </a:lvl2pPr>
+      <a:lvl3pPr marL="1143000" indent="-228600" algn="l" defTabSz="914400" rtl="0" eaLnBrk="1" latinLnBrk="0" hangingPunct="1">
+        <a:lnSpc>
+          <a:spcPct val="90000"/>
+        </a:lnSpc>
+        <a:spcBef>
+          <a:spcPts val="500"/>
+        </a:spcBef>
+        <a:buFont typeface="Arial" panose="020B0604020202020204" pitchFamily="34" charset="0"/>
+        <a:buChar char="•"/>
+        <a:defRPr sz="2000" kern="1200">
+          <a:solidFill>
+            <a:schemeClr val="tx1"/>
+          </a:solidFill>
+          <a:latin typeface="+mn-lt"/>
+          <a:ea typeface="+mn-ea"/>
+          <a:cs typeface="+mn-cs"/>
+        </a:defRPr>
+      </a:lvl3pPr>
+      <a:lvl4pPr marL="1600200" indent="-228600" algn="l" defTabSz="914400" rtl="0" eaLnBrk="1" latinLnBrk="0" hangingPunct="1">
+        <a:lnSpc>
+          <a:spcPct val="90000"/>
+        </a:lnSpc>
+        <a:spcBef>
+          <a:spcPts val="500"/>
+        </a:spcBef>
+        <a:buFont typeface="Arial" panose="020B0604020202020204" pitchFamily="34" charset="0"/>
+        <a:buChar char="•"/>
+        <a:defRPr sz="1800" kern="1200">
+          <a:solidFill>
+            <a:schemeClr val="tx1"/>
+          </a:solidFill>
+          <a:latin typeface="+mn-lt"/>
+          <a:ea typeface="+mn-ea"/>
+          <a:cs typeface="+mn-cs"/>
+        </a:defRPr>
+      </a:lvl4pPr>
+      <a:lvl5pPr marL="2057400" indent="-228600" algn="l" defTabSz="914400" rtl="0" eaLnBrk="1" latinLnBrk="0" hangingPunct="1">
+        <a:lnSpc>
+          <a:spcPct val="90000"/>
+        </a:lnSpc>
+        <a:spcBef>
+          <a:spcPts val="500"/>
+        </a:spcBef>
+        <a:buFont typeface="Arial" panose="020B0604020202020204" pitchFamily="34" charset="0"/>
+        <a:buChar char="•"/>
+        <a:defRPr sz="1800" kern="1200">
+          <a:solidFill>
+            <a:schemeClr val="tx1"/>
+          </a:solidFill>
+          <a:latin typeface="+mn-lt"/>
+          <a:ea typeface="+mn-ea"/>
+          <a:cs typeface="+mn-cs"/>
+        </a:defRPr>
+      </a:lvl5pPr>
+      <a:lvl6pPr marL="2514600" indent="-228600" algn="l" defTabSz="914400" rtl="0" eaLnBrk="1" latinLnBrk="0" hangingPunct="1">
+        <a:lnSpc>
+          <a:spcPct val="90000"/>
+        </a:lnSpc>
+        <a:spcBef>
+          <a:spcPts val="500"/>
+        </a:spcBef>
+        <a:buFont typeface="Arial" panose="020B0604020202020204" pitchFamily="34" charset="0"/>
+        <a:buChar char="•"/>
+        <a:defRPr sz="1800" kern="1200">
+          <a:solidFill>
+            <a:schemeClr val="tx1"/>
+          </a:solidFill>
+          <a:latin typeface="+mn-lt"/>
+          <a:ea typeface="+mn-ea"/>
+          <a:cs typeface="+mn-cs"/>
+        </a:defRPr>
+      </a:lvl6pPr>
+      <a:lvl7pPr marL="2971800" indent="-228600" algn="l" defTabSz="914400" rtl="0" eaLnBrk="1" latinLnBrk="0" hangingPunct="1">
+        <a:lnSpc>
+          <a:spcPct val="90000"/>
+        </a:lnSpc>
+        <a:spcBef>
+          <a:spcPts val="500"/>
+        </a:spcBef>
+        <a:buFont typeface="Arial" panose="020B0604020202020204" pitchFamily="34" charset="0"/>
+        <a:buChar char="•"/>
+        <a:defRPr sz="1800" kern="1200">
+          <a:solidFill>
+            <a:schemeClr val="tx1"/>
+          </a:solidFill>
+          <a:latin typeface="+mn-lt"/>
+          <a:ea typeface="+mn-ea"/>
+          <a:cs typeface="+mn-cs"/>
+        </a:defRPr>
+      </a:lvl7pPr>
+      <a:lvl8pPr marL="3429000" indent="-228600" algn="l" defTabSz="914400" rtl="0" eaLnBrk="1" latinLnBrk="0" hangingPunct="1">
+        <a:lnSpc>
+          <a:spcPct val="90000"/>
+        </a:lnSpc>
+        <a:spcBef>
+          <a:spcPts val="500"/>
+        </a:spcBef>
+        <a:buFont typeface="Arial" panose="020B0604020202020204" pitchFamily="34" charset="0"/>
+        <a:buChar char="•"/>
+        <a:defRPr sz="1800" kern="1200">
+          <a:solidFill>
+            <a:schemeClr val="tx1"/>
+          </a:solidFill>
+          <a:latin typeface="+mn-lt"/>
+          <a:ea typeface="+mn-ea"/>
+          <a:cs typeface="+mn-cs"/>
+        </a:defRPr>
+      </a:lvl8pPr>
+      <a:lvl9pPr marL="3886200" indent="-228600" algn="l" defTabSz="914400" rtl="0" eaLnBrk="1" latinLnBrk="0" hangingPunct="1">
+        <a:lnSpc>
+          <a:spcPct val="90000"/>
+        </a:lnSpc>
+        <a:spcBef>
+          <a:spcPts val="500"/>
+        </a:spcBef>
+        <a:buFont typeface="Arial" panose="020B0604020202020204" pitchFamily="34" charset="0"/>
+        <a:buChar char="•"/>
+        <a:defRPr sz="1800" kern="1200">
+          <a:solidFill>
+            <a:schemeClr val="tx1"/>
+          </a:solidFill>
+          <a:latin typeface="+mn-lt"/>
+          <a:ea typeface="+mn-ea"/>
+          <a:cs typeface="+mn-cs"/>
+        </a:defRPr>
+      </a:lvl9pPr>
+    </p:bodyStyle>
+    <p:otherStyle>
+      <a:defPPr>
+        <a:defRPr lang="es-CO"/>
+      </a:defPPr>
+      <a:lvl1pPr marL="0" algn="l" defTabSz="914400" rtl="0" eaLnBrk="1" latinLnBrk="0" hangingPunct="1">
+        <a:defRPr sz="1800" kern="1200">
+          <a:solidFill>
+            <a:schemeClr val="tx1"/>
+          </a:solidFill>
+          <a:latin typeface="+mn-lt"/>
+          <a:ea typeface="+mn-ea"/>
+          <a:cs typeface="+mn-cs"/>
+        </a:defRPr>
+      </a:lvl1pPr>
+      <a:lvl2pPr marL="457200" algn="l" defTabSz="914400" rtl="0" eaLnBrk="1" latinLnBrk="0" hangingPunct="1">
+        <a:defRPr sz="1800" kern="1200">
+          <a:solidFill>
+            <a:schemeClr val="tx1"/>
+          </a:solidFill>
+          <a:latin typeface="+mn-lt"/>
+          <a:ea typeface="+mn-ea"/>
+          <a:cs typeface="+mn-cs"/>
+        </a:defRPr>
+      </a:lvl2pPr>
+      <a:lvl3pPr marL="914400" algn="l" defTabSz="914400" rtl="0" eaLnBrk="1" latinLnBrk="0" hangingPunct="1">
+        <a:defRPr sz="1800" kern="1200">
+          <a:solidFill>
+            <a:schemeClr val="tx1"/>
+          </a:solidFill>
+          <a:latin typeface="+mn-lt"/>
+          <a:ea typeface="+mn-ea"/>
+          <a:cs typeface="+mn-cs"/>
+        </a:defRPr>
+      </a:lvl3pPr>
+      <a:lvl4pPr marL="1371600" algn="l" defTabSz="914400" rtl="0" eaLnBrk="1" latinLnBrk="0" hangingPunct="1">
+        <a:defRPr sz="1800" kern="1200">
+          <a:solidFill>
+            <a:schemeClr val="tx1"/>
+          </a:solidFill>
+          <a:latin typeface="+mn-lt"/>
+          <a:ea typeface="+mn-ea"/>
+          <a:cs typeface="+mn-cs"/>
+        </a:defRPr>
+      </a:lvl4pPr>
+      <a:lvl5pPr marL="1828800" algn="l" defTabSz="914400" rtl="0" eaLnBrk="1" latinLnBrk="0" hangingPunct="1">
+        <a:defRPr sz="1800" kern="1200">
+          <a:solidFill>
+            <a:schemeClr val="tx1"/>
+          </a:solidFill>
+          <a:latin typeface="+mn-lt"/>
+          <a:ea typeface="+mn-ea"/>
+          <a:cs typeface="+mn-cs"/>
+        </a:defRPr>
+      </a:lvl5pPr>
+      <a:lvl6pPr marL="2286000" algn="l" defTabSz="914400" rtl="0" eaLnBrk="1" latinLnBrk="0" hangingPunct="1">
+        <a:defRPr sz="1800" kern="1200">
+          <a:solidFill>
+            <a:schemeClr val="tx1"/>
+          </a:solidFill>
+          <a:latin typeface="+mn-lt"/>
+          <a:ea typeface="+mn-ea"/>
+          <a:cs typeface="+mn-cs"/>
+        </a:defRPr>
+      </a:lvl6pPr>
+      <a:lvl7pPr marL="2743200" algn="l" defTabSz="914400" rtl="0" eaLnBrk="1" latinLnBrk="0" hangingPunct="1">
+        <a:defRPr sz="1800" kern="1200">
+          <a:solidFill>
+            <a:schemeClr val="tx1"/>
+          </a:solidFill>
+          <a:latin typeface="+mn-lt"/>
+          <a:ea typeface="+mn-ea"/>
+          <a:cs typeface="+mn-cs"/>
+        </a:defRPr>
+      </a:lvl7pPr>
+      <a:lvl8pPr marL="3200400" algn="l" defTabSz="914400" rtl="0" eaLnBrk="1" latinLnBrk="0" hangingPunct="1">
+        <a:defRPr sz="1800" kern="1200">
+          <a:solidFill>
+            <a:schemeClr val="tx1"/>
+          </a:solidFill>
+          <a:latin typeface="+mn-lt"/>
+          <a:ea typeface="+mn-ea"/>
+          <a:cs typeface="+mn-cs"/>
+        </a:defRPr>
+      </a:lvl8pPr>
+      <a:lvl9pPr marL="3657600" algn="l" defTabSz="914400" rtl="0" eaLnBrk="1" latinLnBrk="0" hangingPunct="1">
+        <a:defRPr sz="1800" kern="1200">
+          <a:solidFill>
+            <a:schemeClr val="tx1"/>
+          </a:solidFill>
+          <a:latin typeface="+mn-lt"/>
+          <a:ea typeface="+mn-ea"/>
+          <a:cs typeface="+mn-cs"/>
+        </a:defRPr>
+      </a:lvl9pPr>
+    </p:otherStyle>
+  </p:txStyles>
+</p:sldMaster>
+</file>
+
 <file path=ppt/slides/slide1.xml><?xml version="1.0" encoding="utf-8"?>
 <p:sld xmlns:a="http://schemas.openxmlformats.org/drawingml/2006/main" xmlns:r="http://schemas.openxmlformats.org/officeDocument/2006/relationships" xmlns:p="http://schemas.openxmlformats.org/presentationml/2006/main">
   <p:cSld>
@@ -1089,7 +3937,7 @@
         </p:nvSpPr>
         <p:spPr>
           <a:xfrm>
-            <a:off x="618594" y="1042034"/>
+            <a:off x="710354" y="1075763"/>
             <a:ext cx="1203734" cy="439782"/>
           </a:xfrm>
           <a:prstGeom prst="rect">
@@ -1143,19 +3991,18 @@
       <p:cxnSp>
         <p:nvCxnSpPr>
           <p:cNvPr id="12" name="Conector angular 11"/>
-          <p:cNvCxnSpPr>
-            <a:stCxn id="4" idx="2"/>
-            <a:endCxn id="130" idx="0"/>
-          </p:cNvCxnSpPr>
+          <p:cNvCxnSpPr/>
           <p:nvPr/>
         </p:nvCxnSpPr>
         <p:spPr>
           <a:xfrm rot="5400000">
-            <a:off x="2942357" y="-1133350"/>
+            <a:off x="2795354" y="-1130414"/>
             <a:ext cx="244755" cy="3373726"/>
           </a:xfrm>
           <a:prstGeom prst="bentConnector3">
-            <a:avLst/>
+            <a:avLst>
+              <a:gd name="adj1" fmla="val 53248"/>
+            </a:avLst>
           </a:prstGeom>
           <a:ln w="12700">
             <a:solidFill>
@@ -1186,8 +4033,8 @@
         </p:nvSpPr>
         <p:spPr>
           <a:xfrm>
-            <a:off x="786776" y="1715443"/>
-            <a:ext cx="745564" cy="230832"/>
+            <a:off x="837223" y="1719991"/>
+            <a:ext cx="745564" cy="215444"/>
           </a:xfrm>
           <a:prstGeom prst="rect">
             <a:avLst/>
@@ -1206,14 +4053,7 @@
                 <a:latin typeface="Arial" panose="020B0604020202020204" pitchFamily="34" charset="0"/>
                 <a:cs typeface="Arial" panose="020B0604020202020204" pitchFamily="34" charset="0"/>
               </a:rPr>
-              <a:t>so</a:t>
-            </a:r>
-            <a:r>
-              <a:rPr lang="es-ES" sz="900" dirty="0" smtClean="0">
-                <a:latin typeface="Arial" panose="020B0604020202020204" pitchFamily="34" charset="0"/>
-                <a:cs typeface="Arial" panose="020B0604020202020204" pitchFamily="34" charset="0"/>
-              </a:rPr>
-              <a:t>n</a:t>
+              <a:t>son</a:t>
             </a:r>
             <a:endParaRPr lang="es-ES" sz="900" dirty="0">
               <a:latin typeface="Arial" panose="020B0604020202020204" pitchFamily="34" charset="0"/>
@@ -1222,46 +4062,6 @@
           </a:p>
         </p:txBody>
       </p:sp>
-      <p:cxnSp>
-        <p:nvCxnSpPr>
-          <p:cNvPr id="31" name="Conector angular 30"/>
-          <p:cNvCxnSpPr>
-            <a:stCxn id="5" idx="2"/>
-            <a:endCxn id="19" idx="0"/>
-          </p:cNvCxnSpPr>
-          <p:nvPr/>
-        </p:nvCxnSpPr>
-        <p:spPr>
-          <a:xfrm rot="5400000">
-            <a:off x="1073197" y="1568178"/>
-            <a:ext cx="233627" cy="60903"/>
-          </a:xfrm>
-          <a:prstGeom prst="bentConnector3">
-            <a:avLst>
-              <a:gd name="adj1" fmla="val 58515"/>
-            </a:avLst>
-          </a:prstGeom>
-          <a:ln w="12700">
-            <a:solidFill>
-              <a:schemeClr val="tx1"/>
-            </a:solidFill>
-          </a:ln>
-        </p:spPr>
-        <p:style>
-          <a:lnRef idx="1">
-            <a:schemeClr val="accent1"/>
-          </a:lnRef>
-          <a:fillRef idx="0">
-            <a:schemeClr val="accent1"/>
-          </a:fillRef>
-          <a:effectRef idx="0">
-            <a:schemeClr val="accent1"/>
-          </a:effectRef>
-          <a:fontRef idx="minor">
-            <a:schemeClr val="tx1"/>
-          </a:fontRef>
-        </p:style>
-      </p:cxnSp>
       <p:sp>
         <p:nvSpPr>
           <p:cNvPr id="44" name="Rectángulo 43" descr="Nodo de segundo nivel" title="Nodo02"/>
@@ -1270,7 +4070,7 @@
         </p:nvSpPr>
         <p:spPr>
           <a:xfrm>
-            <a:off x="578131" y="2158555"/>
+            <a:off x="575248" y="1972558"/>
             <a:ext cx="1245103" cy="1458658"/>
           </a:xfrm>
           <a:prstGeom prst="rect">
@@ -1356,46 +4156,6 @@
           </a:p>
         </p:txBody>
       </p:sp>
-      <p:cxnSp>
-        <p:nvCxnSpPr>
-          <p:cNvPr id="45" name="Conector angular 44"/>
-          <p:cNvCxnSpPr>
-            <a:stCxn id="19" idx="2"/>
-            <a:endCxn id="44" idx="0"/>
-          </p:cNvCxnSpPr>
-          <p:nvPr/>
-        </p:nvCxnSpPr>
-        <p:spPr>
-          <a:xfrm rot="16200000" flipH="1">
-            <a:off x="1073980" y="2031852"/>
-            <a:ext cx="212280" cy="41125"/>
-          </a:xfrm>
-          <a:prstGeom prst="bentConnector3">
-            <a:avLst>
-              <a:gd name="adj1" fmla="val 55743"/>
-            </a:avLst>
-          </a:prstGeom>
-          <a:ln w="12700">
-            <a:solidFill>
-              <a:schemeClr val="tx1"/>
-            </a:solidFill>
-          </a:ln>
-        </p:spPr>
-        <p:style>
-          <a:lnRef idx="1">
-            <a:schemeClr val="accent1"/>
-          </a:lnRef>
-          <a:fillRef idx="0">
-            <a:schemeClr val="accent1"/>
-          </a:fillRef>
-          <a:effectRef idx="0">
-            <a:schemeClr val="accent1"/>
-          </a:effectRef>
-          <a:fontRef idx="minor">
-            <a:schemeClr val="tx1"/>
-          </a:fontRef>
-        </p:style>
-      </p:cxnSp>
       <p:sp>
         <p:nvSpPr>
           <p:cNvPr id="67" name="CuadroTexto 66" descr="Conector entre nodos" title="conector"/>
@@ -1443,9 +4203,9 @@
           <p:nvPr/>
         </p:nvCxnSpPr>
         <p:spPr>
-          <a:xfrm rot="5400000" flipH="1" flipV="1">
-            <a:off x="1086222" y="3729287"/>
-            <a:ext cx="226534" cy="2387"/>
+          <a:xfrm rot="16200000" flipV="1">
+            <a:off x="991783" y="3637234"/>
+            <a:ext cx="412531" cy="496"/>
           </a:xfrm>
           <a:prstGeom prst="bentConnector3">
             <a:avLst>
@@ -1481,7 +4241,7 @@
         </p:nvSpPr>
         <p:spPr>
           <a:xfrm>
-            <a:off x="771432" y="4243619"/>
+            <a:off x="722033" y="4305633"/>
             <a:ext cx="951263" cy="343441"/>
           </a:xfrm>
           <a:prstGeom prst="rect">
@@ -1547,8 +4307,8 @@
           </a:p>
         </p:txBody>
       </p:sp>
-      <mc:AlternateContent xmlns:mc="http://schemas.openxmlformats.org/markup-compatibility/2006" xmlns:a14="http://schemas.microsoft.com/office/drawing/2010/main">
-        <mc:Choice Requires="a14">
+      <mc:AlternateContent xmlns:mc="http://schemas.openxmlformats.org/markup-compatibility/2006">
+        <mc:Choice xmlns:a14="http://schemas.microsoft.com/office/drawing/2010/main" Requires="a14">
           <p:sp>
             <p:nvSpPr>
               <p:cNvPr id="73" name="Rectángulo 72" descr="Nodo de cuarto nivel&#10;" title="Nodo04"/>
@@ -1557,7 +4317,7 @@
             </p:nvSpPr>
             <p:spPr>
               <a:xfrm>
-                <a:off x="705476" y="5117534"/>
+                <a:off x="692668" y="5208077"/>
                 <a:ext cx="1050785" cy="353519"/>
               </a:xfrm>
               <a:prstGeom prst="rect">
@@ -1694,7 +4454,7 @@
             </p:txBody>
           </p:sp>
         </mc:Choice>
-        <mc:Fallback xmlns="">
+        <mc:Fallback>
           <p:sp>
             <p:nvSpPr>
               <p:cNvPr id="73" name="Rectángulo 72" descr="Nodo de cuarto nivel&#10;" title="Nodo04"/>
@@ -1705,7 +4465,7 @@
             </p:nvSpPr>
             <p:spPr>
               <a:xfrm>
-                <a:off x="705476" y="5117534"/>
+                <a:off x="692668" y="5208077"/>
                 <a:ext cx="1050785" cy="353519"/>
               </a:xfrm>
               <a:prstGeom prst="rect">
@@ -1746,7 +4506,7 @@
         </p:nvSpPr>
         <p:spPr>
           <a:xfrm>
-            <a:off x="771432" y="4762199"/>
+            <a:off x="753875" y="4794368"/>
             <a:ext cx="933421" cy="215444"/>
           </a:xfrm>
           <a:prstGeom prst="rect">
@@ -1775,45 +4535,6 @@
           </a:p>
         </p:txBody>
       </p:sp>
-      <p:cxnSp>
-        <p:nvCxnSpPr>
-          <p:cNvPr id="134" name="Conector angular 133"/>
-          <p:cNvCxnSpPr>
-            <a:stCxn id="73" idx="2"/>
-          </p:cNvCxnSpPr>
-          <p:nvPr/>
-        </p:nvCxnSpPr>
-        <p:spPr>
-          <a:xfrm rot="16200000" flipH="1">
-            <a:off x="1165023" y="5536899"/>
-            <a:ext cx="166638" cy="34946"/>
-          </a:xfrm>
-          <a:prstGeom prst="bentConnector3">
-            <a:avLst>
-              <a:gd name="adj1" fmla="val 50000"/>
-            </a:avLst>
-          </a:prstGeom>
-          <a:ln w="12700">
-            <a:solidFill>
-              <a:schemeClr val="tx1"/>
-            </a:solidFill>
-          </a:ln>
-        </p:spPr>
-        <p:style>
-          <a:lnRef idx="1">
-            <a:schemeClr val="accent1"/>
-          </a:lnRef>
-          <a:fillRef idx="0">
-            <a:schemeClr val="accent1"/>
-          </a:fillRef>
-          <a:effectRef idx="0">
-            <a:schemeClr val="accent1"/>
-          </a:effectRef>
-          <a:fontRef idx="minor">
-            <a:schemeClr val="tx1"/>
-          </a:fontRef>
-        </p:style>
-      </p:cxnSp>
       <p:sp>
         <p:nvSpPr>
           <p:cNvPr id="211" name="Rectángulo 210" descr="Nodo de sexto nivel" title="Nodo06"/>
@@ -1896,9 +4617,9 @@
           <p:nvPr/>
         </p:nvCxnSpPr>
         <p:spPr>
-          <a:xfrm rot="5400000" flipH="1" flipV="1">
-            <a:off x="1080707" y="5954958"/>
-            <a:ext cx="323239" cy="43473"/>
+          <a:xfrm rot="16200000" flipV="1">
+            <a:off x="1122612" y="6040335"/>
+            <a:ext cx="193427" cy="2530"/>
           </a:xfrm>
           <a:prstGeom prst="bentConnector3">
             <a:avLst>
@@ -2026,22 +4747,58 @@
           </a:p>
         </p:txBody>
       </p:sp>
+      <p:sp>
+        <p:nvSpPr>
+          <p:cNvPr id="218" name="CuadroTexto 217" descr="Conector entre nodos" title="conector"/>
+          <p:cNvSpPr txBox="1"/>
+          <p:nvPr/>
+        </p:nvSpPr>
+        <p:spPr>
+          <a:xfrm>
+            <a:off x="2477683" y="1798348"/>
+            <a:ext cx="1122431" cy="215444"/>
+          </a:xfrm>
+          <a:prstGeom prst="rect">
+            <a:avLst/>
+          </a:prstGeom>
+          <a:noFill/>
+        </p:spPr>
+        <p:txBody>
+          <a:bodyPr wrap="square" rtlCol="0">
+            <a:spAutoFit/>
+          </a:bodyPr>
+          <a:lstStyle/>
+          <a:p>
+            <a:pPr algn="ctr"/>
+            <a:r>
+              <a:rPr lang="es-ES" sz="800" dirty="0" smtClean="0">
+                <a:latin typeface="Arial" panose="020B0604020202020204" pitchFamily="34" charset="0"/>
+                <a:cs typeface="Arial" panose="020B0604020202020204" pitchFamily="34" charset="0"/>
+              </a:rPr>
+              <a:t>se representan</a:t>
+            </a:r>
+            <a:endParaRPr lang="es-ES" sz="800" dirty="0">
+              <a:latin typeface="Arial" panose="020B0604020202020204" pitchFamily="34" charset="0"/>
+              <a:cs typeface="Arial" panose="020B0604020202020204" pitchFamily="34" charset="0"/>
+            </a:endParaRPr>
+          </a:p>
+        </p:txBody>
+      </p:sp>
       <p:cxnSp>
         <p:nvCxnSpPr>
-          <p:cNvPr id="217" name="Conector angular 216"/>
-          <p:cNvCxnSpPr>
-            <a:stCxn id="4" idx="2"/>
-            <a:endCxn id="274" idx="0"/>
-          </p:cNvCxnSpPr>
+          <p:cNvPr id="219" name="Conector angular 218"/>
+          <p:cNvCxnSpPr/>
           <p:nvPr/>
         </p:nvCxnSpPr>
         <p:spPr>
-          <a:xfrm rot="5400000">
-            <a:off x="4319618" y="243911"/>
-            <a:ext cx="244754" cy="619205"/>
+          <a:xfrm rot="16200000" flipH="1" flipV="1">
+            <a:off x="4319210" y="435220"/>
+            <a:ext cx="26144" cy="2706879"/>
           </a:xfrm>
           <a:prstGeom prst="bentConnector3">
-            <a:avLst/>
+            <a:avLst>
+              <a:gd name="adj1" fmla="val -691910"/>
+            </a:avLst>
           </a:prstGeom>
           <a:ln w="12700">
             <a:solidFill>
@@ -2066,90 +4823,13 @@
       </p:cxnSp>
       <p:sp>
         <p:nvSpPr>
-          <p:cNvPr id="218" name="CuadroTexto 217" descr="Conector entre nodos" title="conector"/>
-          <p:cNvSpPr txBox="1"/>
-          <p:nvPr/>
-        </p:nvSpPr>
-        <p:spPr>
-          <a:xfrm>
-            <a:off x="2950407" y="1486459"/>
-            <a:ext cx="1122431" cy="215444"/>
-          </a:xfrm>
-          <a:prstGeom prst="rect">
-            <a:avLst/>
-          </a:prstGeom>
-          <a:noFill/>
-        </p:spPr>
-        <p:txBody>
-          <a:bodyPr wrap="square" rtlCol="0">
-            <a:spAutoFit/>
-          </a:bodyPr>
-          <a:lstStyle/>
-          <a:p>
-            <a:pPr algn="ctr"/>
-            <a:r>
-              <a:rPr lang="es-ES" sz="800" dirty="0" smtClean="0">
-                <a:latin typeface="Arial" panose="020B0604020202020204" pitchFamily="34" charset="0"/>
-                <a:cs typeface="Arial" panose="020B0604020202020204" pitchFamily="34" charset="0"/>
-              </a:rPr>
-              <a:t>se representan</a:t>
-            </a:r>
-            <a:endParaRPr lang="es-ES" sz="800" dirty="0">
-              <a:latin typeface="Arial" panose="020B0604020202020204" pitchFamily="34" charset="0"/>
-              <a:cs typeface="Arial" panose="020B0604020202020204" pitchFamily="34" charset="0"/>
-            </a:endParaRPr>
-          </a:p>
-        </p:txBody>
-      </p:sp>
-      <p:cxnSp>
-        <p:nvCxnSpPr>
-          <p:cNvPr id="219" name="Conector angular 218"/>
-          <p:cNvCxnSpPr>
-            <a:stCxn id="138" idx="0"/>
-            <a:endCxn id="218" idx="0"/>
-          </p:cNvCxnSpPr>
-          <p:nvPr/>
-        </p:nvCxnSpPr>
-        <p:spPr>
-          <a:xfrm rot="16200000" flipV="1">
-            <a:off x="4648836" y="349247"/>
-            <a:ext cx="25051" cy="2299476"/>
-          </a:xfrm>
-          <a:prstGeom prst="bentConnector3">
-            <a:avLst>
-              <a:gd name="adj1" fmla="val 247739"/>
-            </a:avLst>
-          </a:prstGeom>
-          <a:ln w="12700">
-            <a:solidFill>
-              <a:schemeClr val="tx1"/>
-            </a:solidFill>
-          </a:ln>
-        </p:spPr>
-        <p:style>
-          <a:lnRef idx="1">
-            <a:schemeClr val="accent1"/>
-          </a:lnRef>
-          <a:fillRef idx="0">
-            <a:schemeClr val="accent1"/>
-          </a:fillRef>
-          <a:effectRef idx="0">
-            <a:schemeClr val="accent1"/>
-          </a:effectRef>
-          <a:fontRef idx="minor">
-            <a:schemeClr val="tx1"/>
-          </a:fontRef>
-        </p:style>
-      </p:cxnSp>
-      <p:sp>
-        <p:nvSpPr>
           <p:cNvPr id="220" name="Rectángulo 219" descr="Nodo de segundo nivel" title="Nodo02"/>
           <p:cNvSpPr/>
           <p:nvPr/>
         </p:nvSpPr>
         <p:spPr>
           <a:xfrm>
-            <a:off x="2122540" y="1831705"/>
+            <a:off x="2068630" y="2187539"/>
             <a:ext cx="779839" cy="357473"/>
           </a:xfrm>
           <a:prstGeom prst="rect">
@@ -2186,16 +4866,26 @@
           <a:p>
             <a:pPr algn="ctr"/>
             <a:r>
-              <a:rPr lang="es-ES" sz="1050" dirty="0" smtClean="0">
+              <a:rPr lang="es-ES" sz="1000" dirty="0" smtClean="0">
                 <a:solidFill>
                   <a:schemeClr val="bg1"/>
                 </a:solidFill>
                 <a:latin typeface="Arial" panose="020B0604020202020204" pitchFamily="34" charset="0"/>
                 <a:cs typeface="Arial" panose="020B0604020202020204" pitchFamily="34" charset="0"/>
               </a:rPr>
-              <a:t>En forma binomial</a:t>
-            </a:r>
-            <a:endParaRPr lang="es-ES" sz="1050" dirty="0">
+              <a:t>en </a:t>
+            </a:r>
+            <a:r>
+              <a:rPr lang="es-ES" sz="1000" dirty="0" smtClean="0">
+                <a:solidFill>
+                  <a:schemeClr val="bg1"/>
+                </a:solidFill>
+                <a:latin typeface="Arial" panose="020B0604020202020204" pitchFamily="34" charset="0"/>
+                <a:cs typeface="Arial" panose="020B0604020202020204" pitchFamily="34" charset="0"/>
+              </a:rPr>
+              <a:t>forma binomial</a:t>
+            </a:r>
+            <a:endParaRPr lang="es-ES" sz="1000" dirty="0">
               <a:solidFill>
                 <a:schemeClr val="bg1"/>
               </a:solidFill>
@@ -2215,13 +4905,13 @@
           <p:nvPr/>
         </p:nvCxnSpPr>
         <p:spPr>
-          <a:xfrm rot="16200000" flipV="1">
-            <a:off x="3025177" y="1318989"/>
-            <a:ext cx="15277" cy="1040710"/>
+          <a:xfrm rot="16200000" flipH="1" flipV="1">
+            <a:off x="2955536" y="1680477"/>
+            <a:ext cx="10075" cy="1004048"/>
           </a:xfrm>
           <a:prstGeom prst="bentConnector3">
             <a:avLst>
-              <a:gd name="adj1" fmla="val 966309"/>
+              <a:gd name="adj1" fmla="val -1058859"/>
             </a:avLst>
           </a:prstGeom>
           <a:ln w="12700">
@@ -2253,7 +4943,7 @@
         </p:nvSpPr>
         <p:spPr>
           <a:xfrm>
-            <a:off x="2083484" y="2574492"/>
+            <a:off x="2039058" y="2604194"/>
             <a:ext cx="939786" cy="215444"/>
           </a:xfrm>
           <a:prstGeom prst="rect">
@@ -2292,12 +4982,12 @@
         </p:nvCxnSpPr>
         <p:spPr>
           <a:xfrm rot="5400000">
-            <a:off x="2322978" y="2378660"/>
-            <a:ext cx="378964" cy="12700"/>
+            <a:off x="2408685" y="2594877"/>
+            <a:ext cx="99730" cy="1"/>
           </a:xfrm>
           <a:prstGeom prst="bentConnector3">
             <a:avLst>
-              <a:gd name="adj1" fmla="val -4485"/>
+              <a:gd name="adj1" fmla="val 50000"/>
             </a:avLst>
           </a:prstGeom>
           <a:ln w="12700">
@@ -2329,8 +5019,8 @@
         </p:nvSpPr>
         <p:spPr>
           <a:xfrm>
-            <a:off x="1962033" y="3559787"/>
-            <a:ext cx="1122431" cy="343441"/>
+            <a:off x="1969890" y="3090483"/>
+            <a:ext cx="970239" cy="343441"/>
           </a:xfrm>
           <a:prstGeom prst="rect">
             <a:avLst/>
@@ -2415,46 +5105,6 @@
           </a:p>
         </p:txBody>
       </p:sp>
-      <p:cxnSp>
-        <p:nvCxnSpPr>
-          <p:cNvPr id="260" name="Conector angular 259"/>
-          <p:cNvCxnSpPr>
-            <a:stCxn id="222" idx="2"/>
-            <a:endCxn id="256" idx="0"/>
-          </p:cNvCxnSpPr>
-          <p:nvPr/>
-        </p:nvCxnSpPr>
-        <p:spPr>
-          <a:xfrm rot="5400000">
-            <a:off x="2153388" y="3159797"/>
-            <a:ext cx="769851" cy="30128"/>
-          </a:xfrm>
-          <a:prstGeom prst="bentConnector3">
-            <a:avLst>
-              <a:gd name="adj1" fmla="val 100609"/>
-            </a:avLst>
-          </a:prstGeom>
-          <a:ln w="12700">
-            <a:solidFill>
-              <a:schemeClr val="tx1"/>
-            </a:solidFill>
-          </a:ln>
-        </p:spPr>
-        <p:style>
-          <a:lnRef idx="1">
-            <a:schemeClr val="accent1"/>
-          </a:lnRef>
-          <a:fillRef idx="0">
-            <a:schemeClr val="accent1"/>
-          </a:fillRef>
-          <a:effectRef idx="0">
-            <a:schemeClr val="accent1"/>
-          </a:effectRef>
-          <a:fontRef idx="minor">
-            <a:schemeClr val="tx1"/>
-          </a:fontRef>
-        </p:style>
-      </p:cxnSp>
       <p:sp>
         <p:nvSpPr>
           <p:cNvPr id="274" name="CuadroTexto 273" descr="Conector entre nodos" title="conector"/>
@@ -2540,7 +5190,7 @@
         </p:nvSpPr>
         <p:spPr>
           <a:xfrm>
-            <a:off x="3125261" y="1846982"/>
+            <a:off x="3034689" y="2177464"/>
             <a:ext cx="855818" cy="357473"/>
           </a:xfrm>
           <a:prstGeom prst="rect">
@@ -2604,7 +5254,7 @@
         </p:nvSpPr>
         <p:spPr>
           <a:xfrm>
-            <a:off x="3362121" y="2412547"/>
+            <a:off x="3144889" y="2731053"/>
             <a:ext cx="649073" cy="215444"/>
           </a:xfrm>
           <a:prstGeom prst="rect">
@@ -2633,43 +5283,6 @@
           </a:p>
         </p:txBody>
       </p:sp>
-      <p:cxnSp>
-        <p:nvCxnSpPr>
-          <p:cNvPr id="283" name="Conector angular 282"/>
-          <p:cNvCxnSpPr/>
-          <p:nvPr/>
-        </p:nvCxnSpPr>
-        <p:spPr>
-          <a:xfrm rot="5400000">
-            <a:off x="3556215" y="2302326"/>
-            <a:ext cx="235949" cy="10272"/>
-          </a:xfrm>
-          <a:prstGeom prst="bentConnector3">
-            <a:avLst>
-              <a:gd name="adj1" fmla="val 6191"/>
-            </a:avLst>
-          </a:prstGeom>
-          <a:ln w="12700">
-            <a:solidFill>
-              <a:schemeClr val="tx1"/>
-            </a:solidFill>
-          </a:ln>
-        </p:spPr>
-        <p:style>
-          <a:lnRef idx="1">
-            <a:schemeClr val="accent1"/>
-          </a:lnRef>
-          <a:fillRef idx="0">
-            <a:schemeClr val="accent1"/>
-          </a:fillRef>
-          <a:effectRef idx="0">
-            <a:schemeClr val="accent1"/>
-          </a:effectRef>
-          <a:fontRef idx="minor">
-            <a:schemeClr val="tx1"/>
-          </a:fontRef>
-        </p:style>
-      </p:cxnSp>
       <p:sp>
         <p:nvSpPr>
           <p:cNvPr id="284" name="Rectángulo 283" descr="Nodo de tercer nivel" title="Nodo03"/>
@@ -2678,7 +5291,7 @@
         </p:nvSpPr>
         <p:spPr>
           <a:xfrm>
-            <a:off x="3184673" y="2869810"/>
+            <a:off x="3066190" y="3212414"/>
             <a:ext cx="1106374" cy="451976"/>
           </a:xfrm>
           <a:prstGeom prst="rect">
@@ -2825,7 +5438,7 @@
         </p:nvSpPr>
         <p:spPr>
           <a:xfrm>
-            <a:off x="3173658" y="4039451"/>
+            <a:off x="2862347" y="4335927"/>
             <a:ext cx="1236311" cy="396003"/>
           </a:xfrm>
           <a:prstGeom prst="rect">
@@ -2887,7 +5500,7 @@
         </p:nvSpPr>
         <p:spPr>
           <a:xfrm>
-            <a:off x="3220293" y="3603255"/>
+            <a:off x="2890284" y="3902965"/>
             <a:ext cx="1187670" cy="215444"/>
           </a:xfrm>
           <a:prstGeom prst="rect">
@@ -2924,48 +5537,8 @@
         </p:nvCxnSpPr>
         <p:spPr>
           <a:xfrm rot="5400000">
-            <a:off x="3559168" y="2736453"/>
+            <a:off x="3352248" y="3092068"/>
             <a:ext cx="230044" cy="1"/>
-          </a:xfrm>
-          <a:prstGeom prst="bentConnector3">
-            <a:avLst>
-              <a:gd name="adj1" fmla="val 50000"/>
-            </a:avLst>
-          </a:prstGeom>
-          <a:ln w="12700">
-            <a:solidFill>
-              <a:schemeClr val="tx1"/>
-            </a:solidFill>
-          </a:ln>
-        </p:spPr>
-        <p:style>
-          <a:lnRef idx="1">
-            <a:schemeClr val="accent1"/>
-          </a:lnRef>
-          <a:fillRef idx="0">
-            <a:schemeClr val="accent1"/>
-          </a:fillRef>
-          <a:effectRef idx="0">
-            <a:schemeClr val="accent1"/>
-          </a:effectRef>
-          <a:fontRef idx="minor">
-            <a:schemeClr val="tx1"/>
-          </a:fontRef>
-        </p:style>
-      </p:cxnSp>
-      <p:cxnSp>
-        <p:nvCxnSpPr>
-          <p:cNvPr id="289" name="Conector angular 288"/>
-          <p:cNvCxnSpPr>
-            <a:stCxn id="284" idx="2"/>
-            <a:endCxn id="287" idx="0"/>
-          </p:cNvCxnSpPr>
-          <p:nvPr/>
-        </p:nvCxnSpPr>
-        <p:spPr>
-          <a:xfrm rot="16200000" flipH="1">
-            <a:off x="3635260" y="3424386"/>
-            <a:ext cx="281469" cy="76268"/>
           </a:xfrm>
           <a:prstGeom prst="bentConnector3">
             <a:avLst>
@@ -3004,12 +5577,12 @@
         </p:nvCxnSpPr>
         <p:spPr>
           <a:xfrm rot="5400000">
-            <a:off x="3692595" y="3917918"/>
-            <a:ext cx="220752" cy="22314"/>
+            <a:off x="3373552" y="4225360"/>
+            <a:ext cx="217518" cy="3616"/>
           </a:xfrm>
           <a:prstGeom prst="bentConnector3">
             <a:avLst>
-              <a:gd name="adj1" fmla="val 50000"/>
+              <a:gd name="adj1" fmla="val 100194"/>
             </a:avLst>
           </a:prstGeom>
           <a:ln w="12700">
@@ -3043,8 +5616,8 @@
         </p:nvCxnSpPr>
         <p:spPr>
           <a:xfrm rot="5400000">
-            <a:off x="3628441" y="4598827"/>
-            <a:ext cx="326747" cy="1"/>
+            <a:off x="3389326" y="4823107"/>
+            <a:ext cx="182354" cy="1"/>
           </a:xfrm>
           <a:prstGeom prst="bentConnector3">
             <a:avLst>
@@ -3080,7 +5653,7 @@
         </p:nvSpPr>
         <p:spPr>
           <a:xfrm>
-            <a:off x="7492954" y="947159"/>
+            <a:off x="7341100" y="1011470"/>
             <a:ext cx="1124746" cy="439782"/>
           </a:xfrm>
           <a:prstGeom prst="rect">
@@ -3138,15 +5711,12 @@
       <p:cxnSp>
         <p:nvCxnSpPr>
           <p:cNvPr id="336" name="Conector angular 335"/>
-          <p:cNvCxnSpPr>
-            <a:stCxn id="4" idx="2"/>
-            <a:endCxn id="361" idx="0"/>
-          </p:cNvCxnSpPr>
+          <p:cNvCxnSpPr/>
           <p:nvPr/>
         </p:nvCxnSpPr>
         <p:spPr>
           <a:xfrm rot="16200000" flipH="1">
-            <a:off x="6256919" y="-1074186"/>
+            <a:off x="6118063" y="-1066542"/>
             <a:ext cx="244754" cy="3255398"/>
           </a:xfrm>
           <a:prstGeom prst="bentConnector3">
@@ -3181,7 +5751,7 @@
         </p:nvSpPr>
         <p:spPr>
           <a:xfrm>
-            <a:off x="7449284" y="1497819"/>
+            <a:off x="7341100" y="1585966"/>
             <a:ext cx="1122431" cy="215444"/>
           </a:xfrm>
           <a:prstGeom prst="rect">
@@ -3221,8 +5791,8 @@
         </p:nvCxnSpPr>
         <p:spPr>
           <a:xfrm rot="5400000">
-            <a:off x="7977475" y="1419967"/>
-            <a:ext cx="110878" cy="44827"/>
+            <a:off x="7835538" y="1518031"/>
+            <a:ext cx="134714" cy="1157"/>
           </a:xfrm>
           <a:prstGeom prst="bentConnector3">
             <a:avLst>
@@ -3258,7 +5828,7 @@
         </p:nvSpPr>
         <p:spPr>
           <a:xfrm>
-            <a:off x="7448126" y="1871680"/>
+            <a:off x="7437919" y="2045622"/>
             <a:ext cx="1225611" cy="837589"/>
           </a:xfrm>
           <a:prstGeom prst="rect">
@@ -3361,20 +5931,17 @@
       <p:cxnSp>
         <p:nvCxnSpPr>
           <p:cNvPr id="340" name="Conector angular 339"/>
-          <p:cNvCxnSpPr>
-            <a:stCxn id="337" idx="2"/>
-            <a:endCxn id="339" idx="0"/>
-          </p:cNvCxnSpPr>
+          <p:cNvCxnSpPr/>
           <p:nvPr/>
         </p:nvCxnSpPr>
         <p:spPr>
           <a:xfrm rot="16200000" flipH="1">
-            <a:off x="7956508" y="1767255"/>
-            <a:ext cx="158417" cy="50432"/>
+            <a:off x="7771024" y="1918079"/>
+            <a:ext cx="251709" cy="10875"/>
           </a:xfrm>
           <a:prstGeom prst="bentConnector3">
             <a:avLst>
-              <a:gd name="adj1" fmla="val 50000"/>
+              <a:gd name="adj1" fmla="val 95410"/>
             </a:avLst>
           </a:prstGeom>
           <a:ln w="12700">
@@ -3406,8 +5973,8 @@
         </p:nvSpPr>
         <p:spPr>
           <a:xfrm>
-            <a:off x="7308219" y="3809476"/>
-            <a:ext cx="1115421" cy="903860"/>
+            <a:off x="7573233" y="3841243"/>
+            <a:ext cx="1090298" cy="877808"/>
           </a:xfrm>
           <a:prstGeom prst="rect">
             <a:avLst/>
@@ -3551,7 +6118,7 @@
         </p:nvSpPr>
         <p:spPr>
           <a:xfrm>
-            <a:off x="7515566" y="2886173"/>
+            <a:off x="7582983" y="3123282"/>
             <a:ext cx="903151" cy="215444"/>
           </a:xfrm>
           <a:prstGeom prst="rect">
@@ -3596,9 +6163,9 @@
           <p:nvPr/>
         </p:nvCxnSpPr>
         <p:spPr>
-          <a:xfrm rot="16200000" flipH="1">
-            <a:off x="7655495" y="3413263"/>
-            <a:ext cx="717084" cy="93791"/>
+          <a:xfrm rot="5400000">
+            <a:off x="7787185" y="3586100"/>
+            <a:ext cx="494748" cy="1"/>
           </a:xfrm>
           <a:prstGeom prst="bentConnector3">
             <a:avLst>
@@ -3634,7 +6201,7 @@
         </p:nvSpPr>
         <p:spPr>
           <a:xfrm>
-            <a:off x="6876550" y="5366182"/>
+            <a:off x="7111326" y="5508991"/>
             <a:ext cx="686167" cy="353519"/>
           </a:xfrm>
           <a:prstGeom prst="rect">
@@ -3696,7 +6263,7 @@
         </p:nvSpPr>
         <p:spPr>
           <a:xfrm>
-            <a:off x="7790319" y="5370978"/>
+            <a:off x="8047189" y="5513358"/>
             <a:ext cx="908541" cy="353519"/>
           </a:xfrm>
           <a:prstGeom prst="rect">
@@ -3758,7 +6325,7 @@
         </p:nvSpPr>
         <p:spPr>
           <a:xfrm>
-            <a:off x="7391584" y="4827362"/>
+            <a:off x="7693952" y="4947722"/>
             <a:ext cx="873980" cy="215444"/>
           </a:xfrm>
           <a:prstGeom prst="rect">
@@ -3795,7 +6362,7 @@
         </p:nvSpPr>
         <p:spPr>
           <a:xfrm>
-            <a:off x="7445779" y="675890"/>
+            <a:off x="7344983" y="675202"/>
             <a:ext cx="1122431" cy="215444"/>
           </a:xfrm>
           <a:prstGeom prst="rect">
@@ -3834,9 +6401,9 @@
           <p:nvPr/>
         </p:nvCxnSpPr>
         <p:spPr>
-          <a:xfrm rot="16200000" flipH="1">
-            <a:off x="8003249" y="895080"/>
-            <a:ext cx="55825" cy="48332"/>
+          <a:xfrm rot="5400000">
+            <a:off x="7844424" y="949695"/>
+            <a:ext cx="120824" cy="2726"/>
           </a:xfrm>
           <a:prstGeom prst="bentConnector3">
             <a:avLst>
@@ -3872,7 +6439,7 @@
         </p:nvSpPr>
         <p:spPr>
           <a:xfrm>
-            <a:off x="705476" y="5599630"/>
+            <a:off x="659473" y="5729442"/>
             <a:ext cx="1117174" cy="215444"/>
           </a:xfrm>
           <a:prstGeom prst="rect">
@@ -3909,7 +6476,7 @@
         </p:nvSpPr>
         <p:spPr>
           <a:xfrm>
-            <a:off x="5249883" y="1511510"/>
+            <a:off x="5131101" y="1771101"/>
             <a:ext cx="1122431" cy="215444"/>
           </a:xfrm>
           <a:prstGeom prst="rect">
@@ -3929,14 +6496,7 @@
                 <a:latin typeface="Arial" panose="020B0604020202020204" pitchFamily="34" charset="0"/>
                 <a:cs typeface="Arial" panose="020B0604020202020204" pitchFamily="34" charset="0"/>
               </a:rPr>
-              <a:t>se </a:t>
-            </a:r>
-            <a:r>
-              <a:rPr lang="es-ES" sz="800" dirty="0" smtClean="0">
-                <a:latin typeface="Arial" panose="020B0604020202020204" pitchFamily="34" charset="0"/>
-                <a:cs typeface="Arial" panose="020B0604020202020204" pitchFamily="34" charset="0"/>
-              </a:rPr>
-              <a:t>establecen</a:t>
+              <a:t>se establecen</a:t>
             </a:r>
             <a:endParaRPr lang="es-ES" sz="800" dirty="0">
               <a:latin typeface="Arial" panose="020B0604020202020204" pitchFamily="34" charset="0"/>
@@ -3953,7 +6513,7 @@
         </p:nvSpPr>
         <p:spPr>
           <a:xfrm>
-            <a:off x="4343183" y="1857057"/>
+            <a:off x="4213981" y="2177463"/>
             <a:ext cx="908990" cy="438973"/>
           </a:xfrm>
           <a:prstGeom prst="rect">
@@ -4017,7 +6577,7 @@
         </p:nvSpPr>
         <p:spPr>
           <a:xfrm>
-            <a:off x="4439057" y="3158708"/>
+            <a:off x="4365561" y="3175094"/>
             <a:ext cx="962872" cy="420835"/>
           </a:xfrm>
           <a:prstGeom prst="rect">
@@ -4191,7 +6751,7 @@
         </p:nvSpPr>
         <p:spPr>
           <a:xfrm>
-            <a:off x="4360688" y="2522773"/>
+            <a:off x="4323181" y="2729950"/>
             <a:ext cx="730682" cy="215444"/>
           </a:xfrm>
           <a:prstGeom prst="rect">
@@ -4228,7 +6788,7 @@
         </p:nvSpPr>
         <p:spPr>
           <a:xfrm>
-            <a:off x="5454106" y="2259168"/>
+            <a:off x="5298492" y="2174083"/>
             <a:ext cx="1031476" cy="335197"/>
           </a:xfrm>
           <a:prstGeom prst="rect">
@@ -4292,8 +6852,8 @@
         </p:nvSpPr>
         <p:spPr>
           <a:xfrm>
-            <a:off x="6286779" y="1858910"/>
-            <a:ext cx="1031476" cy="335197"/>
+            <a:off x="6517237" y="2178832"/>
+            <a:ext cx="774285" cy="335197"/>
           </a:xfrm>
           <a:prstGeom prst="rect">
             <a:avLst/>
@@ -4356,7 +6916,7 @@
         </p:nvSpPr>
         <p:spPr>
           <a:xfrm>
-            <a:off x="3311879" y="4729442"/>
+            <a:off x="2982219" y="4857611"/>
             <a:ext cx="1079405" cy="215444"/>
           </a:xfrm>
           <a:prstGeom prst="rect">
@@ -4393,7 +6953,7 @@
         </p:nvSpPr>
         <p:spPr>
           <a:xfrm>
-            <a:off x="3308109" y="5140968"/>
+            <a:off x="3022640" y="5214490"/>
             <a:ext cx="1070922" cy="353519"/>
           </a:xfrm>
           <a:prstGeom prst="rect">
@@ -4465,7 +7025,7 @@
         </p:nvSpPr>
         <p:spPr>
           <a:xfrm>
-            <a:off x="3469576" y="5698587"/>
+            <a:off x="2998769" y="5712541"/>
             <a:ext cx="916041" cy="215444"/>
           </a:xfrm>
           <a:prstGeom prst="rect">
@@ -4576,48 +7136,9 @@
           <p:nvPr/>
         </p:nvCxnSpPr>
         <p:spPr>
-          <a:xfrm rot="16200000" flipV="1">
-            <a:off x="1130466" y="4127021"/>
-            <a:ext cx="184428" cy="48768"/>
-          </a:xfrm>
-          <a:prstGeom prst="bentConnector3">
-            <a:avLst>
-              <a:gd name="adj1" fmla="val 50000"/>
-            </a:avLst>
-          </a:prstGeom>
-          <a:ln w="12700">
-            <a:solidFill>
-              <a:schemeClr val="tx1"/>
-            </a:solidFill>
-          </a:ln>
-        </p:spPr>
-        <p:style>
-          <a:lnRef idx="1">
-            <a:schemeClr val="accent1"/>
-          </a:lnRef>
-          <a:fillRef idx="0">
-            <a:schemeClr val="accent1"/>
-          </a:fillRef>
-          <a:effectRef idx="0">
-            <a:schemeClr val="accent1"/>
-          </a:effectRef>
-          <a:fontRef idx="minor">
-            <a:schemeClr val="tx1"/>
-          </a:fontRef>
-        </p:style>
-      </p:cxnSp>
-      <p:cxnSp>
-        <p:nvCxnSpPr>
-          <p:cNvPr id="368" name="Conector angular 367"/>
-          <p:cNvCxnSpPr>
-            <a:endCxn id="72" idx="2"/>
-          </p:cNvCxnSpPr>
-          <p:nvPr/>
-        </p:nvCxnSpPr>
-        <p:spPr>
           <a:xfrm rot="5400000" flipH="1" flipV="1">
-            <a:off x="1168991" y="4640480"/>
-            <a:ext cx="131493" cy="24654"/>
+            <a:off x="1074759" y="4182097"/>
+            <a:ext cx="246442" cy="631"/>
           </a:xfrm>
           <a:prstGeom prst="bentConnector3">
             <a:avLst>
@@ -4656,47 +7177,8 @@
         </p:nvCxnSpPr>
         <p:spPr>
           <a:xfrm rot="5400000" flipH="1" flipV="1">
-            <a:off x="1164561" y="5043952"/>
-            <a:ext cx="139891" cy="7274"/>
-          </a:xfrm>
-          <a:prstGeom prst="bentConnector3">
-            <a:avLst>
-              <a:gd name="adj1" fmla="val 50000"/>
-            </a:avLst>
-          </a:prstGeom>
-          <a:ln w="12700">
-            <a:solidFill>
-              <a:schemeClr val="tx1"/>
-            </a:solidFill>
-          </a:ln>
-        </p:spPr>
-        <p:style>
-          <a:lnRef idx="1">
-            <a:schemeClr val="accent1"/>
-          </a:lnRef>
-          <a:fillRef idx="0">
-            <a:schemeClr val="accent1"/>
-          </a:fillRef>
-          <a:effectRef idx="0">
-            <a:schemeClr val="accent1"/>
-          </a:effectRef>
-          <a:fontRef idx="minor">
-            <a:schemeClr val="tx1"/>
-          </a:fontRef>
-        </p:style>
-      </p:cxnSp>
-      <p:cxnSp>
-        <p:nvCxnSpPr>
-          <p:cNvPr id="385" name="Conector angular 384"/>
-          <p:cNvCxnSpPr>
-            <a:endCxn id="5" idx="0"/>
-          </p:cNvCxnSpPr>
-          <p:nvPr/>
-        </p:nvCxnSpPr>
-        <p:spPr>
-          <a:xfrm rot="5400000">
-            <a:off x="1188237" y="872963"/>
-            <a:ext cx="201295" cy="136846"/>
+            <a:off x="1120191" y="5107683"/>
+            <a:ext cx="198265" cy="2525"/>
           </a:xfrm>
           <a:prstGeom prst="bentConnector3">
             <a:avLst>
@@ -4732,7 +7214,7 @@
         </p:nvCxnSpPr>
         <p:spPr>
           <a:xfrm rot="16200000" flipH="1">
-            <a:off x="3742529" y="5035949"/>
+            <a:off x="3406798" y="5145780"/>
             <a:ext cx="124155" cy="875"/>
           </a:xfrm>
           <a:prstGeom prst="bentConnector3">
@@ -4769,7 +7251,7 @@
         </p:nvCxnSpPr>
         <p:spPr>
           <a:xfrm rot="16200000" flipH="1">
-            <a:off x="3729298" y="5621115"/>
+            <a:off x="3406331" y="5623236"/>
             <a:ext cx="124155" cy="875"/>
           </a:xfrm>
           <a:prstGeom prst="bentConnector3">
@@ -4806,7 +7288,7 @@
         </p:nvCxnSpPr>
         <p:spPr>
           <a:xfrm rot="16200000" flipH="1">
-            <a:off x="3735338" y="6023748"/>
+            <a:off x="3382366" y="6010002"/>
             <a:ext cx="124155" cy="875"/>
           </a:xfrm>
           <a:prstGeom prst="bentConnector3">
@@ -4838,18 +7320,18 @@
       <p:cxnSp>
         <p:nvCxnSpPr>
           <p:cNvPr id="409" name="Conector angular 408"/>
-          <p:cNvCxnSpPr/>
+          <p:cNvCxnSpPr>
+            <a:endCxn id="140" idx="0"/>
+          </p:cNvCxnSpPr>
           <p:nvPr/>
         </p:nvCxnSpPr>
         <p:spPr>
-          <a:xfrm rot="16200000" flipV="1">
-            <a:off x="6263945" y="1346479"/>
-            <a:ext cx="15277" cy="1040710"/>
-          </a:xfrm>
-          <a:prstGeom prst="bentConnector3">
-            <a:avLst>
-              <a:gd name="adj1" fmla="val 966309"/>
-            </a:avLst>
+          <a:xfrm rot="10800000" flipV="1">
+            <a:off x="4668476" y="2034431"/>
+            <a:ext cx="2195698" cy="143032"/>
+          </a:xfrm>
+          <a:prstGeom prst="bentConnector2">
+            <a:avLst/>
           </a:prstGeom>
           <a:ln w="12700">
             <a:solidFill>
@@ -4875,17 +7357,19 @@
       <p:cxnSp>
         <p:nvCxnSpPr>
           <p:cNvPr id="410" name="Conector angular 409"/>
-          <p:cNvCxnSpPr/>
+          <p:cNvCxnSpPr>
+            <a:stCxn id="294" idx="0"/>
+          </p:cNvCxnSpPr>
           <p:nvPr/>
         </p:nvCxnSpPr>
         <p:spPr>
           <a:xfrm rot="16200000" flipV="1">
-            <a:off x="5219032" y="1352235"/>
-            <a:ext cx="15277" cy="1040710"/>
+            <a:off x="6803872" y="2078324"/>
+            <a:ext cx="149928" cy="51088"/>
           </a:xfrm>
           <a:prstGeom prst="bentConnector3">
             <a:avLst>
-              <a:gd name="adj1" fmla="val 1016188"/>
+              <a:gd name="adj1" fmla="val 92428"/>
             </a:avLst>
           </a:prstGeom>
           <a:ln w="12700">
@@ -4909,121 +7393,6 @@
           </a:fontRef>
         </p:style>
       </p:cxnSp>
-      <p:cxnSp>
-        <p:nvCxnSpPr>
-          <p:cNvPr id="415" name="Conector angular 414"/>
-          <p:cNvCxnSpPr>
-            <a:endCxn id="214" idx="0"/>
-          </p:cNvCxnSpPr>
-          <p:nvPr/>
-        </p:nvCxnSpPr>
-        <p:spPr>
-          <a:xfrm rot="16200000" flipH="1">
-            <a:off x="5672270" y="1961593"/>
-            <a:ext cx="376533" cy="218615"/>
-          </a:xfrm>
-          <a:prstGeom prst="bentConnector3">
-            <a:avLst>
-              <a:gd name="adj1" fmla="val 50000"/>
-            </a:avLst>
-          </a:prstGeom>
-          <a:ln w="12700">
-            <a:solidFill>
-              <a:schemeClr val="tx1"/>
-            </a:solidFill>
-          </a:ln>
-        </p:spPr>
-        <p:style>
-          <a:lnRef idx="1">
-            <a:schemeClr val="accent1"/>
-          </a:lnRef>
-          <a:fillRef idx="0">
-            <a:schemeClr val="accent1"/>
-          </a:fillRef>
-          <a:effectRef idx="0">
-            <a:schemeClr val="accent1"/>
-          </a:effectRef>
-          <a:fontRef idx="minor">
-            <a:schemeClr val="tx1"/>
-          </a:fontRef>
-        </p:style>
-      </p:cxnSp>
-      <p:cxnSp>
-        <p:nvCxnSpPr>
-          <p:cNvPr id="416" name="Conector angular 415"/>
-          <p:cNvCxnSpPr/>
-          <p:nvPr/>
-        </p:nvCxnSpPr>
-        <p:spPr>
-          <a:xfrm rot="16200000" flipH="1">
-            <a:off x="4566846" y="2911094"/>
-            <a:ext cx="350159" cy="877"/>
-          </a:xfrm>
-          <a:prstGeom prst="bentConnector3">
-            <a:avLst>
-              <a:gd name="adj1" fmla="val 50000"/>
-            </a:avLst>
-          </a:prstGeom>
-          <a:ln w="12700">
-            <a:solidFill>
-              <a:schemeClr val="tx1"/>
-            </a:solidFill>
-          </a:ln>
-        </p:spPr>
-        <p:style>
-          <a:lnRef idx="1">
-            <a:schemeClr val="accent1"/>
-          </a:lnRef>
-          <a:fillRef idx="0">
-            <a:schemeClr val="accent1"/>
-          </a:fillRef>
-          <a:effectRef idx="0">
-            <a:schemeClr val="accent1"/>
-          </a:effectRef>
-          <a:fontRef idx="minor">
-            <a:schemeClr val="tx1"/>
-          </a:fontRef>
-        </p:style>
-      </p:cxnSp>
-      <p:cxnSp>
-        <p:nvCxnSpPr>
-          <p:cNvPr id="417" name="Conector angular 416"/>
-          <p:cNvCxnSpPr>
-            <a:stCxn id="140" idx="2"/>
-          </p:cNvCxnSpPr>
-          <p:nvPr/>
-        </p:nvCxnSpPr>
-        <p:spPr>
-          <a:xfrm rot="5400000">
-            <a:off x="4641068" y="2396450"/>
-            <a:ext cx="257031" cy="56191"/>
-          </a:xfrm>
-          <a:prstGeom prst="bentConnector3">
-            <a:avLst>
-              <a:gd name="adj1" fmla="val 50000"/>
-            </a:avLst>
-          </a:prstGeom>
-          <a:ln w="12700">
-            <a:solidFill>
-              <a:schemeClr val="tx1"/>
-            </a:solidFill>
-          </a:ln>
-        </p:spPr>
-        <p:style>
-          <a:lnRef idx="1">
-            <a:schemeClr val="accent1"/>
-          </a:lnRef>
-          <a:fillRef idx="0">
-            <a:schemeClr val="accent1"/>
-          </a:fillRef>
-          <a:effectRef idx="0">
-            <a:schemeClr val="accent1"/>
-          </a:effectRef>
-          <a:fontRef idx="minor">
-            <a:schemeClr val="tx1"/>
-          </a:fontRef>
-        </p:style>
-      </p:cxnSp>
       <p:sp>
         <p:nvSpPr>
           <p:cNvPr id="418" name="CuadroTexto 417" descr="Conector entre nodos" title="conector"/>
@@ -5032,7 +7401,7 @@
         </p:nvSpPr>
         <p:spPr>
           <a:xfrm>
-            <a:off x="5454106" y="2817926"/>
+            <a:off x="5318184" y="2880224"/>
             <a:ext cx="918208" cy="215444"/>
           </a:xfrm>
           <a:prstGeom prst="rect">
@@ -5069,7 +7438,7 @@
         </p:nvSpPr>
         <p:spPr>
           <a:xfrm>
-            <a:off x="6539283" y="2531410"/>
+            <a:off x="6467905" y="2803745"/>
             <a:ext cx="730682" cy="215444"/>
           </a:xfrm>
           <a:prstGeom prst="rect">
@@ -5101,19 +7470,17 @@
       <p:cxnSp>
         <p:nvCxnSpPr>
           <p:cNvPr id="423" name="Conector angular 422"/>
-          <p:cNvCxnSpPr>
-            <a:endCxn id="429" idx="0"/>
-          </p:cNvCxnSpPr>
+          <p:cNvCxnSpPr/>
           <p:nvPr/>
         </p:nvCxnSpPr>
         <p:spPr>
-          <a:xfrm rot="16200000" flipH="1">
-            <a:off x="5478771" y="3363818"/>
-            <a:ext cx="730622" cy="69723"/>
+          <a:xfrm rot="5400000">
+            <a:off x="5463754" y="3472405"/>
+            <a:ext cx="650537" cy="2664"/>
           </a:xfrm>
           <a:prstGeom prst="bentConnector3">
             <a:avLst>
-              <a:gd name="adj1" fmla="val 100062"/>
+              <a:gd name="adj1" fmla="val 2797"/>
             </a:avLst>
           </a:prstGeom>
           <a:ln w="12700">
@@ -5147,12 +7514,12 @@
         </p:nvCxnSpPr>
         <p:spPr>
           <a:xfrm rot="5400000">
-            <a:off x="5772626" y="2653573"/>
-            <a:ext cx="256426" cy="138010"/>
+            <a:off x="5645001" y="2671869"/>
+            <a:ext cx="331818" cy="6641"/>
           </a:xfrm>
           <a:prstGeom prst="bentConnector3">
             <a:avLst>
-              <a:gd name="adj1" fmla="val 50000"/>
+              <a:gd name="adj1" fmla="val 101670"/>
             </a:avLst>
           </a:prstGeom>
           <a:ln w="12700">
@@ -5179,15 +7546,13 @@
       <p:cxnSp>
         <p:nvCxnSpPr>
           <p:cNvPr id="425" name="Conector angular 424"/>
-          <p:cNvCxnSpPr>
-            <a:stCxn id="294" idx="2"/>
-          </p:cNvCxnSpPr>
+          <p:cNvCxnSpPr/>
           <p:nvPr/>
         </p:nvCxnSpPr>
         <p:spPr>
-          <a:xfrm rot="16200000" flipH="1">
-            <a:off x="6692546" y="2304077"/>
-            <a:ext cx="282795" cy="62853"/>
+          <a:xfrm rot="5400000">
+            <a:off x="6656417" y="2699770"/>
+            <a:ext cx="362231" cy="1802"/>
           </a:xfrm>
           <a:prstGeom prst="bentConnector3">
             <a:avLst>
@@ -5219,14 +7584,15 @@
         <p:nvCxnSpPr>
           <p:cNvPr id="426" name="Conector angular 425"/>
           <p:cNvCxnSpPr>
+            <a:stCxn id="419" idx="2"/>
             <a:endCxn id="427" idx="0"/>
           </p:cNvCxnSpPr>
           <p:nvPr/>
         </p:nvCxnSpPr>
         <p:spPr>
-          <a:xfrm rot="16200000" flipH="1">
-            <a:off x="6716966" y="2890853"/>
-            <a:ext cx="373223" cy="83600"/>
+          <a:xfrm rot="5400000">
+            <a:off x="6664661" y="3187580"/>
+            <a:ext cx="336976" cy="195"/>
           </a:xfrm>
           <a:prstGeom prst="bentConnector3">
             <a:avLst>
@@ -5262,8 +7628,8 @@
         </p:nvSpPr>
         <p:spPr>
           <a:xfrm>
-            <a:off x="6385913" y="3119265"/>
-            <a:ext cx="1118927" cy="353519"/>
+            <a:off x="6325835" y="3356165"/>
+            <a:ext cx="1014431" cy="353519"/>
           </a:xfrm>
           <a:prstGeom prst="rect">
             <a:avLst/>
@@ -5317,20 +7683,20 @@
           <p:nvPr>
             <p:extLst>
               <p:ext uri="{D42A27DB-BD31-4B8C-83A1-F6EECF244321}">
-                <p14:modId xmlns:p14="http://schemas.microsoft.com/office/powerpoint/2010/main" val="3805230114"/>
+                <p14:modId xmlns:p14="http://schemas.microsoft.com/office/powerpoint/2010/main" val="3540239310"/>
               </p:ext>
             </p:extLst>
           </p:nvPr>
         </p:nvGraphicFramePr>
         <p:xfrm>
-          <a:off x="6512329" y="3178624"/>
+          <a:off x="6386565" y="3411976"/>
           <a:ext cx="933450" cy="233363"/>
         </p:xfrm>
         <a:graphic>
           <a:graphicData uri="http://schemas.openxmlformats.org/presentationml/2006/ole">
             <mc:AlternateContent xmlns:mc="http://schemas.openxmlformats.org/markup-compatibility/2006">
               <mc:Choice xmlns:v="urn:schemas-microsoft-com:vml" Requires="v">
-                <p:oleObj spid="_x0000_s1032" name="Equation" r:id="rId4" imgW="1168200" imgH="291960" progId="Equation.DSMT4">
+                <p:oleObj spid="_x0000_s1040" name="Equation" r:id="rId4" imgW="1168200" imgH="291960" progId="Equation.DSMT4">
                   <p:embed/>
                 </p:oleObj>
               </mc:Choice>
@@ -5351,7 +7717,7 @@
                     </p:blipFill>
                     <p:spPr>
                       <a:xfrm>
-                        <a:off x="6512329" y="3178624"/>
+                        <a:off x="6386565" y="3411976"/>
                         <a:ext cx="933450" cy="233363"/>
                       </a:xfrm>
                       <a:prstGeom prst="rect">
@@ -5373,8 +7739,8 @@
         </p:nvSpPr>
         <p:spPr>
           <a:xfrm>
-            <a:off x="5319480" y="3763991"/>
-            <a:ext cx="1118927" cy="353519"/>
+            <a:off x="5247654" y="3805555"/>
+            <a:ext cx="993548" cy="353519"/>
           </a:xfrm>
           <a:prstGeom prst="rect">
             <a:avLst/>
@@ -5428,20 +7794,20 @@
           <p:nvPr>
             <p:extLst>
               <p:ext uri="{D42A27DB-BD31-4B8C-83A1-F6EECF244321}">
-                <p14:modId xmlns:p14="http://schemas.microsoft.com/office/powerpoint/2010/main" val="304154248"/>
+                <p14:modId xmlns:p14="http://schemas.microsoft.com/office/powerpoint/2010/main" val="335010493"/>
               </p:ext>
             </p:extLst>
           </p:nvPr>
         </p:nvGraphicFramePr>
         <p:xfrm>
-          <a:off x="5424256" y="3843747"/>
+          <a:off x="5318184" y="3927133"/>
           <a:ext cx="852488" cy="193675"/>
         </p:xfrm>
         <a:graphic>
           <a:graphicData uri="http://schemas.openxmlformats.org/presentationml/2006/ole">
             <mc:AlternateContent xmlns:mc="http://schemas.openxmlformats.org/markup-compatibility/2006">
               <mc:Choice xmlns:v="urn:schemas-microsoft-com:vml" Requires="v">
-                <p:oleObj spid="_x0000_s1033" name="Equation" r:id="rId6" imgW="1066680" imgH="241200" progId="Equation.DSMT4">
+                <p:oleObj spid="_x0000_s1041" name="Equation" r:id="rId6" imgW="1066680" imgH="241200" progId="Equation.DSMT4">
                   <p:embed/>
                 </p:oleObj>
               </mc:Choice>
@@ -5462,7 +7828,7 @@
                     </p:blipFill>
                     <p:spPr>
                       <a:xfrm>
-                        <a:off x="5424256" y="3843747"/>
+                        <a:off x="5318184" y="3927133"/>
                         <a:ext cx="852488" cy="193675"/>
                       </a:xfrm>
                       <a:prstGeom prst="rect">
@@ -5484,7 +7850,7 @@
         </p:nvCxnSpPr>
         <p:spPr>
           <a:xfrm rot="16200000" flipV="1">
-            <a:off x="7820936" y="4848435"/>
+            <a:off x="8060514" y="4984549"/>
             <a:ext cx="15277" cy="1040710"/>
           </a:xfrm>
           <a:prstGeom prst="bentConnector3">
@@ -5516,52 +7882,13 @@
       <p:cxnSp>
         <p:nvCxnSpPr>
           <p:cNvPr id="436" name="Conector angular 435"/>
-          <p:cNvCxnSpPr>
-            <a:stCxn id="344" idx="2"/>
-          </p:cNvCxnSpPr>
-          <p:nvPr/>
-        </p:nvCxnSpPr>
-        <p:spPr>
-          <a:xfrm rot="5400000">
-            <a:off x="7775229" y="4772183"/>
-            <a:ext cx="149549" cy="31854"/>
-          </a:xfrm>
-          <a:prstGeom prst="bentConnector3">
-            <a:avLst>
-              <a:gd name="adj1" fmla="val 50000"/>
-            </a:avLst>
-          </a:prstGeom>
-          <a:ln w="12700">
-            <a:solidFill>
-              <a:schemeClr val="tx1"/>
-            </a:solidFill>
-          </a:ln>
-        </p:spPr>
-        <p:style>
-          <a:lnRef idx="1">
-            <a:schemeClr val="accent1"/>
-          </a:lnRef>
-          <a:fillRef idx="0">
-            <a:schemeClr val="accent1"/>
-          </a:fillRef>
-          <a:effectRef idx="0">
-            <a:schemeClr val="accent1"/>
-          </a:effectRef>
-          <a:fontRef idx="minor">
-            <a:schemeClr val="tx1"/>
-          </a:fontRef>
-        </p:style>
-      </p:cxnSp>
-      <p:cxnSp>
-        <p:nvCxnSpPr>
-          <p:cNvPr id="437" name="Conector angular 436"/>
           <p:cNvCxnSpPr/>
           <p:nvPr/>
         </p:nvCxnSpPr>
         <p:spPr>
-          <a:xfrm rot="16200000" flipH="1">
-            <a:off x="7750276" y="5115476"/>
-            <a:ext cx="196655" cy="34652"/>
+          <a:xfrm rot="5400000">
+            <a:off x="8029633" y="4895677"/>
+            <a:ext cx="202619" cy="1"/>
           </a:xfrm>
           <a:prstGeom prst="bentConnector3">
             <a:avLst>
@@ -5592,16 +7919,533 @@
       <p:cxnSp>
         <p:nvCxnSpPr>
           <p:cNvPr id="443" name="Conector angular 442"/>
+          <p:cNvCxnSpPr/>
+          <p:nvPr/>
+        </p:nvCxnSpPr>
+        <p:spPr>
+          <a:xfrm rot="5400000">
+            <a:off x="7896172" y="3034229"/>
+            <a:ext cx="305570" cy="3536"/>
+          </a:xfrm>
+          <a:prstGeom prst="bentConnector3">
+            <a:avLst>
+              <a:gd name="adj1" fmla="val 50000"/>
+            </a:avLst>
+          </a:prstGeom>
+          <a:ln w="12700">
+            <a:solidFill>
+              <a:schemeClr val="tx1"/>
+            </a:solidFill>
+          </a:ln>
+        </p:spPr>
+        <p:style>
+          <a:lnRef idx="1">
+            <a:schemeClr val="accent1"/>
+          </a:lnRef>
+          <a:fillRef idx="0">
+            <a:schemeClr val="accent1"/>
+          </a:fillRef>
+          <a:effectRef idx="0">
+            <a:schemeClr val="accent1"/>
+          </a:effectRef>
+          <a:fontRef idx="minor">
+            <a:schemeClr val="tx1"/>
+          </a:fontRef>
+        </p:style>
+      </p:cxnSp>
+      <p:cxnSp>
+        <p:nvCxnSpPr>
+          <p:cNvPr id="97" name="Conector angular 96"/>
+          <p:cNvCxnSpPr/>
+          <p:nvPr/>
+        </p:nvCxnSpPr>
+        <p:spPr>
+          <a:xfrm rot="5400000">
+            <a:off x="1105565" y="961530"/>
+            <a:ext cx="230044" cy="1"/>
+          </a:xfrm>
+          <a:prstGeom prst="bentConnector3">
+            <a:avLst>
+              <a:gd name="adj1" fmla="val 50000"/>
+            </a:avLst>
+          </a:prstGeom>
+          <a:ln w="12700">
+            <a:solidFill>
+              <a:schemeClr val="tx1"/>
+            </a:solidFill>
+          </a:ln>
+        </p:spPr>
+        <p:style>
+          <a:lnRef idx="1">
+            <a:schemeClr val="accent1"/>
+          </a:lnRef>
+          <a:fillRef idx="0">
+            <a:schemeClr val="accent1"/>
+          </a:fillRef>
+          <a:effectRef idx="0">
+            <a:schemeClr val="accent1"/>
+          </a:effectRef>
+          <a:fontRef idx="minor">
+            <a:schemeClr val="tx1"/>
+          </a:fontRef>
+        </p:style>
+      </p:cxnSp>
+      <p:cxnSp>
+        <p:nvCxnSpPr>
+          <p:cNvPr id="101" name="Conector angular 100"/>
+          <p:cNvCxnSpPr/>
+          <p:nvPr/>
+        </p:nvCxnSpPr>
+        <p:spPr>
+          <a:xfrm rot="5400000">
+            <a:off x="1115846" y="1653089"/>
+            <a:ext cx="230044" cy="1"/>
+          </a:xfrm>
+          <a:prstGeom prst="bentConnector3">
+            <a:avLst>
+              <a:gd name="adj1" fmla="val 50000"/>
+            </a:avLst>
+          </a:prstGeom>
+          <a:ln w="12700">
+            <a:solidFill>
+              <a:schemeClr val="tx1"/>
+            </a:solidFill>
+          </a:ln>
+        </p:spPr>
+        <p:style>
+          <a:lnRef idx="1">
+            <a:schemeClr val="accent1"/>
+          </a:lnRef>
+          <a:fillRef idx="0">
+            <a:schemeClr val="accent1"/>
+          </a:fillRef>
+          <a:effectRef idx="0">
+            <a:schemeClr val="accent1"/>
+          </a:effectRef>
+          <a:fontRef idx="minor">
+            <a:schemeClr val="tx1"/>
+          </a:fontRef>
+        </p:style>
+      </p:cxnSp>
+      <p:cxnSp>
+        <p:nvCxnSpPr>
+          <p:cNvPr id="110" name="Conector angular 109"/>
+          <p:cNvCxnSpPr/>
+          <p:nvPr/>
+        </p:nvCxnSpPr>
+        <p:spPr>
+          <a:xfrm rot="16200000" flipV="1">
+            <a:off x="1145434" y="5654688"/>
+            <a:ext cx="152698" cy="629"/>
+          </a:xfrm>
+          <a:prstGeom prst="bentConnector3">
+            <a:avLst>
+              <a:gd name="adj1" fmla="val 50000"/>
+            </a:avLst>
+          </a:prstGeom>
+          <a:ln w="12700">
+            <a:solidFill>
+              <a:schemeClr val="tx1"/>
+            </a:solidFill>
+          </a:ln>
+        </p:spPr>
+        <p:style>
+          <a:lnRef idx="1">
+            <a:schemeClr val="accent1"/>
+          </a:lnRef>
+          <a:fillRef idx="0">
+            <a:schemeClr val="accent1"/>
+          </a:fillRef>
+          <a:effectRef idx="0">
+            <a:schemeClr val="accent1"/>
+          </a:effectRef>
+          <a:fontRef idx="minor">
+            <a:schemeClr val="tx1"/>
+          </a:fontRef>
+        </p:style>
+      </p:cxnSp>
+      <p:cxnSp>
+        <p:nvCxnSpPr>
+          <p:cNvPr id="131" name="Conector angular 130"/>
+          <p:cNvCxnSpPr/>
+          <p:nvPr/>
+        </p:nvCxnSpPr>
+        <p:spPr>
+          <a:xfrm rot="5400000">
+            <a:off x="2330817" y="2957883"/>
+            <a:ext cx="253398" cy="1405"/>
+          </a:xfrm>
+          <a:prstGeom prst="bentConnector3">
+            <a:avLst>
+              <a:gd name="adj1" fmla="val 50000"/>
+            </a:avLst>
+          </a:prstGeom>
+          <a:ln w="12700">
+            <a:solidFill>
+              <a:schemeClr val="tx1"/>
+            </a:solidFill>
+          </a:ln>
+        </p:spPr>
+        <p:style>
+          <a:lnRef idx="1">
+            <a:schemeClr val="accent1"/>
+          </a:lnRef>
+          <a:fillRef idx="0">
+            <a:schemeClr val="accent1"/>
+          </a:fillRef>
+          <a:effectRef idx="0">
+            <a:schemeClr val="accent1"/>
+          </a:effectRef>
+          <a:fontRef idx="minor">
+            <a:schemeClr val="tx1"/>
+          </a:fontRef>
+        </p:style>
+      </p:cxnSp>
+      <p:cxnSp>
+        <p:nvCxnSpPr>
+          <p:cNvPr id="136" name="Conector angular 135"/>
+          <p:cNvCxnSpPr/>
+          <p:nvPr/>
+        </p:nvCxnSpPr>
+        <p:spPr>
+          <a:xfrm rot="5400000">
+            <a:off x="3344586" y="2641585"/>
+            <a:ext cx="230044" cy="1"/>
+          </a:xfrm>
+          <a:prstGeom prst="bentConnector3">
+            <a:avLst>
+              <a:gd name="adj1" fmla="val 50000"/>
+            </a:avLst>
+          </a:prstGeom>
+          <a:ln w="12700">
+            <a:solidFill>
+              <a:schemeClr val="tx1"/>
+            </a:solidFill>
+          </a:ln>
+        </p:spPr>
+        <p:style>
+          <a:lnRef idx="1">
+            <a:schemeClr val="accent1"/>
+          </a:lnRef>
+          <a:fillRef idx="0">
+            <a:schemeClr val="accent1"/>
+          </a:fillRef>
+          <a:effectRef idx="0">
+            <a:schemeClr val="accent1"/>
+          </a:effectRef>
+          <a:fontRef idx="minor">
+            <a:schemeClr val="tx1"/>
+          </a:fontRef>
+        </p:style>
+      </p:cxnSp>
+      <p:cxnSp>
+        <p:nvCxnSpPr>
+          <p:cNvPr id="166" name="Conector angular 165"/>
+          <p:cNvCxnSpPr/>
+          <p:nvPr/>
+        </p:nvCxnSpPr>
+        <p:spPr>
+          <a:xfrm rot="5400000">
+            <a:off x="4568106" y="3045009"/>
+            <a:ext cx="230044" cy="1"/>
+          </a:xfrm>
+          <a:prstGeom prst="bentConnector3">
+            <a:avLst>
+              <a:gd name="adj1" fmla="val 50000"/>
+            </a:avLst>
+          </a:prstGeom>
+          <a:ln w="12700">
+            <a:solidFill>
+              <a:schemeClr val="tx1"/>
+            </a:solidFill>
+          </a:ln>
+        </p:spPr>
+        <p:style>
+          <a:lnRef idx="1">
+            <a:schemeClr val="accent1"/>
+          </a:lnRef>
+          <a:fillRef idx="0">
+            <a:schemeClr val="accent1"/>
+          </a:fillRef>
+          <a:effectRef idx="0">
+            <a:schemeClr val="accent1"/>
+          </a:effectRef>
+          <a:fontRef idx="minor">
+            <a:schemeClr val="tx1"/>
+          </a:fontRef>
+        </p:style>
+      </p:cxnSp>
+      <p:cxnSp>
+        <p:nvCxnSpPr>
+          <p:cNvPr id="167" name="Conector angular 166"/>
+          <p:cNvCxnSpPr/>
+          <p:nvPr/>
+        </p:nvCxnSpPr>
+        <p:spPr>
+          <a:xfrm rot="5400000">
+            <a:off x="4618611" y="2671384"/>
+            <a:ext cx="99730" cy="1"/>
+          </a:xfrm>
+          <a:prstGeom prst="bentConnector3">
+            <a:avLst>
+              <a:gd name="adj1" fmla="val 50000"/>
+            </a:avLst>
+          </a:prstGeom>
+          <a:ln w="12700">
+            <a:solidFill>
+              <a:schemeClr val="tx1"/>
+            </a:solidFill>
+          </a:ln>
+        </p:spPr>
+        <p:style>
+          <a:lnRef idx="1">
+            <a:schemeClr val="accent1"/>
+          </a:lnRef>
+          <a:fillRef idx="0">
+            <a:schemeClr val="accent1"/>
+          </a:fillRef>
+          <a:effectRef idx="0">
+            <a:schemeClr val="accent1"/>
+          </a:effectRef>
+          <a:fontRef idx="minor">
+            <a:schemeClr val="tx1"/>
+          </a:fontRef>
+        </p:style>
+      </p:cxnSp>
+      <p:cxnSp>
+        <p:nvCxnSpPr>
+          <p:cNvPr id="168" name="Conector angular 167"/>
+          <p:cNvCxnSpPr/>
+          <p:nvPr/>
+        </p:nvCxnSpPr>
+        <p:spPr>
+          <a:xfrm rot="5400000">
+            <a:off x="3365482" y="3782744"/>
+            <a:ext cx="230044" cy="1"/>
+          </a:xfrm>
+          <a:prstGeom prst="bentConnector3">
+            <a:avLst>
+              <a:gd name="adj1" fmla="val 50000"/>
+            </a:avLst>
+          </a:prstGeom>
+          <a:ln w="12700">
+            <a:solidFill>
+              <a:schemeClr val="tx1"/>
+            </a:solidFill>
+          </a:ln>
+        </p:spPr>
+        <p:style>
+          <a:lnRef idx="1">
+            <a:schemeClr val="accent1"/>
+          </a:lnRef>
+          <a:fillRef idx="0">
+            <a:schemeClr val="accent1"/>
+          </a:fillRef>
+          <a:effectRef idx="0">
+            <a:schemeClr val="accent1"/>
+          </a:effectRef>
+          <a:fontRef idx="minor">
+            <a:schemeClr val="tx1"/>
+          </a:fontRef>
+        </p:style>
+      </p:cxnSp>
+      <p:cxnSp>
+        <p:nvCxnSpPr>
+          <p:cNvPr id="187" name="Conector angular 186"/>
+          <p:cNvCxnSpPr/>
+          <p:nvPr/>
+        </p:nvCxnSpPr>
+        <p:spPr>
+          <a:xfrm rot="5400000">
+            <a:off x="8029633" y="5264475"/>
+            <a:ext cx="202619" cy="1"/>
+          </a:xfrm>
+          <a:prstGeom prst="bentConnector3">
+            <a:avLst>
+              <a:gd name="adj1" fmla="val 50000"/>
+            </a:avLst>
+          </a:prstGeom>
+          <a:ln w="12700">
+            <a:solidFill>
+              <a:schemeClr val="tx1"/>
+            </a:solidFill>
+          </a:ln>
+        </p:spPr>
+        <p:style>
+          <a:lnRef idx="1">
+            <a:schemeClr val="accent1"/>
+          </a:lnRef>
+          <a:fillRef idx="0">
+            <a:schemeClr val="accent1"/>
+          </a:fillRef>
+          <a:effectRef idx="0">
+            <a:schemeClr val="accent1"/>
+          </a:effectRef>
+          <a:fontRef idx="minor">
+            <a:schemeClr val="tx1"/>
+          </a:fontRef>
+        </p:style>
+      </p:cxnSp>
+      <p:cxnSp>
+        <p:nvCxnSpPr>
+          <p:cNvPr id="188" name="Conector angular 187"/>
+          <p:cNvCxnSpPr/>
+          <p:nvPr/>
+        </p:nvCxnSpPr>
+        <p:spPr>
+          <a:xfrm rot="5400000">
+            <a:off x="4003520" y="1490220"/>
+            <a:ext cx="182354" cy="1"/>
+          </a:xfrm>
+          <a:prstGeom prst="bentConnector3">
+            <a:avLst>
+              <a:gd name="adj1" fmla="val 50000"/>
+            </a:avLst>
+          </a:prstGeom>
+          <a:ln w="12700">
+            <a:solidFill>
+              <a:schemeClr val="tx1"/>
+            </a:solidFill>
+          </a:ln>
+        </p:spPr>
+        <p:style>
+          <a:lnRef idx="1">
+            <a:schemeClr val="accent1"/>
+          </a:lnRef>
+          <a:fillRef idx="0">
+            <a:schemeClr val="accent1"/>
+          </a:fillRef>
+          <a:effectRef idx="0">
+            <a:schemeClr val="accent1"/>
+          </a:effectRef>
+          <a:fontRef idx="minor">
+            <a:schemeClr val="tx1"/>
+          </a:fontRef>
+        </p:style>
+      </p:cxnSp>
+      <p:cxnSp>
+        <p:nvCxnSpPr>
+          <p:cNvPr id="189" name="Conector angular 188"/>
           <p:cNvCxnSpPr>
-            <a:stCxn id="339" idx="2"/>
-            <a:endCxn id="346" idx="0"/>
+            <a:endCxn id="274" idx="0"/>
           </p:cNvCxnSpPr>
           <p:nvPr/>
         </p:nvCxnSpPr>
         <p:spPr>
+          <a:xfrm rot="16200000" flipH="1">
+            <a:off x="4086663" y="630160"/>
+            <a:ext cx="91457" cy="1"/>
+          </a:xfrm>
+          <a:prstGeom prst="bentConnector3">
+            <a:avLst>
+              <a:gd name="adj1" fmla="val 50000"/>
+            </a:avLst>
+          </a:prstGeom>
+          <a:ln w="12700">
+            <a:solidFill>
+              <a:schemeClr val="tx1"/>
+            </a:solidFill>
+          </a:ln>
+        </p:spPr>
+        <p:style>
+          <a:lnRef idx="1">
+            <a:schemeClr val="accent1"/>
+          </a:lnRef>
+          <a:fillRef idx="0">
+            <a:schemeClr val="accent1"/>
+          </a:fillRef>
+          <a:effectRef idx="0">
+            <a:schemeClr val="accent1"/>
+          </a:effectRef>
+          <a:fontRef idx="minor">
+            <a:schemeClr val="tx1"/>
+          </a:fontRef>
+        </p:style>
+      </p:cxnSp>
+      <p:cxnSp>
+        <p:nvCxnSpPr>
+          <p:cNvPr id="197" name="Conector angular 196"/>
+          <p:cNvCxnSpPr/>
+          <p:nvPr/>
+        </p:nvCxnSpPr>
+        <p:spPr>
           <a:xfrm rot="5400000">
-            <a:off x="7925585" y="2750826"/>
-            <a:ext cx="176904" cy="93790"/>
+            <a:off x="2928979" y="2014573"/>
+            <a:ext cx="99730" cy="1"/>
+          </a:xfrm>
+          <a:prstGeom prst="bentConnector3">
+            <a:avLst>
+              <a:gd name="adj1" fmla="val 50000"/>
+            </a:avLst>
+          </a:prstGeom>
+          <a:ln w="12700">
+            <a:solidFill>
+              <a:schemeClr val="tx1"/>
+            </a:solidFill>
+          </a:ln>
+        </p:spPr>
+        <p:style>
+          <a:lnRef idx="1">
+            <a:schemeClr val="accent1"/>
+          </a:lnRef>
+          <a:fillRef idx="0">
+            <a:schemeClr val="accent1"/>
+          </a:fillRef>
+          <a:effectRef idx="0">
+            <a:schemeClr val="accent1"/>
+          </a:effectRef>
+          <a:fontRef idx="minor">
+            <a:schemeClr val="tx1"/>
+          </a:fontRef>
+        </p:style>
+      </p:cxnSp>
+      <p:cxnSp>
+        <p:nvCxnSpPr>
+          <p:cNvPr id="198" name="Conector angular 197"/>
+          <p:cNvCxnSpPr/>
+          <p:nvPr/>
+        </p:nvCxnSpPr>
+        <p:spPr>
+          <a:xfrm rot="5400000">
+            <a:off x="5573546" y="2048542"/>
+            <a:ext cx="237542" cy="1"/>
+          </a:xfrm>
+          <a:prstGeom prst="bentConnector3">
+            <a:avLst>
+              <a:gd name="adj1" fmla="val 50000"/>
+            </a:avLst>
+          </a:prstGeom>
+          <a:ln w="12700">
+            <a:solidFill>
+              <a:schemeClr val="tx1"/>
+            </a:solidFill>
+          </a:ln>
+        </p:spPr>
+        <p:style>
+          <a:lnRef idx="1">
+            <a:schemeClr val="accent1"/>
+          </a:lnRef>
+          <a:fillRef idx="0">
+            <a:schemeClr val="accent1"/>
+          </a:fillRef>
+          <a:effectRef idx="0">
+            <a:schemeClr val="accent1"/>
+          </a:effectRef>
+          <a:fontRef idx="minor">
+            <a:schemeClr val="tx1"/>
+          </a:fontRef>
+        </p:style>
+      </p:cxnSp>
+      <p:cxnSp>
+        <p:nvCxnSpPr>
+          <p:cNvPr id="209" name="Conector angular 208"/>
+          <p:cNvCxnSpPr/>
+          <p:nvPr/>
+        </p:nvCxnSpPr>
+        <p:spPr>
+          <a:xfrm rot="16200000" flipH="1">
+            <a:off x="1126721" y="4718613"/>
+            <a:ext cx="124155" cy="875"/>
           </a:xfrm>
           <a:prstGeom prst="bentConnector3">
             <a:avLst>
@@ -5908,4 +8752,265 @@
     </a:ext>
   </a:extLst>
 </a:theme>
+</file>
+
+<file path=ppt/theme/theme2.xml><?xml version="1.0" encoding="utf-8"?>
+<a:theme xmlns:a="http://schemas.openxmlformats.org/drawingml/2006/main" name="Diseño personalizado">
+  <a:themeElements>
+    <a:clrScheme name="Office">
+      <a:dk1>
+        <a:sysClr val="windowText" lastClr="000000"/>
+      </a:dk1>
+      <a:lt1>
+        <a:sysClr val="window" lastClr="FFFFFF"/>
+      </a:lt1>
+      <a:dk2>
+        <a:srgbClr val="44546A"/>
+      </a:dk2>
+      <a:lt2>
+        <a:srgbClr val="E7E6E6"/>
+      </a:lt2>
+      <a:accent1>
+        <a:srgbClr val="5B9BD5"/>
+      </a:accent1>
+      <a:accent2>
+        <a:srgbClr val="ED7D31"/>
+      </a:accent2>
+      <a:accent3>
+        <a:srgbClr val="A5A5A5"/>
+      </a:accent3>
+      <a:accent4>
+        <a:srgbClr val="FFC000"/>
+      </a:accent4>
+      <a:accent5>
+        <a:srgbClr val="4472C4"/>
+      </a:accent5>
+      <a:accent6>
+        <a:srgbClr val="70AD47"/>
+      </a:accent6>
+      <a:hlink>
+        <a:srgbClr val="0563C1"/>
+      </a:hlink>
+      <a:folHlink>
+        <a:srgbClr val="954F72"/>
+      </a:folHlink>
+    </a:clrScheme>
+    <a:fontScheme name="Office">
+      <a:majorFont>
+        <a:latin typeface="Calibri Light" panose="020F0302020204030204"/>
+        <a:ea typeface=""/>
+        <a:cs typeface=""/>
+        <a:font script="Jpan" typeface="ＭＳ Ｐゴシック"/>
+        <a:font script="Hang" typeface="맑은 고딕"/>
+        <a:font script="Hans" typeface="宋体"/>
+        <a:font script="Hant" typeface="新細明體"/>
+        <a:font script="Arab" typeface="Times New Roman"/>
+        <a:font script="Hebr" typeface="Times New Roman"/>
+        <a:font script="Thai" typeface="Angsana New"/>
+        <a:font script="Ethi" typeface="Nyala"/>
+        <a:font script="Beng" typeface="Vrinda"/>
+        <a:font script="Gujr" typeface="Shruti"/>
+        <a:font script="Khmr" typeface="MoolBoran"/>
+        <a:font script="Knda" typeface="Tunga"/>
+        <a:font script="Guru" typeface="Raavi"/>
+        <a:font script="Cans" typeface="Euphemia"/>
+        <a:font script="Cher" typeface="Plantagenet Cherokee"/>
+        <a:font script="Yiii" typeface="Microsoft Yi Baiti"/>
+        <a:font script="Tibt" typeface="Microsoft Himalaya"/>
+        <a:font script="Thaa" typeface="MV Boli"/>
+        <a:font script="Deva" typeface="Mangal"/>
+        <a:font script="Telu" typeface="Gautami"/>
+        <a:font script="Taml" typeface="Latha"/>
+        <a:font script="Syrc" typeface="Estrangelo Edessa"/>
+        <a:font script="Orya" typeface="Kalinga"/>
+        <a:font script="Mlym" typeface="Kartika"/>
+        <a:font script="Laoo" typeface="DokChampa"/>
+        <a:font script="Sinh" typeface="Iskoola Pota"/>
+        <a:font script="Mong" typeface="Mongolian Baiti"/>
+        <a:font script="Viet" typeface="Times New Roman"/>
+        <a:font script="Uigh" typeface="Microsoft Uighur"/>
+        <a:font script="Geor" typeface="Sylfaen"/>
+      </a:majorFont>
+      <a:minorFont>
+        <a:latin typeface="Calibri" panose="020F0502020204030204"/>
+        <a:ea typeface=""/>
+        <a:cs typeface=""/>
+        <a:font script="Jpan" typeface="ＭＳ Ｐゴシック"/>
+        <a:font script="Hang" typeface="맑은 고딕"/>
+        <a:font script="Hans" typeface="宋体"/>
+        <a:font script="Hant" typeface="新細明體"/>
+        <a:font script="Arab" typeface="Arial"/>
+        <a:font script="Hebr" typeface="Arial"/>
+        <a:font script="Thai" typeface="Cordia New"/>
+        <a:font script="Ethi" typeface="Nyala"/>
+        <a:font script="Beng" typeface="Vrinda"/>
+        <a:font script="Gujr" typeface="Shruti"/>
+        <a:font script="Khmr" typeface="DaunPenh"/>
+        <a:font script="Knda" typeface="Tunga"/>
+        <a:font script="Guru" typeface="Raavi"/>
+        <a:font script="Cans" typeface="Euphemia"/>
+        <a:font script="Cher" typeface="Plantagenet Cherokee"/>
+        <a:font script="Yiii" typeface="Microsoft Yi Baiti"/>
+        <a:font script="Tibt" typeface="Microsoft Himalaya"/>
+        <a:font script="Thaa" typeface="MV Boli"/>
+        <a:font script="Deva" typeface="Mangal"/>
+        <a:font script="Telu" typeface="Gautami"/>
+        <a:font script="Taml" typeface="Latha"/>
+        <a:font script="Syrc" typeface="Estrangelo Edessa"/>
+        <a:font script="Orya" typeface="Kalinga"/>
+        <a:font script="Mlym" typeface="Kartika"/>
+        <a:font script="Laoo" typeface="DokChampa"/>
+        <a:font script="Sinh" typeface="Iskoola Pota"/>
+        <a:font script="Mong" typeface="Mongolian Baiti"/>
+        <a:font script="Viet" typeface="Arial"/>
+        <a:font script="Uigh" typeface="Microsoft Uighur"/>
+        <a:font script="Geor" typeface="Sylfaen"/>
+      </a:minorFont>
+    </a:fontScheme>
+    <a:fmtScheme name="Office">
+      <a:fillStyleLst>
+        <a:solidFill>
+          <a:schemeClr val="phClr"/>
+        </a:solidFill>
+        <a:gradFill rotWithShape="1">
+          <a:gsLst>
+            <a:gs pos="0">
+              <a:schemeClr val="phClr">
+                <a:lumMod val="110000"/>
+                <a:satMod val="105000"/>
+                <a:tint val="67000"/>
+              </a:schemeClr>
+            </a:gs>
+            <a:gs pos="50000">
+              <a:schemeClr val="phClr">
+                <a:lumMod val="105000"/>
+                <a:satMod val="103000"/>
+                <a:tint val="73000"/>
+              </a:schemeClr>
+            </a:gs>
+            <a:gs pos="100000">
+              <a:schemeClr val="phClr">
+                <a:lumMod val="105000"/>
+                <a:satMod val="109000"/>
+                <a:tint val="81000"/>
+              </a:schemeClr>
+            </a:gs>
+          </a:gsLst>
+          <a:lin ang="5400000" scaled="0"/>
+        </a:gradFill>
+        <a:gradFill rotWithShape="1">
+          <a:gsLst>
+            <a:gs pos="0">
+              <a:schemeClr val="phClr">
+                <a:satMod val="103000"/>
+                <a:lumMod val="102000"/>
+                <a:tint val="94000"/>
+              </a:schemeClr>
+            </a:gs>
+            <a:gs pos="50000">
+              <a:schemeClr val="phClr">
+                <a:satMod val="110000"/>
+                <a:lumMod val="100000"/>
+                <a:shade val="100000"/>
+              </a:schemeClr>
+            </a:gs>
+            <a:gs pos="100000">
+              <a:schemeClr val="phClr">
+                <a:lumMod val="99000"/>
+                <a:satMod val="120000"/>
+                <a:shade val="78000"/>
+              </a:schemeClr>
+            </a:gs>
+          </a:gsLst>
+          <a:lin ang="5400000" scaled="0"/>
+        </a:gradFill>
+      </a:fillStyleLst>
+      <a:lnStyleLst>
+        <a:ln w="6350" cap="flat" cmpd="sng" algn="ctr">
+          <a:solidFill>
+            <a:schemeClr val="phClr"/>
+          </a:solidFill>
+          <a:prstDash val="solid"/>
+          <a:miter lim="800000"/>
+        </a:ln>
+        <a:ln w="12700" cap="flat" cmpd="sng" algn="ctr">
+          <a:solidFill>
+            <a:schemeClr val="phClr"/>
+          </a:solidFill>
+          <a:prstDash val="solid"/>
+          <a:miter lim="800000"/>
+        </a:ln>
+        <a:ln w="19050" cap="flat" cmpd="sng" algn="ctr">
+          <a:solidFill>
+            <a:schemeClr val="phClr"/>
+          </a:solidFill>
+          <a:prstDash val="solid"/>
+          <a:miter lim="800000"/>
+        </a:ln>
+      </a:lnStyleLst>
+      <a:effectStyleLst>
+        <a:effectStyle>
+          <a:effectLst/>
+        </a:effectStyle>
+        <a:effectStyle>
+          <a:effectLst/>
+        </a:effectStyle>
+        <a:effectStyle>
+          <a:effectLst>
+            <a:outerShdw blurRad="57150" dist="19050" dir="5400000" algn="ctr" rotWithShape="0">
+              <a:srgbClr val="000000">
+                <a:alpha val="63000"/>
+              </a:srgbClr>
+            </a:outerShdw>
+          </a:effectLst>
+        </a:effectStyle>
+      </a:effectStyleLst>
+      <a:bgFillStyleLst>
+        <a:solidFill>
+          <a:schemeClr val="phClr"/>
+        </a:solidFill>
+        <a:solidFill>
+          <a:schemeClr val="phClr">
+            <a:tint val="95000"/>
+            <a:satMod val="170000"/>
+          </a:schemeClr>
+        </a:solidFill>
+        <a:gradFill rotWithShape="1">
+          <a:gsLst>
+            <a:gs pos="0">
+              <a:schemeClr val="phClr">
+                <a:tint val="93000"/>
+                <a:satMod val="150000"/>
+                <a:shade val="98000"/>
+                <a:lumMod val="102000"/>
+              </a:schemeClr>
+            </a:gs>
+            <a:gs pos="50000">
+              <a:schemeClr val="phClr">
+                <a:tint val="98000"/>
+                <a:satMod val="130000"/>
+                <a:shade val="90000"/>
+                <a:lumMod val="103000"/>
+              </a:schemeClr>
+            </a:gs>
+            <a:gs pos="100000">
+              <a:schemeClr val="phClr">
+                <a:shade val="63000"/>
+                <a:satMod val="120000"/>
+              </a:schemeClr>
+            </a:gs>
+          </a:gsLst>
+          <a:lin ang="5400000" scaled="0"/>
+        </a:gradFill>
+      </a:bgFillStyleLst>
+    </a:fmtScheme>
+  </a:themeElements>
+  <a:objectDefaults/>
+  <a:extraClrSchemeLst/>
+  <a:extLst>
+    <a:ext uri="{05A4C25C-085E-4340-85A3-A5531E510DB2}">
+      <thm15:themeFamily xmlns:thm15="http://schemas.microsoft.com/office/thememl/2012/main" name="Office Theme" id="{62F939B6-93AF-4DB8-9C6B-D6C7DFDC589F}" vid="{4A3C46E8-61CC-4603-A589-7422A47A8E4A}"/>
+    </a:ext>
+  </a:extLst>
+</a:theme>
 </file>